--- a/Research/Imaging Worksheets/Misc/Hadamard Masks 3.pptx
+++ b/Research/Imaging Worksheets/Misc/Hadamard Masks 3.pptx
@@ -363,7 +363,7 @@
           <a:bodyPr/>
           <a:lstStyle/>
           <a:p>
-            <a:fld id="{02990404-B36F-4C9B-A27D-30D4FE9F5AED}" type="datetimeFigureOut">
+            <a:fld id="{983665D6-E205-4E61-83F5-3C60FC6D9A68}" type="datetimeFigureOut">
               <a:rPr lang="en-US" smtClean="0"/>
               <a:t>1/14/2016</a:t>
             </a:fld>
@@ -405,7 +405,7 @@
           <a:bodyPr/>
           <a:lstStyle/>
           <a:p>
-            <a:fld id="{E524FF77-3573-4987-B954-ED7FCC94BA8B}" type="slidenum">
+            <a:fld id="{D9F080D7-22E4-4E26-B182-55A0FF34F348}" type="slidenum">
               <a:rPr lang="en-US" smtClean="0"/>
               <a:t>‹#›</a:t>
             </a:fld>
@@ -416,7 +416,7 @@
     </p:spTree>
     <p:extLst>
       <p:ext uri="{BB962C8B-B14F-4D97-AF65-F5344CB8AC3E}">
-        <p14:creationId xmlns:p14="http://schemas.microsoft.com/office/powerpoint/2010/main" val="1922103621"/>
+        <p14:creationId xmlns:p14="http://schemas.microsoft.com/office/powerpoint/2010/main" val="2695068938"/>
       </p:ext>
     </p:extLst>
   </p:cSld>
@@ -484,7 +484,7 @@
             <a:pPr lvl="0"/>
             <a:r>
               <a:rPr lang="en-US" smtClean="0"/>
-              <a:t>Click to edit Master text styles</a:t>
+              <a:t>Edit Master text styles</a:t>
             </a:r>
           </a:p>
           <a:p>
@@ -533,7 +533,7 @@
           <a:bodyPr/>
           <a:lstStyle/>
           <a:p>
-            <a:fld id="{02990404-B36F-4C9B-A27D-30D4FE9F5AED}" type="datetimeFigureOut">
+            <a:fld id="{983665D6-E205-4E61-83F5-3C60FC6D9A68}" type="datetimeFigureOut">
               <a:rPr lang="en-US" smtClean="0"/>
               <a:t>1/14/2016</a:t>
             </a:fld>
@@ -575,7 +575,7 @@
           <a:bodyPr/>
           <a:lstStyle/>
           <a:p>
-            <a:fld id="{E524FF77-3573-4987-B954-ED7FCC94BA8B}" type="slidenum">
+            <a:fld id="{D9F080D7-22E4-4E26-B182-55A0FF34F348}" type="slidenum">
               <a:rPr lang="en-US" smtClean="0"/>
               <a:t>‹#›</a:t>
             </a:fld>
@@ -586,7 +586,7 @@
     </p:spTree>
     <p:extLst>
       <p:ext uri="{BB962C8B-B14F-4D97-AF65-F5344CB8AC3E}">
-        <p14:creationId xmlns:p14="http://schemas.microsoft.com/office/powerpoint/2010/main" val="3379168657"/>
+        <p14:creationId xmlns:p14="http://schemas.microsoft.com/office/powerpoint/2010/main" val="4090655753"/>
       </p:ext>
     </p:extLst>
   </p:cSld>
@@ -664,7 +664,7 @@
             <a:pPr lvl="0"/>
             <a:r>
               <a:rPr lang="en-US" smtClean="0"/>
-              <a:t>Click to edit Master text styles</a:t>
+              <a:t>Edit Master text styles</a:t>
             </a:r>
           </a:p>
           <a:p>
@@ -713,7 +713,7 @@
           <a:bodyPr/>
           <a:lstStyle/>
           <a:p>
-            <a:fld id="{02990404-B36F-4C9B-A27D-30D4FE9F5AED}" type="datetimeFigureOut">
+            <a:fld id="{983665D6-E205-4E61-83F5-3C60FC6D9A68}" type="datetimeFigureOut">
               <a:rPr lang="en-US" smtClean="0"/>
               <a:t>1/14/2016</a:t>
             </a:fld>
@@ -755,7 +755,7 @@
           <a:bodyPr/>
           <a:lstStyle/>
           <a:p>
-            <a:fld id="{E524FF77-3573-4987-B954-ED7FCC94BA8B}" type="slidenum">
+            <a:fld id="{D9F080D7-22E4-4E26-B182-55A0FF34F348}" type="slidenum">
               <a:rPr lang="en-US" smtClean="0"/>
               <a:t>‹#›</a:t>
             </a:fld>
@@ -766,7 +766,7 @@
     </p:spTree>
     <p:extLst>
       <p:ext uri="{BB962C8B-B14F-4D97-AF65-F5344CB8AC3E}">
-        <p14:creationId xmlns:p14="http://schemas.microsoft.com/office/powerpoint/2010/main" val="1083821032"/>
+        <p14:creationId xmlns:p14="http://schemas.microsoft.com/office/powerpoint/2010/main" val="2908552636"/>
       </p:ext>
     </p:extLst>
   </p:cSld>
@@ -834,7 +834,7 @@
             <a:pPr lvl="0"/>
             <a:r>
               <a:rPr lang="en-US" smtClean="0"/>
-              <a:t>Click to edit Master text styles</a:t>
+              <a:t>Edit Master text styles</a:t>
             </a:r>
           </a:p>
           <a:p>
@@ -883,7 +883,7 @@
           <a:bodyPr/>
           <a:lstStyle/>
           <a:p>
-            <a:fld id="{02990404-B36F-4C9B-A27D-30D4FE9F5AED}" type="datetimeFigureOut">
+            <a:fld id="{983665D6-E205-4E61-83F5-3C60FC6D9A68}" type="datetimeFigureOut">
               <a:rPr lang="en-US" smtClean="0"/>
               <a:t>1/14/2016</a:t>
             </a:fld>
@@ -925,7 +925,7 @@
           <a:bodyPr/>
           <a:lstStyle/>
           <a:p>
-            <a:fld id="{E524FF77-3573-4987-B954-ED7FCC94BA8B}" type="slidenum">
+            <a:fld id="{D9F080D7-22E4-4E26-B182-55A0FF34F348}" type="slidenum">
               <a:rPr lang="en-US" smtClean="0"/>
               <a:t>‹#›</a:t>
             </a:fld>
@@ -936,7 +936,7 @@
     </p:spTree>
     <p:extLst>
       <p:ext uri="{BB962C8B-B14F-4D97-AF65-F5344CB8AC3E}">
-        <p14:creationId xmlns:p14="http://schemas.microsoft.com/office/powerpoint/2010/main" val="844550618"/>
+        <p14:creationId xmlns:p14="http://schemas.microsoft.com/office/powerpoint/2010/main" val="3820805219"/>
       </p:ext>
     </p:extLst>
   </p:cSld>
@@ -1109,7 +1109,7 @@
             <a:pPr lvl="0"/>
             <a:r>
               <a:rPr lang="en-US" smtClean="0"/>
-              <a:t>Click to edit Master text styles</a:t>
+              <a:t>Edit Master text styles</a:t>
             </a:r>
           </a:p>
         </p:txBody>
@@ -1129,7 +1129,7 @@
           <a:bodyPr/>
           <a:lstStyle/>
           <a:p>
-            <a:fld id="{02990404-B36F-4C9B-A27D-30D4FE9F5AED}" type="datetimeFigureOut">
+            <a:fld id="{983665D6-E205-4E61-83F5-3C60FC6D9A68}" type="datetimeFigureOut">
               <a:rPr lang="en-US" smtClean="0"/>
               <a:t>1/14/2016</a:t>
             </a:fld>
@@ -1171,7 +1171,7 @@
           <a:bodyPr/>
           <a:lstStyle/>
           <a:p>
-            <a:fld id="{E524FF77-3573-4987-B954-ED7FCC94BA8B}" type="slidenum">
+            <a:fld id="{D9F080D7-22E4-4E26-B182-55A0FF34F348}" type="slidenum">
               <a:rPr lang="en-US" smtClean="0"/>
               <a:t>‹#›</a:t>
             </a:fld>
@@ -1182,7 +1182,7 @@
     </p:spTree>
     <p:extLst>
       <p:ext uri="{BB962C8B-B14F-4D97-AF65-F5344CB8AC3E}">
-        <p14:creationId xmlns:p14="http://schemas.microsoft.com/office/powerpoint/2010/main" val="3826658113"/>
+        <p14:creationId xmlns:p14="http://schemas.microsoft.com/office/powerpoint/2010/main" val="3349516394"/>
       </p:ext>
     </p:extLst>
   </p:cSld>
@@ -1255,7 +1255,7 @@
             <a:pPr lvl="0"/>
             <a:r>
               <a:rPr lang="en-US" smtClean="0"/>
-              <a:t>Click to edit Master text styles</a:t>
+              <a:t>Edit Master text styles</a:t>
             </a:r>
           </a:p>
           <a:p>
@@ -1312,7 +1312,7 @@
             <a:pPr lvl="0"/>
             <a:r>
               <a:rPr lang="en-US" smtClean="0"/>
-              <a:t>Click to edit Master text styles</a:t>
+              <a:t>Edit Master text styles</a:t>
             </a:r>
           </a:p>
           <a:p>
@@ -1361,7 +1361,7 @@
           <a:bodyPr/>
           <a:lstStyle/>
           <a:p>
-            <a:fld id="{02990404-B36F-4C9B-A27D-30D4FE9F5AED}" type="datetimeFigureOut">
+            <a:fld id="{983665D6-E205-4E61-83F5-3C60FC6D9A68}" type="datetimeFigureOut">
               <a:rPr lang="en-US" smtClean="0"/>
               <a:t>1/14/2016</a:t>
             </a:fld>
@@ -1403,7 +1403,7 @@
           <a:bodyPr/>
           <a:lstStyle/>
           <a:p>
-            <a:fld id="{E524FF77-3573-4987-B954-ED7FCC94BA8B}" type="slidenum">
+            <a:fld id="{D9F080D7-22E4-4E26-B182-55A0FF34F348}" type="slidenum">
               <a:rPr lang="en-US" smtClean="0"/>
               <a:t>‹#›</a:t>
             </a:fld>
@@ -1414,7 +1414,7 @@
     </p:spTree>
     <p:extLst>
       <p:ext uri="{BB962C8B-B14F-4D97-AF65-F5344CB8AC3E}">
-        <p14:creationId xmlns:p14="http://schemas.microsoft.com/office/powerpoint/2010/main" val="3045225404"/>
+        <p14:creationId xmlns:p14="http://schemas.microsoft.com/office/powerpoint/2010/main" val="359044341"/>
       </p:ext>
     </p:extLst>
   </p:cSld>
@@ -1529,7 +1529,7 @@
             <a:pPr lvl="0"/>
             <a:r>
               <a:rPr lang="en-US" smtClean="0"/>
-              <a:t>Click to edit Master text styles</a:t>
+              <a:t>Edit Master text styles</a:t>
             </a:r>
           </a:p>
         </p:txBody>
@@ -1557,7 +1557,7 @@
             <a:pPr lvl="0"/>
             <a:r>
               <a:rPr lang="en-US" smtClean="0"/>
-              <a:t>Click to edit Master text styles</a:t>
+              <a:t>Edit Master text styles</a:t>
             </a:r>
           </a:p>
           <a:p>
@@ -1651,7 +1651,7 @@
             <a:pPr lvl="0"/>
             <a:r>
               <a:rPr lang="en-US" smtClean="0"/>
-              <a:t>Click to edit Master text styles</a:t>
+              <a:t>Edit Master text styles</a:t>
             </a:r>
           </a:p>
         </p:txBody>
@@ -1679,7 +1679,7 @@
             <a:pPr lvl="0"/>
             <a:r>
               <a:rPr lang="en-US" smtClean="0"/>
-              <a:t>Click to edit Master text styles</a:t>
+              <a:t>Edit Master text styles</a:t>
             </a:r>
           </a:p>
           <a:p>
@@ -1728,7 +1728,7 @@
           <a:bodyPr/>
           <a:lstStyle/>
           <a:p>
-            <a:fld id="{02990404-B36F-4C9B-A27D-30D4FE9F5AED}" type="datetimeFigureOut">
+            <a:fld id="{983665D6-E205-4E61-83F5-3C60FC6D9A68}" type="datetimeFigureOut">
               <a:rPr lang="en-US" smtClean="0"/>
               <a:t>1/14/2016</a:t>
             </a:fld>
@@ -1770,7 +1770,7 @@
           <a:bodyPr/>
           <a:lstStyle/>
           <a:p>
-            <a:fld id="{E524FF77-3573-4987-B954-ED7FCC94BA8B}" type="slidenum">
+            <a:fld id="{D9F080D7-22E4-4E26-B182-55A0FF34F348}" type="slidenum">
               <a:rPr lang="en-US" smtClean="0"/>
               <a:t>‹#›</a:t>
             </a:fld>
@@ -1781,7 +1781,7 @@
     </p:spTree>
     <p:extLst>
       <p:ext uri="{BB962C8B-B14F-4D97-AF65-F5344CB8AC3E}">
-        <p14:creationId xmlns:p14="http://schemas.microsoft.com/office/powerpoint/2010/main" val="1576185956"/>
+        <p14:creationId xmlns:p14="http://schemas.microsoft.com/office/powerpoint/2010/main" val="3897327899"/>
       </p:ext>
     </p:extLst>
   </p:cSld>
@@ -1846,7 +1846,7 @@
           <a:bodyPr/>
           <a:lstStyle/>
           <a:p>
-            <a:fld id="{02990404-B36F-4C9B-A27D-30D4FE9F5AED}" type="datetimeFigureOut">
+            <a:fld id="{983665D6-E205-4E61-83F5-3C60FC6D9A68}" type="datetimeFigureOut">
               <a:rPr lang="en-US" smtClean="0"/>
               <a:t>1/14/2016</a:t>
             </a:fld>
@@ -1888,7 +1888,7 @@
           <a:bodyPr/>
           <a:lstStyle/>
           <a:p>
-            <a:fld id="{E524FF77-3573-4987-B954-ED7FCC94BA8B}" type="slidenum">
+            <a:fld id="{D9F080D7-22E4-4E26-B182-55A0FF34F348}" type="slidenum">
               <a:rPr lang="en-US" smtClean="0"/>
               <a:t>‹#›</a:t>
             </a:fld>
@@ -1899,7 +1899,7 @@
     </p:spTree>
     <p:extLst>
       <p:ext uri="{BB962C8B-B14F-4D97-AF65-F5344CB8AC3E}">
-        <p14:creationId xmlns:p14="http://schemas.microsoft.com/office/powerpoint/2010/main" val="2477772168"/>
+        <p14:creationId xmlns:p14="http://schemas.microsoft.com/office/powerpoint/2010/main" val="4235931157"/>
       </p:ext>
     </p:extLst>
   </p:cSld>
@@ -1941,7 +1941,7 @@
           <a:bodyPr/>
           <a:lstStyle/>
           <a:p>
-            <a:fld id="{02990404-B36F-4C9B-A27D-30D4FE9F5AED}" type="datetimeFigureOut">
+            <a:fld id="{983665D6-E205-4E61-83F5-3C60FC6D9A68}" type="datetimeFigureOut">
               <a:rPr lang="en-US" smtClean="0"/>
               <a:t>1/14/2016</a:t>
             </a:fld>
@@ -1983,7 +1983,7 @@
           <a:bodyPr/>
           <a:lstStyle/>
           <a:p>
-            <a:fld id="{E524FF77-3573-4987-B954-ED7FCC94BA8B}" type="slidenum">
+            <a:fld id="{D9F080D7-22E4-4E26-B182-55A0FF34F348}" type="slidenum">
               <a:rPr lang="en-US" smtClean="0"/>
               <a:t>‹#›</a:t>
             </a:fld>
@@ -1994,7 +1994,7 @@
     </p:spTree>
     <p:extLst>
       <p:ext uri="{BB962C8B-B14F-4D97-AF65-F5344CB8AC3E}">
-        <p14:creationId xmlns:p14="http://schemas.microsoft.com/office/powerpoint/2010/main" val="3141704142"/>
+        <p14:creationId xmlns:p14="http://schemas.microsoft.com/office/powerpoint/2010/main" val="3070947610"/>
       </p:ext>
     </p:extLst>
   </p:cSld>
@@ -2104,7 +2104,7 @@
             <a:pPr lvl="0"/>
             <a:r>
               <a:rPr lang="en-US" smtClean="0"/>
-              <a:t>Click to edit Master text styles</a:t>
+              <a:t>Edit Master text styles</a:t>
             </a:r>
           </a:p>
           <a:p>
@@ -2198,7 +2198,7 @@
             <a:pPr lvl="0"/>
             <a:r>
               <a:rPr lang="en-US" smtClean="0"/>
-              <a:t>Click to edit Master text styles</a:t>
+              <a:t>Edit Master text styles</a:t>
             </a:r>
           </a:p>
         </p:txBody>
@@ -2218,7 +2218,7 @@
           <a:bodyPr/>
           <a:lstStyle/>
           <a:p>
-            <a:fld id="{02990404-B36F-4C9B-A27D-30D4FE9F5AED}" type="datetimeFigureOut">
+            <a:fld id="{983665D6-E205-4E61-83F5-3C60FC6D9A68}" type="datetimeFigureOut">
               <a:rPr lang="en-US" smtClean="0"/>
               <a:t>1/14/2016</a:t>
             </a:fld>
@@ -2260,7 +2260,7 @@
           <a:bodyPr/>
           <a:lstStyle/>
           <a:p>
-            <a:fld id="{E524FF77-3573-4987-B954-ED7FCC94BA8B}" type="slidenum">
+            <a:fld id="{D9F080D7-22E4-4E26-B182-55A0FF34F348}" type="slidenum">
               <a:rPr lang="en-US" smtClean="0"/>
               <a:t>‹#›</a:t>
             </a:fld>
@@ -2271,7 +2271,7 @@
     </p:spTree>
     <p:extLst>
       <p:ext uri="{BB962C8B-B14F-4D97-AF65-F5344CB8AC3E}">
-        <p14:creationId xmlns:p14="http://schemas.microsoft.com/office/powerpoint/2010/main" val="2824728551"/>
+        <p14:creationId xmlns:p14="http://schemas.microsoft.com/office/powerpoint/2010/main" val="2149620366"/>
       </p:ext>
     </p:extLst>
   </p:cSld>
@@ -2451,7 +2451,7 @@
             <a:pPr lvl="0"/>
             <a:r>
               <a:rPr lang="en-US" smtClean="0"/>
-              <a:t>Click to edit Master text styles</a:t>
+              <a:t>Edit Master text styles</a:t>
             </a:r>
           </a:p>
         </p:txBody>
@@ -2471,7 +2471,7 @@
           <a:bodyPr/>
           <a:lstStyle/>
           <a:p>
-            <a:fld id="{02990404-B36F-4C9B-A27D-30D4FE9F5AED}" type="datetimeFigureOut">
+            <a:fld id="{983665D6-E205-4E61-83F5-3C60FC6D9A68}" type="datetimeFigureOut">
               <a:rPr lang="en-US" smtClean="0"/>
               <a:t>1/14/2016</a:t>
             </a:fld>
@@ -2513,7 +2513,7 @@
           <a:bodyPr/>
           <a:lstStyle/>
           <a:p>
-            <a:fld id="{E524FF77-3573-4987-B954-ED7FCC94BA8B}" type="slidenum">
+            <a:fld id="{D9F080D7-22E4-4E26-B182-55A0FF34F348}" type="slidenum">
               <a:rPr lang="en-US" smtClean="0"/>
               <a:t>‹#›</a:t>
             </a:fld>
@@ -2524,7 +2524,7 @@
     </p:spTree>
     <p:extLst>
       <p:ext uri="{BB962C8B-B14F-4D97-AF65-F5344CB8AC3E}">
-        <p14:creationId xmlns:p14="http://schemas.microsoft.com/office/powerpoint/2010/main" val="2857671846"/>
+        <p14:creationId xmlns:p14="http://schemas.microsoft.com/office/powerpoint/2010/main" val="614266671"/>
       </p:ext>
     </p:extLst>
   </p:cSld>
@@ -2617,7 +2617,7 @@
             <a:pPr lvl="0"/>
             <a:r>
               <a:rPr lang="en-US" smtClean="0"/>
-              <a:t>Click to edit Master text styles</a:t>
+              <a:t>Edit Master text styles</a:t>
             </a:r>
           </a:p>
           <a:p>
@@ -2684,7 +2684,7 @@
             </a:lvl1pPr>
           </a:lstStyle>
           <a:p>
-            <a:fld id="{02990404-B36F-4C9B-A27D-30D4FE9F5AED}" type="datetimeFigureOut">
+            <a:fld id="{983665D6-E205-4E61-83F5-3C60FC6D9A68}" type="datetimeFigureOut">
               <a:rPr lang="en-US" smtClean="0"/>
               <a:t>1/14/2016</a:t>
             </a:fld>
@@ -2762,7 +2762,7 @@
             </a:lvl1pPr>
           </a:lstStyle>
           <a:p>
-            <a:fld id="{E524FF77-3573-4987-B954-ED7FCC94BA8B}" type="slidenum">
+            <a:fld id="{D9F080D7-22E4-4E26-B182-55A0FF34F348}" type="slidenum">
               <a:rPr lang="en-US" smtClean="0"/>
               <a:t>‹#›</a:t>
             </a:fld>
@@ -2773,7 +2773,7 @@
     </p:spTree>
     <p:extLst>
       <p:ext uri="{BB962C8B-B14F-4D97-AF65-F5344CB8AC3E}">
-        <p14:creationId xmlns:p14="http://schemas.microsoft.com/office/powerpoint/2010/main" val="2921343660"/>
+        <p14:creationId xmlns:p14="http://schemas.microsoft.com/office/powerpoint/2010/main" val="2659773510"/>
       </p:ext>
     </p:extLst>
   </p:cSld>
@@ -3124,7 +3124,7 @@
     </p:spTree>
     <p:extLst>
       <p:ext uri="{BB962C8B-B14F-4D97-AF65-F5344CB8AC3E}">
-        <p14:creationId xmlns:p14="http://schemas.microsoft.com/office/powerpoint/2010/main" val="1446158818"/>
+        <p14:creationId xmlns:p14="http://schemas.microsoft.com/office/powerpoint/2010/main" val="214175220"/>
       </p:ext>
     </p:extLst>
   </p:cSld>
@@ -3184,7 +3184,7 @@
     </p:spTree>
     <p:extLst>
       <p:ext uri="{BB962C8B-B14F-4D97-AF65-F5344CB8AC3E}">
-        <p14:creationId xmlns:p14="http://schemas.microsoft.com/office/powerpoint/2010/main" val="1499926954"/>
+        <p14:creationId xmlns:p14="http://schemas.microsoft.com/office/powerpoint/2010/main" val="825212811"/>
       </p:ext>
     </p:extLst>
   </p:cSld>
@@ -3244,7 +3244,7 @@
     </p:spTree>
     <p:extLst>
       <p:ext uri="{BB962C8B-B14F-4D97-AF65-F5344CB8AC3E}">
-        <p14:creationId xmlns:p14="http://schemas.microsoft.com/office/powerpoint/2010/main" val="3583279107"/>
+        <p14:creationId xmlns:p14="http://schemas.microsoft.com/office/powerpoint/2010/main" val="942164405"/>
       </p:ext>
     </p:extLst>
   </p:cSld>
@@ -3304,7 +3304,7 @@
     </p:spTree>
     <p:extLst>
       <p:ext uri="{BB962C8B-B14F-4D97-AF65-F5344CB8AC3E}">
-        <p14:creationId xmlns:p14="http://schemas.microsoft.com/office/powerpoint/2010/main" val="1070329449"/>
+        <p14:creationId xmlns:p14="http://schemas.microsoft.com/office/powerpoint/2010/main" val="1124949082"/>
       </p:ext>
     </p:extLst>
   </p:cSld>
@@ -3364,7 +3364,7 @@
     </p:spTree>
     <p:extLst>
       <p:ext uri="{BB962C8B-B14F-4D97-AF65-F5344CB8AC3E}">
-        <p14:creationId xmlns:p14="http://schemas.microsoft.com/office/powerpoint/2010/main" val="2166869000"/>
+        <p14:creationId xmlns:p14="http://schemas.microsoft.com/office/powerpoint/2010/main" val="2715725999"/>
       </p:ext>
     </p:extLst>
   </p:cSld>
@@ -3424,7 +3424,7 @@
     </p:spTree>
     <p:extLst>
       <p:ext uri="{BB962C8B-B14F-4D97-AF65-F5344CB8AC3E}">
-        <p14:creationId xmlns:p14="http://schemas.microsoft.com/office/powerpoint/2010/main" val="928583102"/>
+        <p14:creationId xmlns:p14="http://schemas.microsoft.com/office/powerpoint/2010/main" val="1747065018"/>
       </p:ext>
     </p:extLst>
   </p:cSld>
@@ -3484,7 +3484,7 @@
     </p:spTree>
     <p:extLst>
       <p:ext uri="{BB962C8B-B14F-4D97-AF65-F5344CB8AC3E}">
-        <p14:creationId xmlns:p14="http://schemas.microsoft.com/office/powerpoint/2010/main" val="1730811188"/>
+        <p14:creationId xmlns:p14="http://schemas.microsoft.com/office/powerpoint/2010/main" val="2558826721"/>
       </p:ext>
     </p:extLst>
   </p:cSld>
@@ -3544,7 +3544,7 @@
     </p:spTree>
     <p:extLst>
       <p:ext uri="{BB962C8B-B14F-4D97-AF65-F5344CB8AC3E}">
-        <p14:creationId xmlns:p14="http://schemas.microsoft.com/office/powerpoint/2010/main" val="1645580811"/>
+        <p14:creationId xmlns:p14="http://schemas.microsoft.com/office/powerpoint/2010/main" val="2929298794"/>
       </p:ext>
     </p:extLst>
   </p:cSld>
@@ -3604,7 +3604,7 @@
     </p:spTree>
     <p:extLst>
       <p:ext uri="{BB962C8B-B14F-4D97-AF65-F5344CB8AC3E}">
-        <p14:creationId xmlns:p14="http://schemas.microsoft.com/office/powerpoint/2010/main" val="3949902223"/>
+        <p14:creationId xmlns:p14="http://schemas.microsoft.com/office/powerpoint/2010/main" val="178629816"/>
       </p:ext>
     </p:extLst>
   </p:cSld>
@@ -3664,7 +3664,7 @@
     </p:spTree>
     <p:extLst>
       <p:ext uri="{BB962C8B-B14F-4D97-AF65-F5344CB8AC3E}">
-        <p14:creationId xmlns:p14="http://schemas.microsoft.com/office/powerpoint/2010/main" val="2044553822"/>
+        <p14:creationId xmlns:p14="http://schemas.microsoft.com/office/powerpoint/2010/main" val="1091116357"/>
       </p:ext>
     </p:extLst>
   </p:cSld>
@@ -3724,7 +3724,7 @@
     </p:spTree>
     <p:extLst>
       <p:ext uri="{BB962C8B-B14F-4D97-AF65-F5344CB8AC3E}">
-        <p14:creationId xmlns:p14="http://schemas.microsoft.com/office/powerpoint/2010/main" val="3821348864"/>
+        <p14:creationId xmlns:p14="http://schemas.microsoft.com/office/powerpoint/2010/main" val="1922754402"/>
       </p:ext>
     </p:extLst>
   </p:cSld>
@@ -3784,7 +3784,7 @@
     </p:spTree>
     <p:extLst>
       <p:ext uri="{BB962C8B-B14F-4D97-AF65-F5344CB8AC3E}">
-        <p14:creationId xmlns:p14="http://schemas.microsoft.com/office/powerpoint/2010/main" val="1236003694"/>
+        <p14:creationId xmlns:p14="http://schemas.microsoft.com/office/powerpoint/2010/main" val="3928458578"/>
       </p:ext>
     </p:extLst>
   </p:cSld>
@@ -3844,7 +3844,7 @@
     </p:spTree>
     <p:extLst>
       <p:ext uri="{BB962C8B-B14F-4D97-AF65-F5344CB8AC3E}">
-        <p14:creationId xmlns:p14="http://schemas.microsoft.com/office/powerpoint/2010/main" val="4133753863"/>
+        <p14:creationId xmlns:p14="http://schemas.microsoft.com/office/powerpoint/2010/main" val="1838427401"/>
       </p:ext>
     </p:extLst>
   </p:cSld>
@@ -3904,7 +3904,7 @@
     </p:spTree>
     <p:extLst>
       <p:ext uri="{BB962C8B-B14F-4D97-AF65-F5344CB8AC3E}">
-        <p14:creationId xmlns:p14="http://schemas.microsoft.com/office/powerpoint/2010/main" val="2367403395"/>
+        <p14:creationId xmlns:p14="http://schemas.microsoft.com/office/powerpoint/2010/main" val="3935158607"/>
       </p:ext>
     </p:extLst>
   </p:cSld>
@@ -3964,7 +3964,7 @@
     </p:spTree>
     <p:extLst>
       <p:ext uri="{BB962C8B-B14F-4D97-AF65-F5344CB8AC3E}">
-        <p14:creationId xmlns:p14="http://schemas.microsoft.com/office/powerpoint/2010/main" val="3679579828"/>
+        <p14:creationId xmlns:p14="http://schemas.microsoft.com/office/powerpoint/2010/main" val="122815634"/>
       </p:ext>
     </p:extLst>
   </p:cSld>
@@ -4024,7 +4024,7 @@
     </p:spTree>
     <p:extLst>
       <p:ext uri="{BB962C8B-B14F-4D97-AF65-F5344CB8AC3E}">
-        <p14:creationId xmlns:p14="http://schemas.microsoft.com/office/powerpoint/2010/main" val="1653193149"/>
+        <p14:creationId xmlns:p14="http://schemas.microsoft.com/office/powerpoint/2010/main" val="2489725166"/>
       </p:ext>
     </p:extLst>
   </p:cSld>
@@ -4084,7 +4084,7 @@
     </p:spTree>
     <p:extLst>
       <p:ext uri="{BB962C8B-B14F-4D97-AF65-F5344CB8AC3E}">
-        <p14:creationId xmlns:p14="http://schemas.microsoft.com/office/powerpoint/2010/main" val="1000430484"/>
+        <p14:creationId xmlns:p14="http://schemas.microsoft.com/office/powerpoint/2010/main" val="2057176322"/>
       </p:ext>
     </p:extLst>
   </p:cSld>
@@ -4144,7 +4144,7 @@
     </p:spTree>
     <p:extLst>
       <p:ext uri="{BB962C8B-B14F-4D97-AF65-F5344CB8AC3E}">
-        <p14:creationId xmlns:p14="http://schemas.microsoft.com/office/powerpoint/2010/main" val="3296735152"/>
+        <p14:creationId xmlns:p14="http://schemas.microsoft.com/office/powerpoint/2010/main" val="3104375591"/>
       </p:ext>
     </p:extLst>
   </p:cSld>
@@ -4204,7 +4204,7 @@
     </p:spTree>
     <p:extLst>
       <p:ext uri="{BB962C8B-B14F-4D97-AF65-F5344CB8AC3E}">
-        <p14:creationId xmlns:p14="http://schemas.microsoft.com/office/powerpoint/2010/main" val="4267908183"/>
+        <p14:creationId xmlns:p14="http://schemas.microsoft.com/office/powerpoint/2010/main" val="2103092134"/>
       </p:ext>
     </p:extLst>
   </p:cSld>
@@ -4264,7 +4264,7 @@
     </p:spTree>
     <p:extLst>
       <p:ext uri="{BB962C8B-B14F-4D97-AF65-F5344CB8AC3E}">
-        <p14:creationId xmlns:p14="http://schemas.microsoft.com/office/powerpoint/2010/main" val="3394659834"/>
+        <p14:creationId xmlns:p14="http://schemas.microsoft.com/office/powerpoint/2010/main" val="2074704005"/>
       </p:ext>
     </p:extLst>
   </p:cSld>
@@ -4324,7 +4324,7 @@
     </p:spTree>
     <p:extLst>
       <p:ext uri="{BB962C8B-B14F-4D97-AF65-F5344CB8AC3E}">
-        <p14:creationId xmlns:p14="http://schemas.microsoft.com/office/powerpoint/2010/main" val="2680797694"/>
+        <p14:creationId xmlns:p14="http://schemas.microsoft.com/office/powerpoint/2010/main" val="1615894611"/>
       </p:ext>
     </p:extLst>
   </p:cSld>
@@ -4384,7 +4384,7 @@
     </p:spTree>
     <p:extLst>
       <p:ext uri="{BB962C8B-B14F-4D97-AF65-F5344CB8AC3E}">
-        <p14:creationId xmlns:p14="http://schemas.microsoft.com/office/powerpoint/2010/main" val="4168520073"/>
+        <p14:creationId xmlns:p14="http://schemas.microsoft.com/office/powerpoint/2010/main" val="483921727"/>
       </p:ext>
     </p:extLst>
   </p:cSld>
@@ -4444,7 +4444,7 @@
     </p:spTree>
     <p:extLst>
       <p:ext uri="{BB962C8B-B14F-4D97-AF65-F5344CB8AC3E}">
-        <p14:creationId xmlns:p14="http://schemas.microsoft.com/office/powerpoint/2010/main" val="117551368"/>
+        <p14:creationId xmlns:p14="http://schemas.microsoft.com/office/powerpoint/2010/main" val="860452402"/>
       </p:ext>
     </p:extLst>
   </p:cSld>
@@ -4504,7 +4504,7 @@
     </p:spTree>
     <p:extLst>
       <p:ext uri="{BB962C8B-B14F-4D97-AF65-F5344CB8AC3E}">
-        <p14:creationId xmlns:p14="http://schemas.microsoft.com/office/powerpoint/2010/main" val="1304907695"/>
+        <p14:creationId xmlns:p14="http://schemas.microsoft.com/office/powerpoint/2010/main" val="154987024"/>
       </p:ext>
     </p:extLst>
   </p:cSld>
@@ -4564,7 +4564,7 @@
     </p:spTree>
     <p:extLst>
       <p:ext uri="{BB962C8B-B14F-4D97-AF65-F5344CB8AC3E}">
-        <p14:creationId xmlns:p14="http://schemas.microsoft.com/office/powerpoint/2010/main" val="1885227834"/>
+        <p14:creationId xmlns:p14="http://schemas.microsoft.com/office/powerpoint/2010/main" val="2889471837"/>
       </p:ext>
     </p:extLst>
   </p:cSld>
@@ -4624,7 +4624,7 @@
     </p:spTree>
     <p:extLst>
       <p:ext uri="{BB962C8B-B14F-4D97-AF65-F5344CB8AC3E}">
-        <p14:creationId xmlns:p14="http://schemas.microsoft.com/office/powerpoint/2010/main" val="3156901032"/>
+        <p14:creationId xmlns:p14="http://schemas.microsoft.com/office/powerpoint/2010/main" val="1480713474"/>
       </p:ext>
     </p:extLst>
   </p:cSld>
@@ -4684,7 +4684,7 @@
     </p:spTree>
     <p:extLst>
       <p:ext uri="{BB962C8B-B14F-4D97-AF65-F5344CB8AC3E}">
-        <p14:creationId xmlns:p14="http://schemas.microsoft.com/office/powerpoint/2010/main" val="2525165071"/>
+        <p14:creationId xmlns:p14="http://schemas.microsoft.com/office/powerpoint/2010/main" val="4273989086"/>
       </p:ext>
     </p:extLst>
   </p:cSld>
@@ -4744,7 +4744,7 @@
     </p:spTree>
     <p:extLst>
       <p:ext uri="{BB962C8B-B14F-4D97-AF65-F5344CB8AC3E}">
-        <p14:creationId xmlns:p14="http://schemas.microsoft.com/office/powerpoint/2010/main" val="629296677"/>
+        <p14:creationId xmlns:p14="http://schemas.microsoft.com/office/powerpoint/2010/main" val="2532507609"/>
       </p:ext>
     </p:extLst>
   </p:cSld>
@@ -4804,7 +4804,7 @@
     </p:spTree>
     <p:extLst>
       <p:ext uri="{BB962C8B-B14F-4D97-AF65-F5344CB8AC3E}">
-        <p14:creationId xmlns:p14="http://schemas.microsoft.com/office/powerpoint/2010/main" val="1063801323"/>
+        <p14:creationId xmlns:p14="http://schemas.microsoft.com/office/powerpoint/2010/main" val="181637936"/>
       </p:ext>
     </p:extLst>
   </p:cSld>
@@ -4864,7 +4864,7 @@
     </p:spTree>
     <p:extLst>
       <p:ext uri="{BB962C8B-B14F-4D97-AF65-F5344CB8AC3E}">
-        <p14:creationId xmlns:p14="http://schemas.microsoft.com/office/powerpoint/2010/main" val="2776325826"/>
+        <p14:creationId xmlns:p14="http://schemas.microsoft.com/office/powerpoint/2010/main" val="2399113675"/>
       </p:ext>
     </p:extLst>
   </p:cSld>
@@ -4924,7 +4924,7 @@
     </p:spTree>
     <p:extLst>
       <p:ext uri="{BB962C8B-B14F-4D97-AF65-F5344CB8AC3E}">
-        <p14:creationId xmlns:p14="http://schemas.microsoft.com/office/powerpoint/2010/main" val="2920302880"/>
+        <p14:creationId xmlns:p14="http://schemas.microsoft.com/office/powerpoint/2010/main" val="2474113967"/>
       </p:ext>
     </p:extLst>
   </p:cSld>
@@ -4984,7 +4984,7 @@
     </p:spTree>
     <p:extLst>
       <p:ext uri="{BB962C8B-B14F-4D97-AF65-F5344CB8AC3E}">
-        <p14:creationId xmlns:p14="http://schemas.microsoft.com/office/powerpoint/2010/main" val="1001092645"/>
+        <p14:creationId xmlns:p14="http://schemas.microsoft.com/office/powerpoint/2010/main" val="1796912932"/>
       </p:ext>
     </p:extLst>
   </p:cSld>
@@ -5044,7 +5044,7 @@
     </p:spTree>
     <p:extLst>
       <p:ext uri="{BB962C8B-B14F-4D97-AF65-F5344CB8AC3E}">
-        <p14:creationId xmlns:p14="http://schemas.microsoft.com/office/powerpoint/2010/main" val="3791614875"/>
+        <p14:creationId xmlns:p14="http://schemas.microsoft.com/office/powerpoint/2010/main" val="3716153484"/>
       </p:ext>
     </p:extLst>
   </p:cSld>
@@ -5104,7 +5104,7 @@
     </p:spTree>
     <p:extLst>
       <p:ext uri="{BB962C8B-B14F-4D97-AF65-F5344CB8AC3E}">
-        <p14:creationId xmlns:p14="http://schemas.microsoft.com/office/powerpoint/2010/main" val="3524002854"/>
+        <p14:creationId xmlns:p14="http://schemas.microsoft.com/office/powerpoint/2010/main" val="1129692827"/>
       </p:ext>
     </p:extLst>
   </p:cSld>
@@ -5164,7 +5164,7 @@
     </p:spTree>
     <p:extLst>
       <p:ext uri="{BB962C8B-B14F-4D97-AF65-F5344CB8AC3E}">
-        <p14:creationId xmlns:p14="http://schemas.microsoft.com/office/powerpoint/2010/main" val="3101854554"/>
+        <p14:creationId xmlns:p14="http://schemas.microsoft.com/office/powerpoint/2010/main" val="3026898710"/>
       </p:ext>
     </p:extLst>
   </p:cSld>
@@ -5224,7 +5224,7 @@
     </p:spTree>
     <p:extLst>
       <p:ext uri="{BB962C8B-B14F-4D97-AF65-F5344CB8AC3E}">
-        <p14:creationId xmlns:p14="http://schemas.microsoft.com/office/powerpoint/2010/main" val="111161658"/>
+        <p14:creationId xmlns:p14="http://schemas.microsoft.com/office/powerpoint/2010/main" val="3009968235"/>
       </p:ext>
     </p:extLst>
   </p:cSld>
@@ -5284,7 +5284,7 @@
     </p:spTree>
     <p:extLst>
       <p:ext uri="{BB962C8B-B14F-4D97-AF65-F5344CB8AC3E}">
-        <p14:creationId xmlns:p14="http://schemas.microsoft.com/office/powerpoint/2010/main" val="1863290682"/>
+        <p14:creationId xmlns:p14="http://schemas.microsoft.com/office/powerpoint/2010/main" val="2849711230"/>
       </p:ext>
     </p:extLst>
   </p:cSld>
@@ -5344,7 +5344,7 @@
     </p:spTree>
     <p:extLst>
       <p:ext uri="{BB962C8B-B14F-4D97-AF65-F5344CB8AC3E}">
-        <p14:creationId xmlns:p14="http://schemas.microsoft.com/office/powerpoint/2010/main" val="1522436206"/>
+        <p14:creationId xmlns:p14="http://schemas.microsoft.com/office/powerpoint/2010/main" val="1742959029"/>
       </p:ext>
     </p:extLst>
   </p:cSld>
@@ -5404,7 +5404,7 @@
     </p:spTree>
     <p:extLst>
       <p:ext uri="{BB962C8B-B14F-4D97-AF65-F5344CB8AC3E}">
-        <p14:creationId xmlns:p14="http://schemas.microsoft.com/office/powerpoint/2010/main" val="2700027260"/>
+        <p14:creationId xmlns:p14="http://schemas.microsoft.com/office/powerpoint/2010/main" val="551878579"/>
       </p:ext>
     </p:extLst>
   </p:cSld>
@@ -5464,7 +5464,7 @@
     </p:spTree>
     <p:extLst>
       <p:ext uri="{BB962C8B-B14F-4D97-AF65-F5344CB8AC3E}">
-        <p14:creationId xmlns:p14="http://schemas.microsoft.com/office/powerpoint/2010/main" val="1221447524"/>
+        <p14:creationId xmlns:p14="http://schemas.microsoft.com/office/powerpoint/2010/main" val="1164334282"/>
       </p:ext>
     </p:extLst>
   </p:cSld>
@@ -5524,7 +5524,7 @@
     </p:spTree>
     <p:extLst>
       <p:ext uri="{BB962C8B-B14F-4D97-AF65-F5344CB8AC3E}">
-        <p14:creationId xmlns:p14="http://schemas.microsoft.com/office/powerpoint/2010/main" val="250535974"/>
+        <p14:creationId xmlns:p14="http://schemas.microsoft.com/office/powerpoint/2010/main" val="2159687077"/>
       </p:ext>
     </p:extLst>
   </p:cSld>
@@ -5584,7 +5584,7 @@
     </p:spTree>
     <p:extLst>
       <p:ext uri="{BB962C8B-B14F-4D97-AF65-F5344CB8AC3E}">
-        <p14:creationId xmlns:p14="http://schemas.microsoft.com/office/powerpoint/2010/main" val="898054777"/>
+        <p14:creationId xmlns:p14="http://schemas.microsoft.com/office/powerpoint/2010/main" val="2379985379"/>
       </p:ext>
     </p:extLst>
   </p:cSld>
@@ -5644,7 +5644,7 @@
     </p:spTree>
     <p:extLst>
       <p:ext uri="{BB962C8B-B14F-4D97-AF65-F5344CB8AC3E}">
-        <p14:creationId xmlns:p14="http://schemas.microsoft.com/office/powerpoint/2010/main" val="133733349"/>
+        <p14:creationId xmlns:p14="http://schemas.microsoft.com/office/powerpoint/2010/main" val="786603389"/>
       </p:ext>
     </p:extLst>
   </p:cSld>
@@ -5704,7 +5704,7 @@
     </p:spTree>
     <p:extLst>
       <p:ext uri="{BB962C8B-B14F-4D97-AF65-F5344CB8AC3E}">
-        <p14:creationId xmlns:p14="http://schemas.microsoft.com/office/powerpoint/2010/main" val="3239213685"/>
+        <p14:creationId xmlns:p14="http://schemas.microsoft.com/office/powerpoint/2010/main" val="205818122"/>
       </p:ext>
     </p:extLst>
   </p:cSld>
@@ -5764,7 +5764,7 @@
     </p:spTree>
     <p:extLst>
       <p:ext uri="{BB962C8B-B14F-4D97-AF65-F5344CB8AC3E}">
-        <p14:creationId xmlns:p14="http://schemas.microsoft.com/office/powerpoint/2010/main" val="199538476"/>
+        <p14:creationId xmlns:p14="http://schemas.microsoft.com/office/powerpoint/2010/main" val="1341012279"/>
       </p:ext>
     </p:extLst>
   </p:cSld>
@@ -5824,7 +5824,7 @@
     </p:spTree>
     <p:extLst>
       <p:ext uri="{BB962C8B-B14F-4D97-AF65-F5344CB8AC3E}">
-        <p14:creationId xmlns:p14="http://schemas.microsoft.com/office/powerpoint/2010/main" val="977485101"/>
+        <p14:creationId xmlns:p14="http://schemas.microsoft.com/office/powerpoint/2010/main" val="1427746853"/>
       </p:ext>
     </p:extLst>
   </p:cSld>
@@ -5884,7 +5884,7 @@
     </p:spTree>
     <p:extLst>
       <p:ext uri="{BB962C8B-B14F-4D97-AF65-F5344CB8AC3E}">
-        <p14:creationId xmlns:p14="http://schemas.microsoft.com/office/powerpoint/2010/main" val="1366191334"/>
+        <p14:creationId xmlns:p14="http://schemas.microsoft.com/office/powerpoint/2010/main" val="2964764432"/>
       </p:ext>
     </p:extLst>
   </p:cSld>
@@ -5944,7 +5944,7 @@
     </p:spTree>
     <p:extLst>
       <p:ext uri="{BB962C8B-B14F-4D97-AF65-F5344CB8AC3E}">
-        <p14:creationId xmlns:p14="http://schemas.microsoft.com/office/powerpoint/2010/main" val="3318312993"/>
+        <p14:creationId xmlns:p14="http://schemas.microsoft.com/office/powerpoint/2010/main" val="3398060195"/>
       </p:ext>
     </p:extLst>
   </p:cSld>
@@ -6004,7 +6004,7 @@
     </p:spTree>
     <p:extLst>
       <p:ext uri="{BB962C8B-B14F-4D97-AF65-F5344CB8AC3E}">
-        <p14:creationId xmlns:p14="http://schemas.microsoft.com/office/powerpoint/2010/main" val="752317027"/>
+        <p14:creationId xmlns:p14="http://schemas.microsoft.com/office/powerpoint/2010/main" val="2535754040"/>
       </p:ext>
     </p:extLst>
   </p:cSld>
@@ -6064,7 +6064,7 @@
     </p:spTree>
     <p:extLst>
       <p:ext uri="{BB962C8B-B14F-4D97-AF65-F5344CB8AC3E}">
-        <p14:creationId xmlns:p14="http://schemas.microsoft.com/office/powerpoint/2010/main" val="46724854"/>
+        <p14:creationId xmlns:p14="http://schemas.microsoft.com/office/powerpoint/2010/main" val="2784657153"/>
       </p:ext>
     </p:extLst>
   </p:cSld>
@@ -6124,7 +6124,7 @@
     </p:spTree>
     <p:extLst>
       <p:ext uri="{BB962C8B-B14F-4D97-AF65-F5344CB8AC3E}">
-        <p14:creationId xmlns:p14="http://schemas.microsoft.com/office/powerpoint/2010/main" val="1319317437"/>
+        <p14:creationId xmlns:p14="http://schemas.microsoft.com/office/powerpoint/2010/main" val="2247288770"/>
       </p:ext>
     </p:extLst>
   </p:cSld>
@@ -6184,7 +6184,7 @@
     </p:spTree>
     <p:extLst>
       <p:ext uri="{BB962C8B-B14F-4D97-AF65-F5344CB8AC3E}">
-        <p14:creationId xmlns:p14="http://schemas.microsoft.com/office/powerpoint/2010/main" val="3492257838"/>
+        <p14:creationId xmlns:p14="http://schemas.microsoft.com/office/powerpoint/2010/main" val="3741388029"/>
       </p:ext>
     </p:extLst>
   </p:cSld>
@@ -6244,7 +6244,7 @@
     </p:spTree>
     <p:extLst>
       <p:ext uri="{BB962C8B-B14F-4D97-AF65-F5344CB8AC3E}">
-        <p14:creationId xmlns:p14="http://schemas.microsoft.com/office/powerpoint/2010/main" val="3931720600"/>
+        <p14:creationId xmlns:p14="http://schemas.microsoft.com/office/powerpoint/2010/main" val="4052571575"/>
       </p:ext>
     </p:extLst>
   </p:cSld>
@@ -6304,7 +6304,7 @@
     </p:spTree>
     <p:extLst>
       <p:ext uri="{BB962C8B-B14F-4D97-AF65-F5344CB8AC3E}">
-        <p14:creationId xmlns:p14="http://schemas.microsoft.com/office/powerpoint/2010/main" val="1888289811"/>
+        <p14:creationId xmlns:p14="http://schemas.microsoft.com/office/powerpoint/2010/main" val="228107738"/>
       </p:ext>
     </p:extLst>
   </p:cSld>
@@ -6364,7 +6364,7 @@
     </p:spTree>
     <p:extLst>
       <p:ext uri="{BB962C8B-B14F-4D97-AF65-F5344CB8AC3E}">
-        <p14:creationId xmlns:p14="http://schemas.microsoft.com/office/powerpoint/2010/main" val="843825191"/>
+        <p14:creationId xmlns:p14="http://schemas.microsoft.com/office/powerpoint/2010/main" val="2575914901"/>
       </p:ext>
     </p:extLst>
   </p:cSld>
@@ -6424,7 +6424,7 @@
     </p:spTree>
     <p:extLst>
       <p:ext uri="{BB962C8B-B14F-4D97-AF65-F5344CB8AC3E}">
-        <p14:creationId xmlns:p14="http://schemas.microsoft.com/office/powerpoint/2010/main" val="3084246044"/>
+        <p14:creationId xmlns:p14="http://schemas.microsoft.com/office/powerpoint/2010/main" val="3480938637"/>
       </p:ext>
     </p:extLst>
   </p:cSld>
@@ -6484,7 +6484,7 @@
     </p:spTree>
     <p:extLst>
       <p:ext uri="{BB962C8B-B14F-4D97-AF65-F5344CB8AC3E}">
-        <p14:creationId xmlns:p14="http://schemas.microsoft.com/office/powerpoint/2010/main" val="3920468551"/>
+        <p14:creationId xmlns:p14="http://schemas.microsoft.com/office/powerpoint/2010/main" val="3791783562"/>
       </p:ext>
     </p:extLst>
   </p:cSld>
@@ -6544,7 +6544,7 @@
     </p:spTree>
     <p:extLst>
       <p:ext uri="{BB962C8B-B14F-4D97-AF65-F5344CB8AC3E}">
-        <p14:creationId xmlns:p14="http://schemas.microsoft.com/office/powerpoint/2010/main" val="1652613036"/>
+        <p14:creationId xmlns:p14="http://schemas.microsoft.com/office/powerpoint/2010/main" val="2963708383"/>
       </p:ext>
     </p:extLst>
   </p:cSld>
@@ -6604,7 +6604,7 @@
     </p:spTree>
     <p:extLst>
       <p:ext uri="{BB962C8B-B14F-4D97-AF65-F5344CB8AC3E}">
-        <p14:creationId xmlns:p14="http://schemas.microsoft.com/office/powerpoint/2010/main" val="2753444642"/>
+        <p14:creationId xmlns:p14="http://schemas.microsoft.com/office/powerpoint/2010/main" val="1064250949"/>
       </p:ext>
     </p:extLst>
   </p:cSld>
@@ -6664,7 +6664,7 @@
     </p:spTree>
     <p:extLst>
       <p:ext uri="{BB962C8B-B14F-4D97-AF65-F5344CB8AC3E}">
-        <p14:creationId xmlns:p14="http://schemas.microsoft.com/office/powerpoint/2010/main" val="488817433"/>
+        <p14:creationId xmlns:p14="http://schemas.microsoft.com/office/powerpoint/2010/main" val="389829810"/>
       </p:ext>
     </p:extLst>
   </p:cSld>
@@ -6724,7 +6724,7 @@
     </p:spTree>
     <p:extLst>
       <p:ext uri="{BB962C8B-B14F-4D97-AF65-F5344CB8AC3E}">
-        <p14:creationId xmlns:p14="http://schemas.microsoft.com/office/powerpoint/2010/main" val="3679745944"/>
+        <p14:creationId xmlns:p14="http://schemas.microsoft.com/office/powerpoint/2010/main" val="1533376937"/>
       </p:ext>
     </p:extLst>
   </p:cSld>
@@ -6784,7 +6784,7 @@
     </p:spTree>
     <p:extLst>
       <p:ext uri="{BB962C8B-B14F-4D97-AF65-F5344CB8AC3E}">
-        <p14:creationId xmlns:p14="http://schemas.microsoft.com/office/powerpoint/2010/main" val="1817056866"/>
+        <p14:creationId xmlns:p14="http://schemas.microsoft.com/office/powerpoint/2010/main" val="2429575644"/>
       </p:ext>
     </p:extLst>
   </p:cSld>
@@ -6844,7 +6844,7 @@
     </p:spTree>
     <p:extLst>
       <p:ext uri="{BB962C8B-B14F-4D97-AF65-F5344CB8AC3E}">
-        <p14:creationId xmlns:p14="http://schemas.microsoft.com/office/powerpoint/2010/main" val="2282380296"/>
+        <p14:creationId xmlns:p14="http://schemas.microsoft.com/office/powerpoint/2010/main" val="3110893834"/>
       </p:ext>
     </p:extLst>
   </p:cSld>
@@ -6904,7 +6904,7 @@
     </p:spTree>
     <p:extLst>
       <p:ext uri="{BB962C8B-B14F-4D97-AF65-F5344CB8AC3E}">
-        <p14:creationId xmlns:p14="http://schemas.microsoft.com/office/powerpoint/2010/main" val="541696640"/>
+        <p14:creationId xmlns:p14="http://schemas.microsoft.com/office/powerpoint/2010/main" val="4145963605"/>
       </p:ext>
     </p:extLst>
   </p:cSld>
@@ -6964,7 +6964,7 @@
     </p:spTree>
     <p:extLst>
       <p:ext uri="{BB962C8B-B14F-4D97-AF65-F5344CB8AC3E}">
-        <p14:creationId xmlns:p14="http://schemas.microsoft.com/office/powerpoint/2010/main" val="3264341435"/>
+        <p14:creationId xmlns:p14="http://schemas.microsoft.com/office/powerpoint/2010/main" val="2357894394"/>
       </p:ext>
     </p:extLst>
   </p:cSld>
@@ -7024,7 +7024,7 @@
     </p:spTree>
     <p:extLst>
       <p:ext uri="{BB962C8B-B14F-4D97-AF65-F5344CB8AC3E}">
-        <p14:creationId xmlns:p14="http://schemas.microsoft.com/office/powerpoint/2010/main" val="506839659"/>
+        <p14:creationId xmlns:p14="http://schemas.microsoft.com/office/powerpoint/2010/main" val="2899618502"/>
       </p:ext>
     </p:extLst>
   </p:cSld>
@@ -7084,7 +7084,7 @@
     </p:spTree>
     <p:extLst>
       <p:ext uri="{BB962C8B-B14F-4D97-AF65-F5344CB8AC3E}">
-        <p14:creationId xmlns:p14="http://schemas.microsoft.com/office/powerpoint/2010/main" val="2304856027"/>
+        <p14:creationId xmlns:p14="http://schemas.microsoft.com/office/powerpoint/2010/main" val="2665692054"/>
       </p:ext>
     </p:extLst>
   </p:cSld>
@@ -7144,7 +7144,7 @@
     </p:spTree>
     <p:extLst>
       <p:ext uri="{BB962C8B-B14F-4D97-AF65-F5344CB8AC3E}">
-        <p14:creationId xmlns:p14="http://schemas.microsoft.com/office/powerpoint/2010/main" val="803708404"/>
+        <p14:creationId xmlns:p14="http://schemas.microsoft.com/office/powerpoint/2010/main" val="1260337072"/>
       </p:ext>
     </p:extLst>
   </p:cSld>
@@ -7204,7 +7204,7 @@
     </p:spTree>
     <p:extLst>
       <p:ext uri="{BB962C8B-B14F-4D97-AF65-F5344CB8AC3E}">
-        <p14:creationId xmlns:p14="http://schemas.microsoft.com/office/powerpoint/2010/main" val="280350882"/>
+        <p14:creationId xmlns:p14="http://schemas.microsoft.com/office/powerpoint/2010/main" val="2485182242"/>
       </p:ext>
     </p:extLst>
   </p:cSld>
@@ -7264,7 +7264,7 @@
     </p:spTree>
     <p:extLst>
       <p:ext uri="{BB962C8B-B14F-4D97-AF65-F5344CB8AC3E}">
-        <p14:creationId xmlns:p14="http://schemas.microsoft.com/office/powerpoint/2010/main" val="3015183396"/>
+        <p14:creationId xmlns:p14="http://schemas.microsoft.com/office/powerpoint/2010/main" val="2265905728"/>
       </p:ext>
     </p:extLst>
   </p:cSld>
@@ -7324,7 +7324,7 @@
     </p:spTree>
     <p:extLst>
       <p:ext uri="{BB962C8B-B14F-4D97-AF65-F5344CB8AC3E}">
-        <p14:creationId xmlns:p14="http://schemas.microsoft.com/office/powerpoint/2010/main" val="4025445199"/>
+        <p14:creationId xmlns:p14="http://schemas.microsoft.com/office/powerpoint/2010/main" val="4054140286"/>
       </p:ext>
     </p:extLst>
   </p:cSld>
@@ -7384,7 +7384,7 @@
     </p:spTree>
     <p:extLst>
       <p:ext uri="{BB962C8B-B14F-4D97-AF65-F5344CB8AC3E}">
-        <p14:creationId xmlns:p14="http://schemas.microsoft.com/office/powerpoint/2010/main" val="3887985263"/>
+        <p14:creationId xmlns:p14="http://schemas.microsoft.com/office/powerpoint/2010/main" val="3672655776"/>
       </p:ext>
     </p:extLst>
   </p:cSld>
@@ -7444,7 +7444,7 @@
     </p:spTree>
     <p:extLst>
       <p:ext uri="{BB962C8B-B14F-4D97-AF65-F5344CB8AC3E}">
-        <p14:creationId xmlns:p14="http://schemas.microsoft.com/office/powerpoint/2010/main" val="30859356"/>
+        <p14:creationId xmlns:p14="http://schemas.microsoft.com/office/powerpoint/2010/main" val="3464048533"/>
       </p:ext>
     </p:extLst>
   </p:cSld>
@@ -7504,7 +7504,7 @@
     </p:spTree>
     <p:extLst>
       <p:ext uri="{BB962C8B-B14F-4D97-AF65-F5344CB8AC3E}">
-        <p14:creationId xmlns:p14="http://schemas.microsoft.com/office/powerpoint/2010/main" val="3764712657"/>
+        <p14:creationId xmlns:p14="http://schemas.microsoft.com/office/powerpoint/2010/main" val="486861391"/>
       </p:ext>
     </p:extLst>
   </p:cSld>
@@ -7564,7 +7564,7 @@
     </p:spTree>
     <p:extLst>
       <p:ext uri="{BB962C8B-B14F-4D97-AF65-F5344CB8AC3E}">
-        <p14:creationId xmlns:p14="http://schemas.microsoft.com/office/powerpoint/2010/main" val="4228602442"/>
+        <p14:creationId xmlns:p14="http://schemas.microsoft.com/office/powerpoint/2010/main" val="3364824159"/>
       </p:ext>
     </p:extLst>
   </p:cSld>
@@ -7624,7 +7624,7 @@
     </p:spTree>
     <p:extLst>
       <p:ext uri="{BB962C8B-B14F-4D97-AF65-F5344CB8AC3E}">
-        <p14:creationId xmlns:p14="http://schemas.microsoft.com/office/powerpoint/2010/main" val="946271091"/>
+        <p14:creationId xmlns:p14="http://schemas.microsoft.com/office/powerpoint/2010/main" val="2122116618"/>
       </p:ext>
     </p:extLst>
   </p:cSld>
@@ -7684,7 +7684,7 @@
     </p:spTree>
     <p:extLst>
       <p:ext uri="{BB962C8B-B14F-4D97-AF65-F5344CB8AC3E}">
-        <p14:creationId xmlns:p14="http://schemas.microsoft.com/office/powerpoint/2010/main" val="3605795164"/>
+        <p14:creationId xmlns:p14="http://schemas.microsoft.com/office/powerpoint/2010/main" val="1251543412"/>
       </p:ext>
     </p:extLst>
   </p:cSld>
@@ -7744,7 +7744,7 @@
     </p:spTree>
     <p:extLst>
       <p:ext uri="{BB962C8B-B14F-4D97-AF65-F5344CB8AC3E}">
-        <p14:creationId xmlns:p14="http://schemas.microsoft.com/office/powerpoint/2010/main" val="427515064"/>
+        <p14:creationId xmlns:p14="http://schemas.microsoft.com/office/powerpoint/2010/main" val="1822683108"/>
       </p:ext>
     </p:extLst>
   </p:cSld>
@@ -7804,7 +7804,7 @@
     </p:spTree>
     <p:extLst>
       <p:ext uri="{BB962C8B-B14F-4D97-AF65-F5344CB8AC3E}">
-        <p14:creationId xmlns:p14="http://schemas.microsoft.com/office/powerpoint/2010/main" val="2301840809"/>
+        <p14:creationId xmlns:p14="http://schemas.microsoft.com/office/powerpoint/2010/main" val="3982908778"/>
       </p:ext>
     </p:extLst>
   </p:cSld>
@@ -7864,7 +7864,7 @@
     </p:spTree>
     <p:extLst>
       <p:ext uri="{BB962C8B-B14F-4D97-AF65-F5344CB8AC3E}">
-        <p14:creationId xmlns:p14="http://schemas.microsoft.com/office/powerpoint/2010/main" val="2895894540"/>
+        <p14:creationId xmlns:p14="http://schemas.microsoft.com/office/powerpoint/2010/main" val="2239216673"/>
       </p:ext>
     </p:extLst>
   </p:cSld>
@@ -7924,7 +7924,7 @@
     </p:spTree>
     <p:extLst>
       <p:ext uri="{BB962C8B-B14F-4D97-AF65-F5344CB8AC3E}">
-        <p14:creationId xmlns:p14="http://schemas.microsoft.com/office/powerpoint/2010/main" val="2654538003"/>
+        <p14:creationId xmlns:p14="http://schemas.microsoft.com/office/powerpoint/2010/main" val="3219773971"/>
       </p:ext>
     </p:extLst>
   </p:cSld>
@@ -7984,7 +7984,7 @@
     </p:spTree>
     <p:extLst>
       <p:ext uri="{BB962C8B-B14F-4D97-AF65-F5344CB8AC3E}">
-        <p14:creationId xmlns:p14="http://schemas.microsoft.com/office/powerpoint/2010/main" val="1834036592"/>
+        <p14:creationId xmlns:p14="http://schemas.microsoft.com/office/powerpoint/2010/main" val="3693031079"/>
       </p:ext>
     </p:extLst>
   </p:cSld>
@@ -8044,7 +8044,7 @@
     </p:spTree>
     <p:extLst>
       <p:ext uri="{BB962C8B-B14F-4D97-AF65-F5344CB8AC3E}">
-        <p14:creationId xmlns:p14="http://schemas.microsoft.com/office/powerpoint/2010/main" val="1548595010"/>
+        <p14:creationId xmlns:p14="http://schemas.microsoft.com/office/powerpoint/2010/main" val="4294858765"/>
       </p:ext>
     </p:extLst>
   </p:cSld>
@@ -8104,7 +8104,7 @@
     </p:spTree>
     <p:extLst>
       <p:ext uri="{BB962C8B-B14F-4D97-AF65-F5344CB8AC3E}">
-        <p14:creationId xmlns:p14="http://schemas.microsoft.com/office/powerpoint/2010/main" val="1044297969"/>
+        <p14:creationId xmlns:p14="http://schemas.microsoft.com/office/powerpoint/2010/main" val="2056552709"/>
       </p:ext>
     </p:extLst>
   </p:cSld>
@@ -8164,7 +8164,7 @@
     </p:spTree>
     <p:extLst>
       <p:ext uri="{BB962C8B-B14F-4D97-AF65-F5344CB8AC3E}">
-        <p14:creationId xmlns:p14="http://schemas.microsoft.com/office/powerpoint/2010/main" val="3133949760"/>
+        <p14:creationId xmlns:p14="http://schemas.microsoft.com/office/powerpoint/2010/main" val="2654297034"/>
       </p:ext>
     </p:extLst>
   </p:cSld>
@@ -8224,7 +8224,7 @@
     </p:spTree>
     <p:extLst>
       <p:ext uri="{BB962C8B-B14F-4D97-AF65-F5344CB8AC3E}">
-        <p14:creationId xmlns:p14="http://schemas.microsoft.com/office/powerpoint/2010/main" val="3784870656"/>
+        <p14:creationId xmlns:p14="http://schemas.microsoft.com/office/powerpoint/2010/main" val="948100486"/>
       </p:ext>
     </p:extLst>
   </p:cSld>
@@ -8284,7 +8284,7 @@
     </p:spTree>
     <p:extLst>
       <p:ext uri="{BB962C8B-B14F-4D97-AF65-F5344CB8AC3E}">
-        <p14:creationId xmlns:p14="http://schemas.microsoft.com/office/powerpoint/2010/main" val="1557264724"/>
+        <p14:creationId xmlns:p14="http://schemas.microsoft.com/office/powerpoint/2010/main" val="1413768404"/>
       </p:ext>
     </p:extLst>
   </p:cSld>
@@ -8344,7 +8344,7 @@
     </p:spTree>
     <p:extLst>
       <p:ext uri="{BB962C8B-B14F-4D97-AF65-F5344CB8AC3E}">
-        <p14:creationId xmlns:p14="http://schemas.microsoft.com/office/powerpoint/2010/main" val="29736058"/>
+        <p14:creationId xmlns:p14="http://schemas.microsoft.com/office/powerpoint/2010/main" val="2144447507"/>
       </p:ext>
     </p:extLst>
   </p:cSld>
@@ -8404,7 +8404,7 @@
     </p:spTree>
     <p:extLst>
       <p:ext uri="{BB962C8B-B14F-4D97-AF65-F5344CB8AC3E}">
-        <p14:creationId xmlns:p14="http://schemas.microsoft.com/office/powerpoint/2010/main" val="1747036835"/>
+        <p14:creationId xmlns:p14="http://schemas.microsoft.com/office/powerpoint/2010/main" val="4220214389"/>
       </p:ext>
     </p:extLst>
   </p:cSld>
@@ -8464,7 +8464,7 @@
     </p:spTree>
     <p:extLst>
       <p:ext uri="{BB962C8B-B14F-4D97-AF65-F5344CB8AC3E}">
-        <p14:creationId xmlns:p14="http://schemas.microsoft.com/office/powerpoint/2010/main" val="2218350510"/>
+        <p14:creationId xmlns:p14="http://schemas.microsoft.com/office/powerpoint/2010/main" val="739436414"/>
       </p:ext>
     </p:extLst>
   </p:cSld>
@@ -8524,7 +8524,7 @@
     </p:spTree>
     <p:extLst>
       <p:ext uri="{BB962C8B-B14F-4D97-AF65-F5344CB8AC3E}">
-        <p14:creationId xmlns:p14="http://schemas.microsoft.com/office/powerpoint/2010/main" val="3224747615"/>
+        <p14:creationId xmlns:p14="http://schemas.microsoft.com/office/powerpoint/2010/main" val="3541077367"/>
       </p:ext>
     </p:extLst>
   </p:cSld>
@@ -8584,7 +8584,7 @@
     </p:spTree>
     <p:extLst>
       <p:ext uri="{BB962C8B-B14F-4D97-AF65-F5344CB8AC3E}">
-        <p14:creationId xmlns:p14="http://schemas.microsoft.com/office/powerpoint/2010/main" val="2483545330"/>
+        <p14:creationId xmlns:p14="http://schemas.microsoft.com/office/powerpoint/2010/main" val="3608146700"/>
       </p:ext>
     </p:extLst>
   </p:cSld>
@@ -8644,7 +8644,7 @@
     </p:spTree>
     <p:extLst>
       <p:ext uri="{BB962C8B-B14F-4D97-AF65-F5344CB8AC3E}">
-        <p14:creationId xmlns:p14="http://schemas.microsoft.com/office/powerpoint/2010/main" val="1307520697"/>
+        <p14:creationId xmlns:p14="http://schemas.microsoft.com/office/powerpoint/2010/main" val="56694216"/>
       </p:ext>
     </p:extLst>
   </p:cSld>
@@ -8704,7 +8704,7 @@
     </p:spTree>
     <p:extLst>
       <p:ext uri="{BB962C8B-B14F-4D97-AF65-F5344CB8AC3E}">
-        <p14:creationId xmlns:p14="http://schemas.microsoft.com/office/powerpoint/2010/main" val="3100400218"/>
+        <p14:creationId xmlns:p14="http://schemas.microsoft.com/office/powerpoint/2010/main" val="213339943"/>
       </p:ext>
     </p:extLst>
   </p:cSld>
@@ -8764,7 +8764,7 @@
     </p:spTree>
     <p:extLst>
       <p:ext uri="{BB962C8B-B14F-4D97-AF65-F5344CB8AC3E}">
-        <p14:creationId xmlns:p14="http://schemas.microsoft.com/office/powerpoint/2010/main" val="4250504414"/>
+        <p14:creationId xmlns:p14="http://schemas.microsoft.com/office/powerpoint/2010/main" val="371703024"/>
       </p:ext>
     </p:extLst>
   </p:cSld>
@@ -8824,7 +8824,7 @@
     </p:spTree>
     <p:extLst>
       <p:ext uri="{BB962C8B-B14F-4D97-AF65-F5344CB8AC3E}">
-        <p14:creationId xmlns:p14="http://schemas.microsoft.com/office/powerpoint/2010/main" val="1428341487"/>
+        <p14:creationId xmlns:p14="http://schemas.microsoft.com/office/powerpoint/2010/main" val="2310652422"/>
       </p:ext>
     </p:extLst>
   </p:cSld>
@@ -8884,7 +8884,7 @@
     </p:spTree>
     <p:extLst>
       <p:ext uri="{BB962C8B-B14F-4D97-AF65-F5344CB8AC3E}">
-        <p14:creationId xmlns:p14="http://schemas.microsoft.com/office/powerpoint/2010/main" val="1888537215"/>
+        <p14:creationId xmlns:p14="http://schemas.microsoft.com/office/powerpoint/2010/main" val="2223786758"/>
       </p:ext>
     </p:extLst>
   </p:cSld>
@@ -8944,7 +8944,7 @@
     </p:spTree>
     <p:extLst>
       <p:ext uri="{BB962C8B-B14F-4D97-AF65-F5344CB8AC3E}">
-        <p14:creationId xmlns:p14="http://schemas.microsoft.com/office/powerpoint/2010/main" val="199384671"/>
+        <p14:creationId xmlns:p14="http://schemas.microsoft.com/office/powerpoint/2010/main" val="1900946837"/>
       </p:ext>
     </p:extLst>
   </p:cSld>
@@ -9004,7 +9004,7 @@
     </p:spTree>
     <p:extLst>
       <p:ext uri="{BB962C8B-B14F-4D97-AF65-F5344CB8AC3E}">
-        <p14:creationId xmlns:p14="http://schemas.microsoft.com/office/powerpoint/2010/main" val="2644214238"/>
+        <p14:creationId xmlns:p14="http://schemas.microsoft.com/office/powerpoint/2010/main" val="3929662264"/>
       </p:ext>
     </p:extLst>
   </p:cSld>
@@ -9064,7 +9064,7 @@
     </p:spTree>
     <p:extLst>
       <p:ext uri="{BB962C8B-B14F-4D97-AF65-F5344CB8AC3E}">
-        <p14:creationId xmlns:p14="http://schemas.microsoft.com/office/powerpoint/2010/main" val="1010103404"/>
+        <p14:creationId xmlns:p14="http://schemas.microsoft.com/office/powerpoint/2010/main" val="923033378"/>
       </p:ext>
     </p:extLst>
   </p:cSld>
@@ -9124,7 +9124,7 @@
     </p:spTree>
     <p:extLst>
       <p:ext uri="{BB962C8B-B14F-4D97-AF65-F5344CB8AC3E}">
-        <p14:creationId xmlns:p14="http://schemas.microsoft.com/office/powerpoint/2010/main" val="2035365572"/>
+        <p14:creationId xmlns:p14="http://schemas.microsoft.com/office/powerpoint/2010/main" val="78071166"/>
       </p:ext>
     </p:extLst>
   </p:cSld>
@@ -9184,7 +9184,7 @@
     </p:spTree>
     <p:extLst>
       <p:ext uri="{BB962C8B-B14F-4D97-AF65-F5344CB8AC3E}">
-        <p14:creationId xmlns:p14="http://schemas.microsoft.com/office/powerpoint/2010/main" val="118847737"/>
+        <p14:creationId xmlns:p14="http://schemas.microsoft.com/office/powerpoint/2010/main" val="3669292149"/>
       </p:ext>
     </p:extLst>
   </p:cSld>
@@ -9244,7 +9244,7 @@
     </p:spTree>
     <p:extLst>
       <p:ext uri="{BB962C8B-B14F-4D97-AF65-F5344CB8AC3E}">
-        <p14:creationId xmlns:p14="http://schemas.microsoft.com/office/powerpoint/2010/main" val="814033205"/>
+        <p14:creationId xmlns:p14="http://schemas.microsoft.com/office/powerpoint/2010/main" val="211925417"/>
       </p:ext>
     </p:extLst>
   </p:cSld>
@@ -9304,7 +9304,7 @@
     </p:spTree>
     <p:extLst>
       <p:ext uri="{BB962C8B-B14F-4D97-AF65-F5344CB8AC3E}">
-        <p14:creationId xmlns:p14="http://schemas.microsoft.com/office/powerpoint/2010/main" val="1859496396"/>
+        <p14:creationId xmlns:p14="http://schemas.microsoft.com/office/powerpoint/2010/main" val="1213504452"/>
       </p:ext>
     </p:extLst>
   </p:cSld>
@@ -9364,7 +9364,7 @@
     </p:spTree>
     <p:extLst>
       <p:ext uri="{BB962C8B-B14F-4D97-AF65-F5344CB8AC3E}">
-        <p14:creationId xmlns:p14="http://schemas.microsoft.com/office/powerpoint/2010/main" val="1253735338"/>
+        <p14:creationId xmlns:p14="http://schemas.microsoft.com/office/powerpoint/2010/main" val="1514925110"/>
       </p:ext>
     </p:extLst>
   </p:cSld>
@@ -9424,7 +9424,7 @@
     </p:spTree>
     <p:extLst>
       <p:ext uri="{BB962C8B-B14F-4D97-AF65-F5344CB8AC3E}">
-        <p14:creationId xmlns:p14="http://schemas.microsoft.com/office/powerpoint/2010/main" val="3770413010"/>
+        <p14:creationId xmlns:p14="http://schemas.microsoft.com/office/powerpoint/2010/main" val="66246688"/>
       </p:ext>
     </p:extLst>
   </p:cSld>
@@ -9484,7 +9484,7 @@
     </p:spTree>
     <p:extLst>
       <p:ext uri="{BB962C8B-B14F-4D97-AF65-F5344CB8AC3E}">
-        <p14:creationId xmlns:p14="http://schemas.microsoft.com/office/powerpoint/2010/main" val="2491563893"/>
+        <p14:creationId xmlns:p14="http://schemas.microsoft.com/office/powerpoint/2010/main" val="3764065872"/>
       </p:ext>
     </p:extLst>
   </p:cSld>
@@ -9544,7 +9544,7 @@
     </p:spTree>
     <p:extLst>
       <p:ext uri="{BB962C8B-B14F-4D97-AF65-F5344CB8AC3E}">
-        <p14:creationId xmlns:p14="http://schemas.microsoft.com/office/powerpoint/2010/main" val="1359281253"/>
+        <p14:creationId xmlns:p14="http://schemas.microsoft.com/office/powerpoint/2010/main" val="146596814"/>
       </p:ext>
     </p:extLst>
   </p:cSld>
@@ -9604,7 +9604,7 @@
     </p:spTree>
     <p:extLst>
       <p:ext uri="{BB962C8B-B14F-4D97-AF65-F5344CB8AC3E}">
-        <p14:creationId xmlns:p14="http://schemas.microsoft.com/office/powerpoint/2010/main" val="1218229505"/>
+        <p14:creationId xmlns:p14="http://schemas.microsoft.com/office/powerpoint/2010/main" val="1405255861"/>
       </p:ext>
     </p:extLst>
   </p:cSld>
@@ -9664,7 +9664,7 @@
     </p:spTree>
     <p:extLst>
       <p:ext uri="{BB962C8B-B14F-4D97-AF65-F5344CB8AC3E}">
-        <p14:creationId xmlns:p14="http://schemas.microsoft.com/office/powerpoint/2010/main" val="2943230570"/>
+        <p14:creationId xmlns:p14="http://schemas.microsoft.com/office/powerpoint/2010/main" val="1642216048"/>
       </p:ext>
     </p:extLst>
   </p:cSld>
@@ -9724,7 +9724,7 @@
     </p:spTree>
     <p:extLst>
       <p:ext uri="{BB962C8B-B14F-4D97-AF65-F5344CB8AC3E}">
-        <p14:creationId xmlns:p14="http://schemas.microsoft.com/office/powerpoint/2010/main" val="1025502159"/>
+        <p14:creationId xmlns:p14="http://schemas.microsoft.com/office/powerpoint/2010/main" val="26475863"/>
       </p:ext>
     </p:extLst>
   </p:cSld>
@@ -9784,7 +9784,7 @@
     </p:spTree>
     <p:extLst>
       <p:ext uri="{BB962C8B-B14F-4D97-AF65-F5344CB8AC3E}">
-        <p14:creationId xmlns:p14="http://schemas.microsoft.com/office/powerpoint/2010/main" val="126514556"/>
+        <p14:creationId xmlns:p14="http://schemas.microsoft.com/office/powerpoint/2010/main" val="2682070900"/>
       </p:ext>
     </p:extLst>
   </p:cSld>
@@ -9844,7 +9844,7 @@
     </p:spTree>
     <p:extLst>
       <p:ext uri="{BB962C8B-B14F-4D97-AF65-F5344CB8AC3E}">
-        <p14:creationId xmlns:p14="http://schemas.microsoft.com/office/powerpoint/2010/main" val="3976713535"/>
+        <p14:creationId xmlns:p14="http://schemas.microsoft.com/office/powerpoint/2010/main" val="1462105134"/>
       </p:ext>
     </p:extLst>
   </p:cSld>
@@ -9904,7 +9904,7 @@
     </p:spTree>
     <p:extLst>
       <p:ext uri="{BB962C8B-B14F-4D97-AF65-F5344CB8AC3E}">
-        <p14:creationId xmlns:p14="http://schemas.microsoft.com/office/powerpoint/2010/main" val="1372013214"/>
+        <p14:creationId xmlns:p14="http://schemas.microsoft.com/office/powerpoint/2010/main" val="2277371350"/>
       </p:ext>
     </p:extLst>
   </p:cSld>
@@ -9964,7 +9964,7 @@
     </p:spTree>
     <p:extLst>
       <p:ext uri="{BB962C8B-B14F-4D97-AF65-F5344CB8AC3E}">
-        <p14:creationId xmlns:p14="http://schemas.microsoft.com/office/powerpoint/2010/main" val="3033564116"/>
+        <p14:creationId xmlns:p14="http://schemas.microsoft.com/office/powerpoint/2010/main" val="1381187834"/>
       </p:ext>
     </p:extLst>
   </p:cSld>
@@ -10024,7 +10024,7 @@
     </p:spTree>
     <p:extLst>
       <p:ext uri="{BB962C8B-B14F-4D97-AF65-F5344CB8AC3E}">
-        <p14:creationId xmlns:p14="http://schemas.microsoft.com/office/powerpoint/2010/main" val="1650211970"/>
+        <p14:creationId xmlns:p14="http://schemas.microsoft.com/office/powerpoint/2010/main" val="1287777443"/>
       </p:ext>
     </p:extLst>
   </p:cSld>
@@ -10084,7 +10084,7 @@
     </p:spTree>
     <p:extLst>
       <p:ext uri="{BB962C8B-B14F-4D97-AF65-F5344CB8AC3E}">
-        <p14:creationId xmlns:p14="http://schemas.microsoft.com/office/powerpoint/2010/main" val="2593180501"/>
+        <p14:creationId xmlns:p14="http://schemas.microsoft.com/office/powerpoint/2010/main" val="2699043098"/>
       </p:ext>
     </p:extLst>
   </p:cSld>
@@ -10144,7 +10144,7 @@
     </p:spTree>
     <p:extLst>
       <p:ext uri="{BB962C8B-B14F-4D97-AF65-F5344CB8AC3E}">
-        <p14:creationId xmlns:p14="http://schemas.microsoft.com/office/powerpoint/2010/main" val="1031992774"/>
+        <p14:creationId xmlns:p14="http://schemas.microsoft.com/office/powerpoint/2010/main" val="3736558826"/>
       </p:ext>
     </p:extLst>
   </p:cSld>
@@ -10204,7 +10204,7 @@
     </p:spTree>
     <p:extLst>
       <p:ext uri="{BB962C8B-B14F-4D97-AF65-F5344CB8AC3E}">
-        <p14:creationId xmlns:p14="http://schemas.microsoft.com/office/powerpoint/2010/main" val="4035098316"/>
+        <p14:creationId xmlns:p14="http://schemas.microsoft.com/office/powerpoint/2010/main" val="3222382865"/>
       </p:ext>
     </p:extLst>
   </p:cSld>
@@ -10264,7 +10264,7 @@
     </p:spTree>
     <p:extLst>
       <p:ext uri="{BB962C8B-B14F-4D97-AF65-F5344CB8AC3E}">
-        <p14:creationId xmlns:p14="http://schemas.microsoft.com/office/powerpoint/2010/main" val="2251342205"/>
+        <p14:creationId xmlns:p14="http://schemas.microsoft.com/office/powerpoint/2010/main" val="3163776231"/>
       </p:ext>
     </p:extLst>
   </p:cSld>
@@ -10324,7 +10324,7 @@
     </p:spTree>
     <p:extLst>
       <p:ext uri="{BB962C8B-B14F-4D97-AF65-F5344CB8AC3E}">
-        <p14:creationId xmlns:p14="http://schemas.microsoft.com/office/powerpoint/2010/main" val="2214181479"/>
+        <p14:creationId xmlns:p14="http://schemas.microsoft.com/office/powerpoint/2010/main" val="1014479608"/>
       </p:ext>
     </p:extLst>
   </p:cSld>
@@ -10384,7 +10384,7 @@
     </p:spTree>
     <p:extLst>
       <p:ext uri="{BB962C8B-B14F-4D97-AF65-F5344CB8AC3E}">
-        <p14:creationId xmlns:p14="http://schemas.microsoft.com/office/powerpoint/2010/main" val="1293412176"/>
+        <p14:creationId xmlns:p14="http://schemas.microsoft.com/office/powerpoint/2010/main" val="3671637564"/>
       </p:ext>
     </p:extLst>
   </p:cSld>
@@ -10444,7 +10444,7 @@
     </p:spTree>
     <p:extLst>
       <p:ext uri="{BB962C8B-B14F-4D97-AF65-F5344CB8AC3E}">
-        <p14:creationId xmlns:p14="http://schemas.microsoft.com/office/powerpoint/2010/main" val="3418335444"/>
+        <p14:creationId xmlns:p14="http://schemas.microsoft.com/office/powerpoint/2010/main" val="266077350"/>
       </p:ext>
     </p:extLst>
   </p:cSld>
@@ -10504,7 +10504,7 @@
     </p:spTree>
     <p:extLst>
       <p:ext uri="{BB962C8B-B14F-4D97-AF65-F5344CB8AC3E}">
-        <p14:creationId xmlns:p14="http://schemas.microsoft.com/office/powerpoint/2010/main" val="4260090982"/>
+        <p14:creationId xmlns:p14="http://schemas.microsoft.com/office/powerpoint/2010/main" val="2532772325"/>
       </p:ext>
     </p:extLst>
   </p:cSld>
@@ -10564,7 +10564,7 @@
     </p:spTree>
     <p:extLst>
       <p:ext uri="{BB962C8B-B14F-4D97-AF65-F5344CB8AC3E}">
-        <p14:creationId xmlns:p14="http://schemas.microsoft.com/office/powerpoint/2010/main" val="898744985"/>
+        <p14:creationId xmlns:p14="http://schemas.microsoft.com/office/powerpoint/2010/main" val="1567686814"/>
       </p:ext>
     </p:extLst>
   </p:cSld>
@@ -10624,7 +10624,7 @@
     </p:spTree>
     <p:extLst>
       <p:ext uri="{BB962C8B-B14F-4D97-AF65-F5344CB8AC3E}">
-        <p14:creationId xmlns:p14="http://schemas.microsoft.com/office/powerpoint/2010/main" val="213355847"/>
+        <p14:creationId xmlns:p14="http://schemas.microsoft.com/office/powerpoint/2010/main" val="3175975942"/>
       </p:ext>
     </p:extLst>
   </p:cSld>
@@ -10684,7 +10684,7 @@
     </p:spTree>
     <p:extLst>
       <p:ext uri="{BB962C8B-B14F-4D97-AF65-F5344CB8AC3E}">
-        <p14:creationId xmlns:p14="http://schemas.microsoft.com/office/powerpoint/2010/main" val="2339283635"/>
+        <p14:creationId xmlns:p14="http://schemas.microsoft.com/office/powerpoint/2010/main" val="4293076733"/>
       </p:ext>
     </p:extLst>
   </p:cSld>
@@ -10744,7 +10744,7 @@
     </p:spTree>
     <p:extLst>
       <p:ext uri="{BB962C8B-B14F-4D97-AF65-F5344CB8AC3E}">
-        <p14:creationId xmlns:p14="http://schemas.microsoft.com/office/powerpoint/2010/main" val="2730298155"/>
+        <p14:creationId xmlns:p14="http://schemas.microsoft.com/office/powerpoint/2010/main" val="3156102580"/>
       </p:ext>
     </p:extLst>
   </p:cSld>
@@ -10800,9 +10800,9 @@
         <a:latin typeface="Calibri Light" panose="020F0302020204030204"/>
         <a:ea typeface=""/>
         <a:cs typeface=""/>
-        <a:font script="Jpan" typeface="ＭＳ Ｐゴシック"/>
+        <a:font script="Jpan" typeface="游ゴシック Light"/>
         <a:font script="Hang" typeface="맑은 고딕"/>
-        <a:font script="Hans" typeface="宋体"/>
+        <a:font script="Hans" typeface="等线 Light"/>
         <a:font script="Hant" typeface="新細明體"/>
         <a:font script="Arab" typeface="Times New Roman"/>
         <a:font script="Hebr" typeface="Times New Roman"/>
@@ -10835,9 +10835,9 @@
         <a:latin typeface="Calibri" panose="020F0502020204030204"/>
         <a:ea typeface=""/>
         <a:cs typeface=""/>
-        <a:font script="Jpan" typeface="ＭＳ Ｐゴシック"/>
+        <a:font script="Jpan" typeface="游ゴシック"/>
         <a:font script="Hang" typeface="맑은 고딕"/>
-        <a:font script="Hans" typeface="宋体"/>
+        <a:font script="Hans" typeface="等线"/>
         <a:font script="Hant" typeface="新細明體"/>
         <a:font script="Arab" typeface="Arial"/>
         <a:font script="Hebr" typeface="Arial"/>

--- a/Research/Imaging Worksheets/Misc/Hadamard Masks 3.pptx
+++ b/Research/Imaging Worksheets/Misc/Hadamard Masks 3.pptx
@@ -5,134 +5,135 @@
     <p:sldMasterId id="2147483648" r:id="rId1"/>
   </p:sldMasterIdLst>
   <p:sldIdLst>
-    <p:sldId id="383" r:id="rId2"/>
-    <p:sldId id="382" r:id="rId3"/>
-    <p:sldId id="381" r:id="rId4"/>
-    <p:sldId id="380" r:id="rId5"/>
-    <p:sldId id="379" r:id="rId6"/>
-    <p:sldId id="378" r:id="rId7"/>
-    <p:sldId id="377" r:id="rId8"/>
-    <p:sldId id="376" r:id="rId9"/>
-    <p:sldId id="375" r:id="rId10"/>
-    <p:sldId id="374" r:id="rId11"/>
-    <p:sldId id="373" r:id="rId12"/>
-    <p:sldId id="372" r:id="rId13"/>
-    <p:sldId id="371" r:id="rId14"/>
-    <p:sldId id="370" r:id="rId15"/>
-    <p:sldId id="369" r:id="rId16"/>
-    <p:sldId id="368" r:id="rId17"/>
-    <p:sldId id="367" r:id="rId18"/>
-    <p:sldId id="366" r:id="rId19"/>
-    <p:sldId id="365" r:id="rId20"/>
-    <p:sldId id="364" r:id="rId21"/>
-    <p:sldId id="363" r:id="rId22"/>
-    <p:sldId id="362" r:id="rId23"/>
-    <p:sldId id="361" r:id="rId24"/>
-    <p:sldId id="360" r:id="rId25"/>
-    <p:sldId id="359" r:id="rId26"/>
-    <p:sldId id="358" r:id="rId27"/>
-    <p:sldId id="357" r:id="rId28"/>
-    <p:sldId id="356" r:id="rId29"/>
-    <p:sldId id="355" r:id="rId30"/>
-    <p:sldId id="354" r:id="rId31"/>
-    <p:sldId id="353" r:id="rId32"/>
-    <p:sldId id="352" r:id="rId33"/>
-    <p:sldId id="351" r:id="rId34"/>
-    <p:sldId id="350" r:id="rId35"/>
-    <p:sldId id="349" r:id="rId36"/>
-    <p:sldId id="348" r:id="rId37"/>
-    <p:sldId id="347" r:id="rId38"/>
-    <p:sldId id="346" r:id="rId39"/>
-    <p:sldId id="345" r:id="rId40"/>
-    <p:sldId id="344" r:id="rId41"/>
-    <p:sldId id="343" r:id="rId42"/>
-    <p:sldId id="342" r:id="rId43"/>
-    <p:sldId id="341" r:id="rId44"/>
-    <p:sldId id="340" r:id="rId45"/>
-    <p:sldId id="339" r:id="rId46"/>
-    <p:sldId id="338" r:id="rId47"/>
-    <p:sldId id="337" r:id="rId48"/>
-    <p:sldId id="336" r:id="rId49"/>
-    <p:sldId id="335" r:id="rId50"/>
-    <p:sldId id="334" r:id="rId51"/>
-    <p:sldId id="333" r:id="rId52"/>
-    <p:sldId id="332" r:id="rId53"/>
-    <p:sldId id="331" r:id="rId54"/>
-    <p:sldId id="330" r:id="rId55"/>
-    <p:sldId id="329" r:id="rId56"/>
-    <p:sldId id="328" r:id="rId57"/>
-    <p:sldId id="327" r:id="rId58"/>
-    <p:sldId id="326" r:id="rId59"/>
-    <p:sldId id="325" r:id="rId60"/>
-    <p:sldId id="324" r:id="rId61"/>
-    <p:sldId id="323" r:id="rId62"/>
-    <p:sldId id="322" r:id="rId63"/>
-    <p:sldId id="321" r:id="rId64"/>
-    <p:sldId id="320" r:id="rId65"/>
-    <p:sldId id="319" r:id="rId66"/>
-    <p:sldId id="318" r:id="rId67"/>
-    <p:sldId id="317" r:id="rId68"/>
-    <p:sldId id="316" r:id="rId69"/>
-    <p:sldId id="315" r:id="rId70"/>
-    <p:sldId id="314" r:id="rId71"/>
-    <p:sldId id="313" r:id="rId72"/>
-    <p:sldId id="312" r:id="rId73"/>
-    <p:sldId id="311" r:id="rId74"/>
-    <p:sldId id="310" r:id="rId75"/>
-    <p:sldId id="309" r:id="rId76"/>
-    <p:sldId id="308" r:id="rId77"/>
-    <p:sldId id="307" r:id="rId78"/>
-    <p:sldId id="306" r:id="rId79"/>
-    <p:sldId id="305" r:id="rId80"/>
-    <p:sldId id="304" r:id="rId81"/>
-    <p:sldId id="303" r:id="rId82"/>
-    <p:sldId id="302" r:id="rId83"/>
-    <p:sldId id="301" r:id="rId84"/>
-    <p:sldId id="300" r:id="rId85"/>
-    <p:sldId id="299" r:id="rId86"/>
-    <p:sldId id="298" r:id="rId87"/>
-    <p:sldId id="297" r:id="rId88"/>
-    <p:sldId id="296" r:id="rId89"/>
-    <p:sldId id="295" r:id="rId90"/>
-    <p:sldId id="294" r:id="rId91"/>
-    <p:sldId id="293" r:id="rId92"/>
-    <p:sldId id="292" r:id="rId93"/>
-    <p:sldId id="291" r:id="rId94"/>
-    <p:sldId id="290" r:id="rId95"/>
-    <p:sldId id="289" r:id="rId96"/>
-    <p:sldId id="288" r:id="rId97"/>
-    <p:sldId id="287" r:id="rId98"/>
-    <p:sldId id="286" r:id="rId99"/>
-    <p:sldId id="285" r:id="rId100"/>
-    <p:sldId id="284" r:id="rId101"/>
-    <p:sldId id="283" r:id="rId102"/>
-    <p:sldId id="282" r:id="rId103"/>
-    <p:sldId id="281" r:id="rId104"/>
-    <p:sldId id="280" r:id="rId105"/>
-    <p:sldId id="279" r:id="rId106"/>
-    <p:sldId id="278" r:id="rId107"/>
-    <p:sldId id="277" r:id="rId108"/>
-    <p:sldId id="276" r:id="rId109"/>
-    <p:sldId id="275" r:id="rId110"/>
-    <p:sldId id="274" r:id="rId111"/>
-    <p:sldId id="273" r:id="rId112"/>
-    <p:sldId id="272" r:id="rId113"/>
-    <p:sldId id="271" r:id="rId114"/>
-    <p:sldId id="270" r:id="rId115"/>
-    <p:sldId id="269" r:id="rId116"/>
-    <p:sldId id="268" r:id="rId117"/>
-    <p:sldId id="267" r:id="rId118"/>
-    <p:sldId id="266" r:id="rId119"/>
-    <p:sldId id="265" r:id="rId120"/>
-    <p:sldId id="264" r:id="rId121"/>
-    <p:sldId id="263" r:id="rId122"/>
-    <p:sldId id="262" r:id="rId123"/>
-    <p:sldId id="261" r:id="rId124"/>
-    <p:sldId id="260" r:id="rId125"/>
-    <p:sldId id="259" r:id="rId126"/>
-    <p:sldId id="258" r:id="rId127"/>
-    <p:sldId id="257" r:id="rId128"/>
-    <p:sldId id="256" r:id="rId129"/>
+    <p:sldId id="384" r:id="rId2"/>
+    <p:sldId id="383" r:id="rId3"/>
+    <p:sldId id="382" r:id="rId4"/>
+    <p:sldId id="381" r:id="rId5"/>
+    <p:sldId id="380" r:id="rId6"/>
+    <p:sldId id="379" r:id="rId7"/>
+    <p:sldId id="378" r:id="rId8"/>
+    <p:sldId id="377" r:id="rId9"/>
+    <p:sldId id="376" r:id="rId10"/>
+    <p:sldId id="375" r:id="rId11"/>
+    <p:sldId id="374" r:id="rId12"/>
+    <p:sldId id="373" r:id="rId13"/>
+    <p:sldId id="372" r:id="rId14"/>
+    <p:sldId id="371" r:id="rId15"/>
+    <p:sldId id="370" r:id="rId16"/>
+    <p:sldId id="369" r:id="rId17"/>
+    <p:sldId id="368" r:id="rId18"/>
+    <p:sldId id="367" r:id="rId19"/>
+    <p:sldId id="366" r:id="rId20"/>
+    <p:sldId id="365" r:id="rId21"/>
+    <p:sldId id="364" r:id="rId22"/>
+    <p:sldId id="363" r:id="rId23"/>
+    <p:sldId id="362" r:id="rId24"/>
+    <p:sldId id="361" r:id="rId25"/>
+    <p:sldId id="360" r:id="rId26"/>
+    <p:sldId id="359" r:id="rId27"/>
+    <p:sldId id="358" r:id="rId28"/>
+    <p:sldId id="357" r:id="rId29"/>
+    <p:sldId id="356" r:id="rId30"/>
+    <p:sldId id="355" r:id="rId31"/>
+    <p:sldId id="354" r:id="rId32"/>
+    <p:sldId id="353" r:id="rId33"/>
+    <p:sldId id="352" r:id="rId34"/>
+    <p:sldId id="351" r:id="rId35"/>
+    <p:sldId id="350" r:id="rId36"/>
+    <p:sldId id="349" r:id="rId37"/>
+    <p:sldId id="348" r:id="rId38"/>
+    <p:sldId id="347" r:id="rId39"/>
+    <p:sldId id="346" r:id="rId40"/>
+    <p:sldId id="345" r:id="rId41"/>
+    <p:sldId id="344" r:id="rId42"/>
+    <p:sldId id="343" r:id="rId43"/>
+    <p:sldId id="342" r:id="rId44"/>
+    <p:sldId id="341" r:id="rId45"/>
+    <p:sldId id="340" r:id="rId46"/>
+    <p:sldId id="339" r:id="rId47"/>
+    <p:sldId id="338" r:id="rId48"/>
+    <p:sldId id="337" r:id="rId49"/>
+    <p:sldId id="336" r:id="rId50"/>
+    <p:sldId id="335" r:id="rId51"/>
+    <p:sldId id="334" r:id="rId52"/>
+    <p:sldId id="333" r:id="rId53"/>
+    <p:sldId id="332" r:id="rId54"/>
+    <p:sldId id="331" r:id="rId55"/>
+    <p:sldId id="330" r:id="rId56"/>
+    <p:sldId id="329" r:id="rId57"/>
+    <p:sldId id="328" r:id="rId58"/>
+    <p:sldId id="327" r:id="rId59"/>
+    <p:sldId id="326" r:id="rId60"/>
+    <p:sldId id="325" r:id="rId61"/>
+    <p:sldId id="324" r:id="rId62"/>
+    <p:sldId id="323" r:id="rId63"/>
+    <p:sldId id="322" r:id="rId64"/>
+    <p:sldId id="321" r:id="rId65"/>
+    <p:sldId id="320" r:id="rId66"/>
+    <p:sldId id="319" r:id="rId67"/>
+    <p:sldId id="318" r:id="rId68"/>
+    <p:sldId id="317" r:id="rId69"/>
+    <p:sldId id="316" r:id="rId70"/>
+    <p:sldId id="315" r:id="rId71"/>
+    <p:sldId id="314" r:id="rId72"/>
+    <p:sldId id="313" r:id="rId73"/>
+    <p:sldId id="312" r:id="rId74"/>
+    <p:sldId id="311" r:id="rId75"/>
+    <p:sldId id="310" r:id="rId76"/>
+    <p:sldId id="309" r:id="rId77"/>
+    <p:sldId id="308" r:id="rId78"/>
+    <p:sldId id="307" r:id="rId79"/>
+    <p:sldId id="306" r:id="rId80"/>
+    <p:sldId id="305" r:id="rId81"/>
+    <p:sldId id="304" r:id="rId82"/>
+    <p:sldId id="303" r:id="rId83"/>
+    <p:sldId id="302" r:id="rId84"/>
+    <p:sldId id="301" r:id="rId85"/>
+    <p:sldId id="300" r:id="rId86"/>
+    <p:sldId id="299" r:id="rId87"/>
+    <p:sldId id="298" r:id="rId88"/>
+    <p:sldId id="297" r:id="rId89"/>
+    <p:sldId id="296" r:id="rId90"/>
+    <p:sldId id="295" r:id="rId91"/>
+    <p:sldId id="294" r:id="rId92"/>
+    <p:sldId id="293" r:id="rId93"/>
+    <p:sldId id="292" r:id="rId94"/>
+    <p:sldId id="291" r:id="rId95"/>
+    <p:sldId id="290" r:id="rId96"/>
+    <p:sldId id="289" r:id="rId97"/>
+    <p:sldId id="288" r:id="rId98"/>
+    <p:sldId id="287" r:id="rId99"/>
+    <p:sldId id="286" r:id="rId100"/>
+    <p:sldId id="285" r:id="rId101"/>
+    <p:sldId id="284" r:id="rId102"/>
+    <p:sldId id="283" r:id="rId103"/>
+    <p:sldId id="282" r:id="rId104"/>
+    <p:sldId id="281" r:id="rId105"/>
+    <p:sldId id="280" r:id="rId106"/>
+    <p:sldId id="279" r:id="rId107"/>
+    <p:sldId id="278" r:id="rId108"/>
+    <p:sldId id="277" r:id="rId109"/>
+    <p:sldId id="276" r:id="rId110"/>
+    <p:sldId id="275" r:id="rId111"/>
+    <p:sldId id="274" r:id="rId112"/>
+    <p:sldId id="273" r:id="rId113"/>
+    <p:sldId id="272" r:id="rId114"/>
+    <p:sldId id="271" r:id="rId115"/>
+    <p:sldId id="270" r:id="rId116"/>
+    <p:sldId id="269" r:id="rId117"/>
+    <p:sldId id="268" r:id="rId118"/>
+    <p:sldId id="267" r:id="rId119"/>
+    <p:sldId id="266" r:id="rId120"/>
+    <p:sldId id="265" r:id="rId121"/>
+    <p:sldId id="264" r:id="rId122"/>
+    <p:sldId id="263" r:id="rId123"/>
+    <p:sldId id="262" r:id="rId124"/>
+    <p:sldId id="261" r:id="rId125"/>
+    <p:sldId id="260" r:id="rId126"/>
+    <p:sldId id="259" r:id="rId127"/>
+    <p:sldId id="258" r:id="rId128"/>
+    <p:sldId id="257" r:id="rId129"/>
+    <p:sldId id="256" r:id="rId130"/>
   </p:sldIdLst>
   <p:sldSz cx="12192000" cy="6858000"/>
   <p:notesSz cx="6858000" cy="9144000"/>
@@ -363,9 +364,9 @@
           <a:bodyPr/>
           <a:lstStyle/>
           <a:p>
-            <a:fld id="{983665D6-E205-4E61-83F5-3C60FC6D9A68}" type="datetimeFigureOut">
+            <a:fld id="{118238AB-DE15-4979-861B-48B150D7BB6A}" type="datetimeFigureOut">
               <a:rPr lang="en-US" smtClean="0"/>
-              <a:t>1/14/2016</a:t>
+              <a:t>1/18/2016</a:t>
             </a:fld>
             <a:endParaRPr lang="en-US"/>
           </a:p>
@@ -405,7 +406,7 @@
           <a:bodyPr/>
           <a:lstStyle/>
           <a:p>
-            <a:fld id="{D9F080D7-22E4-4E26-B182-55A0FF34F348}" type="slidenum">
+            <a:fld id="{5221FA45-98EA-4406-A6C0-27963EADA0B0}" type="slidenum">
               <a:rPr lang="en-US" smtClean="0"/>
               <a:t>‹#›</a:t>
             </a:fld>
@@ -416,7 +417,7 @@
     </p:spTree>
     <p:extLst>
       <p:ext uri="{BB962C8B-B14F-4D97-AF65-F5344CB8AC3E}">
-        <p14:creationId xmlns:p14="http://schemas.microsoft.com/office/powerpoint/2010/main" val="2695068938"/>
+        <p14:creationId xmlns:p14="http://schemas.microsoft.com/office/powerpoint/2010/main" val="588916498"/>
       </p:ext>
     </p:extLst>
   </p:cSld>
@@ -484,7 +485,7 @@
             <a:pPr lvl="0"/>
             <a:r>
               <a:rPr lang="en-US" smtClean="0"/>
-              <a:t>Edit Master text styles</a:t>
+              <a:t>Click to edit Master text styles</a:t>
             </a:r>
           </a:p>
           <a:p>
@@ -533,9 +534,9 @@
           <a:bodyPr/>
           <a:lstStyle/>
           <a:p>
-            <a:fld id="{983665D6-E205-4E61-83F5-3C60FC6D9A68}" type="datetimeFigureOut">
+            <a:fld id="{118238AB-DE15-4979-861B-48B150D7BB6A}" type="datetimeFigureOut">
               <a:rPr lang="en-US" smtClean="0"/>
-              <a:t>1/14/2016</a:t>
+              <a:t>1/18/2016</a:t>
             </a:fld>
             <a:endParaRPr lang="en-US"/>
           </a:p>
@@ -575,7 +576,7 @@
           <a:bodyPr/>
           <a:lstStyle/>
           <a:p>
-            <a:fld id="{D9F080D7-22E4-4E26-B182-55A0FF34F348}" type="slidenum">
+            <a:fld id="{5221FA45-98EA-4406-A6C0-27963EADA0B0}" type="slidenum">
               <a:rPr lang="en-US" smtClean="0"/>
               <a:t>‹#›</a:t>
             </a:fld>
@@ -586,7 +587,7 @@
     </p:spTree>
     <p:extLst>
       <p:ext uri="{BB962C8B-B14F-4D97-AF65-F5344CB8AC3E}">
-        <p14:creationId xmlns:p14="http://schemas.microsoft.com/office/powerpoint/2010/main" val="4090655753"/>
+        <p14:creationId xmlns:p14="http://schemas.microsoft.com/office/powerpoint/2010/main" val="3266995422"/>
       </p:ext>
     </p:extLst>
   </p:cSld>
@@ -664,7 +665,7 @@
             <a:pPr lvl="0"/>
             <a:r>
               <a:rPr lang="en-US" smtClean="0"/>
-              <a:t>Edit Master text styles</a:t>
+              <a:t>Click to edit Master text styles</a:t>
             </a:r>
           </a:p>
           <a:p>
@@ -713,9 +714,9 @@
           <a:bodyPr/>
           <a:lstStyle/>
           <a:p>
-            <a:fld id="{983665D6-E205-4E61-83F5-3C60FC6D9A68}" type="datetimeFigureOut">
+            <a:fld id="{118238AB-DE15-4979-861B-48B150D7BB6A}" type="datetimeFigureOut">
               <a:rPr lang="en-US" smtClean="0"/>
-              <a:t>1/14/2016</a:t>
+              <a:t>1/18/2016</a:t>
             </a:fld>
             <a:endParaRPr lang="en-US"/>
           </a:p>
@@ -755,7 +756,7 @@
           <a:bodyPr/>
           <a:lstStyle/>
           <a:p>
-            <a:fld id="{D9F080D7-22E4-4E26-B182-55A0FF34F348}" type="slidenum">
+            <a:fld id="{5221FA45-98EA-4406-A6C0-27963EADA0B0}" type="slidenum">
               <a:rPr lang="en-US" smtClean="0"/>
               <a:t>‹#›</a:t>
             </a:fld>
@@ -766,7 +767,7 @@
     </p:spTree>
     <p:extLst>
       <p:ext uri="{BB962C8B-B14F-4D97-AF65-F5344CB8AC3E}">
-        <p14:creationId xmlns:p14="http://schemas.microsoft.com/office/powerpoint/2010/main" val="2908552636"/>
+        <p14:creationId xmlns:p14="http://schemas.microsoft.com/office/powerpoint/2010/main" val="2107163601"/>
       </p:ext>
     </p:extLst>
   </p:cSld>
@@ -834,7 +835,7 @@
             <a:pPr lvl="0"/>
             <a:r>
               <a:rPr lang="en-US" smtClean="0"/>
-              <a:t>Edit Master text styles</a:t>
+              <a:t>Click to edit Master text styles</a:t>
             </a:r>
           </a:p>
           <a:p>
@@ -883,9 +884,9 @@
           <a:bodyPr/>
           <a:lstStyle/>
           <a:p>
-            <a:fld id="{983665D6-E205-4E61-83F5-3C60FC6D9A68}" type="datetimeFigureOut">
+            <a:fld id="{118238AB-DE15-4979-861B-48B150D7BB6A}" type="datetimeFigureOut">
               <a:rPr lang="en-US" smtClean="0"/>
-              <a:t>1/14/2016</a:t>
+              <a:t>1/18/2016</a:t>
             </a:fld>
             <a:endParaRPr lang="en-US"/>
           </a:p>
@@ -925,7 +926,7 @@
           <a:bodyPr/>
           <a:lstStyle/>
           <a:p>
-            <a:fld id="{D9F080D7-22E4-4E26-B182-55A0FF34F348}" type="slidenum">
+            <a:fld id="{5221FA45-98EA-4406-A6C0-27963EADA0B0}" type="slidenum">
               <a:rPr lang="en-US" smtClean="0"/>
               <a:t>‹#›</a:t>
             </a:fld>
@@ -936,7 +937,7 @@
     </p:spTree>
     <p:extLst>
       <p:ext uri="{BB962C8B-B14F-4D97-AF65-F5344CB8AC3E}">
-        <p14:creationId xmlns:p14="http://schemas.microsoft.com/office/powerpoint/2010/main" val="3820805219"/>
+        <p14:creationId xmlns:p14="http://schemas.microsoft.com/office/powerpoint/2010/main" val="3930716634"/>
       </p:ext>
     </p:extLst>
   </p:cSld>
@@ -1109,7 +1110,7 @@
             <a:pPr lvl="0"/>
             <a:r>
               <a:rPr lang="en-US" smtClean="0"/>
-              <a:t>Edit Master text styles</a:t>
+              <a:t>Click to edit Master text styles</a:t>
             </a:r>
           </a:p>
         </p:txBody>
@@ -1129,9 +1130,9 @@
           <a:bodyPr/>
           <a:lstStyle/>
           <a:p>
-            <a:fld id="{983665D6-E205-4E61-83F5-3C60FC6D9A68}" type="datetimeFigureOut">
+            <a:fld id="{118238AB-DE15-4979-861B-48B150D7BB6A}" type="datetimeFigureOut">
               <a:rPr lang="en-US" smtClean="0"/>
-              <a:t>1/14/2016</a:t>
+              <a:t>1/18/2016</a:t>
             </a:fld>
             <a:endParaRPr lang="en-US"/>
           </a:p>
@@ -1171,7 +1172,7 @@
           <a:bodyPr/>
           <a:lstStyle/>
           <a:p>
-            <a:fld id="{D9F080D7-22E4-4E26-B182-55A0FF34F348}" type="slidenum">
+            <a:fld id="{5221FA45-98EA-4406-A6C0-27963EADA0B0}" type="slidenum">
               <a:rPr lang="en-US" smtClean="0"/>
               <a:t>‹#›</a:t>
             </a:fld>
@@ -1182,7 +1183,7 @@
     </p:spTree>
     <p:extLst>
       <p:ext uri="{BB962C8B-B14F-4D97-AF65-F5344CB8AC3E}">
-        <p14:creationId xmlns:p14="http://schemas.microsoft.com/office/powerpoint/2010/main" val="3349516394"/>
+        <p14:creationId xmlns:p14="http://schemas.microsoft.com/office/powerpoint/2010/main" val="498385260"/>
       </p:ext>
     </p:extLst>
   </p:cSld>
@@ -1255,7 +1256,7 @@
             <a:pPr lvl="0"/>
             <a:r>
               <a:rPr lang="en-US" smtClean="0"/>
-              <a:t>Edit Master text styles</a:t>
+              <a:t>Click to edit Master text styles</a:t>
             </a:r>
           </a:p>
           <a:p>
@@ -1312,7 +1313,7 @@
             <a:pPr lvl="0"/>
             <a:r>
               <a:rPr lang="en-US" smtClean="0"/>
-              <a:t>Edit Master text styles</a:t>
+              <a:t>Click to edit Master text styles</a:t>
             </a:r>
           </a:p>
           <a:p>
@@ -1361,9 +1362,9 @@
           <a:bodyPr/>
           <a:lstStyle/>
           <a:p>
-            <a:fld id="{983665D6-E205-4E61-83F5-3C60FC6D9A68}" type="datetimeFigureOut">
+            <a:fld id="{118238AB-DE15-4979-861B-48B150D7BB6A}" type="datetimeFigureOut">
               <a:rPr lang="en-US" smtClean="0"/>
-              <a:t>1/14/2016</a:t>
+              <a:t>1/18/2016</a:t>
             </a:fld>
             <a:endParaRPr lang="en-US"/>
           </a:p>
@@ -1403,7 +1404,7 @@
           <a:bodyPr/>
           <a:lstStyle/>
           <a:p>
-            <a:fld id="{D9F080D7-22E4-4E26-B182-55A0FF34F348}" type="slidenum">
+            <a:fld id="{5221FA45-98EA-4406-A6C0-27963EADA0B0}" type="slidenum">
               <a:rPr lang="en-US" smtClean="0"/>
               <a:t>‹#›</a:t>
             </a:fld>
@@ -1414,7 +1415,7 @@
     </p:spTree>
     <p:extLst>
       <p:ext uri="{BB962C8B-B14F-4D97-AF65-F5344CB8AC3E}">
-        <p14:creationId xmlns:p14="http://schemas.microsoft.com/office/powerpoint/2010/main" val="359044341"/>
+        <p14:creationId xmlns:p14="http://schemas.microsoft.com/office/powerpoint/2010/main" val="540379932"/>
       </p:ext>
     </p:extLst>
   </p:cSld>
@@ -1529,7 +1530,7 @@
             <a:pPr lvl="0"/>
             <a:r>
               <a:rPr lang="en-US" smtClean="0"/>
-              <a:t>Edit Master text styles</a:t>
+              <a:t>Click to edit Master text styles</a:t>
             </a:r>
           </a:p>
         </p:txBody>
@@ -1557,7 +1558,7 @@
             <a:pPr lvl="0"/>
             <a:r>
               <a:rPr lang="en-US" smtClean="0"/>
-              <a:t>Edit Master text styles</a:t>
+              <a:t>Click to edit Master text styles</a:t>
             </a:r>
           </a:p>
           <a:p>
@@ -1651,7 +1652,7 @@
             <a:pPr lvl="0"/>
             <a:r>
               <a:rPr lang="en-US" smtClean="0"/>
-              <a:t>Edit Master text styles</a:t>
+              <a:t>Click to edit Master text styles</a:t>
             </a:r>
           </a:p>
         </p:txBody>
@@ -1679,7 +1680,7 @@
             <a:pPr lvl="0"/>
             <a:r>
               <a:rPr lang="en-US" smtClean="0"/>
-              <a:t>Edit Master text styles</a:t>
+              <a:t>Click to edit Master text styles</a:t>
             </a:r>
           </a:p>
           <a:p>
@@ -1728,9 +1729,9 @@
           <a:bodyPr/>
           <a:lstStyle/>
           <a:p>
-            <a:fld id="{983665D6-E205-4E61-83F5-3C60FC6D9A68}" type="datetimeFigureOut">
+            <a:fld id="{118238AB-DE15-4979-861B-48B150D7BB6A}" type="datetimeFigureOut">
               <a:rPr lang="en-US" smtClean="0"/>
-              <a:t>1/14/2016</a:t>
+              <a:t>1/18/2016</a:t>
             </a:fld>
             <a:endParaRPr lang="en-US"/>
           </a:p>
@@ -1770,7 +1771,7 @@
           <a:bodyPr/>
           <a:lstStyle/>
           <a:p>
-            <a:fld id="{D9F080D7-22E4-4E26-B182-55A0FF34F348}" type="slidenum">
+            <a:fld id="{5221FA45-98EA-4406-A6C0-27963EADA0B0}" type="slidenum">
               <a:rPr lang="en-US" smtClean="0"/>
               <a:t>‹#›</a:t>
             </a:fld>
@@ -1781,7 +1782,7 @@
     </p:spTree>
     <p:extLst>
       <p:ext uri="{BB962C8B-B14F-4D97-AF65-F5344CB8AC3E}">
-        <p14:creationId xmlns:p14="http://schemas.microsoft.com/office/powerpoint/2010/main" val="3897327899"/>
+        <p14:creationId xmlns:p14="http://schemas.microsoft.com/office/powerpoint/2010/main" val="3095023889"/>
       </p:ext>
     </p:extLst>
   </p:cSld>
@@ -1846,9 +1847,9 @@
           <a:bodyPr/>
           <a:lstStyle/>
           <a:p>
-            <a:fld id="{983665D6-E205-4E61-83F5-3C60FC6D9A68}" type="datetimeFigureOut">
+            <a:fld id="{118238AB-DE15-4979-861B-48B150D7BB6A}" type="datetimeFigureOut">
               <a:rPr lang="en-US" smtClean="0"/>
-              <a:t>1/14/2016</a:t>
+              <a:t>1/18/2016</a:t>
             </a:fld>
             <a:endParaRPr lang="en-US"/>
           </a:p>
@@ -1888,7 +1889,7 @@
           <a:bodyPr/>
           <a:lstStyle/>
           <a:p>
-            <a:fld id="{D9F080D7-22E4-4E26-B182-55A0FF34F348}" type="slidenum">
+            <a:fld id="{5221FA45-98EA-4406-A6C0-27963EADA0B0}" type="slidenum">
               <a:rPr lang="en-US" smtClean="0"/>
               <a:t>‹#›</a:t>
             </a:fld>
@@ -1899,7 +1900,7 @@
     </p:spTree>
     <p:extLst>
       <p:ext uri="{BB962C8B-B14F-4D97-AF65-F5344CB8AC3E}">
-        <p14:creationId xmlns:p14="http://schemas.microsoft.com/office/powerpoint/2010/main" val="4235931157"/>
+        <p14:creationId xmlns:p14="http://schemas.microsoft.com/office/powerpoint/2010/main" val="2535734532"/>
       </p:ext>
     </p:extLst>
   </p:cSld>
@@ -1941,9 +1942,9 @@
           <a:bodyPr/>
           <a:lstStyle/>
           <a:p>
-            <a:fld id="{983665D6-E205-4E61-83F5-3C60FC6D9A68}" type="datetimeFigureOut">
+            <a:fld id="{118238AB-DE15-4979-861B-48B150D7BB6A}" type="datetimeFigureOut">
               <a:rPr lang="en-US" smtClean="0"/>
-              <a:t>1/14/2016</a:t>
+              <a:t>1/18/2016</a:t>
             </a:fld>
             <a:endParaRPr lang="en-US"/>
           </a:p>
@@ -1983,7 +1984,7 @@
           <a:bodyPr/>
           <a:lstStyle/>
           <a:p>
-            <a:fld id="{D9F080D7-22E4-4E26-B182-55A0FF34F348}" type="slidenum">
+            <a:fld id="{5221FA45-98EA-4406-A6C0-27963EADA0B0}" type="slidenum">
               <a:rPr lang="en-US" smtClean="0"/>
               <a:t>‹#›</a:t>
             </a:fld>
@@ -1994,7 +1995,7 @@
     </p:spTree>
     <p:extLst>
       <p:ext uri="{BB962C8B-B14F-4D97-AF65-F5344CB8AC3E}">
-        <p14:creationId xmlns:p14="http://schemas.microsoft.com/office/powerpoint/2010/main" val="3070947610"/>
+        <p14:creationId xmlns:p14="http://schemas.microsoft.com/office/powerpoint/2010/main" val="124084002"/>
       </p:ext>
     </p:extLst>
   </p:cSld>
@@ -2104,7 +2105,7 @@
             <a:pPr lvl="0"/>
             <a:r>
               <a:rPr lang="en-US" smtClean="0"/>
-              <a:t>Edit Master text styles</a:t>
+              <a:t>Click to edit Master text styles</a:t>
             </a:r>
           </a:p>
           <a:p>
@@ -2198,7 +2199,7 @@
             <a:pPr lvl="0"/>
             <a:r>
               <a:rPr lang="en-US" smtClean="0"/>
-              <a:t>Edit Master text styles</a:t>
+              <a:t>Click to edit Master text styles</a:t>
             </a:r>
           </a:p>
         </p:txBody>
@@ -2218,9 +2219,9 @@
           <a:bodyPr/>
           <a:lstStyle/>
           <a:p>
-            <a:fld id="{983665D6-E205-4E61-83F5-3C60FC6D9A68}" type="datetimeFigureOut">
+            <a:fld id="{118238AB-DE15-4979-861B-48B150D7BB6A}" type="datetimeFigureOut">
               <a:rPr lang="en-US" smtClean="0"/>
-              <a:t>1/14/2016</a:t>
+              <a:t>1/18/2016</a:t>
             </a:fld>
             <a:endParaRPr lang="en-US"/>
           </a:p>
@@ -2260,7 +2261,7 @@
           <a:bodyPr/>
           <a:lstStyle/>
           <a:p>
-            <a:fld id="{D9F080D7-22E4-4E26-B182-55A0FF34F348}" type="slidenum">
+            <a:fld id="{5221FA45-98EA-4406-A6C0-27963EADA0B0}" type="slidenum">
               <a:rPr lang="en-US" smtClean="0"/>
               <a:t>‹#›</a:t>
             </a:fld>
@@ -2271,7 +2272,7 @@
     </p:spTree>
     <p:extLst>
       <p:ext uri="{BB962C8B-B14F-4D97-AF65-F5344CB8AC3E}">
-        <p14:creationId xmlns:p14="http://schemas.microsoft.com/office/powerpoint/2010/main" val="2149620366"/>
+        <p14:creationId xmlns:p14="http://schemas.microsoft.com/office/powerpoint/2010/main" val="693227218"/>
       </p:ext>
     </p:extLst>
   </p:cSld>
@@ -2451,7 +2452,7 @@
             <a:pPr lvl="0"/>
             <a:r>
               <a:rPr lang="en-US" smtClean="0"/>
-              <a:t>Edit Master text styles</a:t>
+              <a:t>Click to edit Master text styles</a:t>
             </a:r>
           </a:p>
         </p:txBody>
@@ -2471,9 +2472,9 @@
           <a:bodyPr/>
           <a:lstStyle/>
           <a:p>
-            <a:fld id="{983665D6-E205-4E61-83F5-3C60FC6D9A68}" type="datetimeFigureOut">
+            <a:fld id="{118238AB-DE15-4979-861B-48B150D7BB6A}" type="datetimeFigureOut">
               <a:rPr lang="en-US" smtClean="0"/>
-              <a:t>1/14/2016</a:t>
+              <a:t>1/18/2016</a:t>
             </a:fld>
             <a:endParaRPr lang="en-US"/>
           </a:p>
@@ -2513,7 +2514,7 @@
           <a:bodyPr/>
           <a:lstStyle/>
           <a:p>
-            <a:fld id="{D9F080D7-22E4-4E26-B182-55A0FF34F348}" type="slidenum">
+            <a:fld id="{5221FA45-98EA-4406-A6C0-27963EADA0B0}" type="slidenum">
               <a:rPr lang="en-US" smtClean="0"/>
               <a:t>‹#›</a:t>
             </a:fld>
@@ -2524,7 +2525,7 @@
     </p:spTree>
     <p:extLst>
       <p:ext uri="{BB962C8B-B14F-4D97-AF65-F5344CB8AC3E}">
-        <p14:creationId xmlns:p14="http://schemas.microsoft.com/office/powerpoint/2010/main" val="614266671"/>
+        <p14:creationId xmlns:p14="http://schemas.microsoft.com/office/powerpoint/2010/main" val="714023468"/>
       </p:ext>
     </p:extLst>
   </p:cSld>
@@ -2617,7 +2618,7 @@
             <a:pPr lvl="0"/>
             <a:r>
               <a:rPr lang="en-US" smtClean="0"/>
-              <a:t>Edit Master text styles</a:t>
+              <a:t>Click to edit Master text styles</a:t>
             </a:r>
           </a:p>
           <a:p>
@@ -2684,9 +2685,9 @@
             </a:lvl1pPr>
           </a:lstStyle>
           <a:p>
-            <a:fld id="{983665D6-E205-4E61-83F5-3C60FC6D9A68}" type="datetimeFigureOut">
+            <a:fld id="{118238AB-DE15-4979-861B-48B150D7BB6A}" type="datetimeFigureOut">
               <a:rPr lang="en-US" smtClean="0"/>
-              <a:t>1/14/2016</a:t>
+              <a:t>1/18/2016</a:t>
             </a:fld>
             <a:endParaRPr lang="en-US"/>
           </a:p>
@@ -2762,7 +2763,7 @@
             </a:lvl1pPr>
           </a:lstStyle>
           <a:p>
-            <a:fld id="{D9F080D7-22E4-4E26-B182-55A0FF34F348}" type="slidenum">
+            <a:fld id="{5221FA45-98EA-4406-A6C0-27963EADA0B0}" type="slidenum">
               <a:rPr lang="en-US" smtClean="0"/>
               <a:t>‹#›</a:t>
             </a:fld>
@@ -2773,7 +2774,7 @@
     </p:spTree>
     <p:extLst>
       <p:ext uri="{BB962C8B-B14F-4D97-AF65-F5344CB8AC3E}">
-        <p14:creationId xmlns:p14="http://schemas.microsoft.com/office/powerpoint/2010/main" val="2659773510"/>
+        <p14:creationId xmlns:p14="http://schemas.microsoft.com/office/powerpoint/2010/main" val="2798713618"/>
       </p:ext>
     </p:extLst>
   </p:cSld>
@@ -3091,40 +3092,10 @@
           <a:chExt cx="0" cy="0"/>
         </a:xfrm>
       </p:grpSpPr>
-      <p:pic>
-        <p:nvPicPr>
-          <p:cNvPr id="2" name="Picture 1"/>
-          <p:cNvPicPr>
-            <a:picLocks noChangeAspect="1"/>
-          </p:cNvPicPr>
-          <p:nvPr/>
-        </p:nvPicPr>
-        <p:blipFill>
-          <a:blip r:embed="rId3">
-            <a:extLst>
-              <a:ext uri="{28A0092B-C50C-407E-A947-70E740481C1C}">
-                <a14:useLocalDpi xmlns:a14="http://schemas.microsoft.com/office/drawing/2010/main" val="0"/>
-              </a:ext>
-            </a:extLst>
-          </a:blip>
-          <a:stretch>
-            <a:fillRect/>
-          </a:stretch>
-        </p:blipFill>
-        <p:spPr>
-          <a:xfrm>
-            <a:off x="2540000" y="0"/>
-            <a:ext cx="6858000" cy="6858000"/>
-          </a:xfrm>
-          <a:prstGeom prst="rect">
-            <a:avLst/>
-          </a:prstGeom>
-        </p:spPr>
-      </p:pic>
     </p:spTree>
     <p:extLst>
       <p:ext uri="{BB962C8B-B14F-4D97-AF65-F5344CB8AC3E}">
-        <p14:creationId xmlns:p14="http://schemas.microsoft.com/office/powerpoint/2010/main" val="214175220"/>
+        <p14:creationId xmlns:p14="http://schemas.microsoft.com/office/powerpoint/2010/main" val="230286337"/>
       </p:ext>
     </p:extLst>
   </p:cSld>
@@ -3155,7 +3126,7 @@
         <p:nvPicPr>
           <p:cNvPr id="2" name="Picture 1"/>
           <p:cNvPicPr>
-            <a:picLocks noChangeAspect="1"/>
+            <a:picLocks/>
           </p:cNvPicPr>
           <p:nvPr/>
         </p:nvPicPr>
@@ -3173,8 +3144,8 @@
         </p:blipFill>
         <p:spPr>
           <a:xfrm>
-            <a:off x="2540000" y="0"/>
-            <a:ext cx="6858000" cy="6858000"/>
+            <a:off x="3810000" y="1270000"/>
+            <a:ext cx="4445000" cy="4445000"/>
           </a:xfrm>
           <a:prstGeom prst="rect">
             <a:avLst/>
@@ -3184,7 +3155,7 @@
     </p:spTree>
     <p:extLst>
       <p:ext uri="{BB962C8B-B14F-4D97-AF65-F5344CB8AC3E}">
-        <p14:creationId xmlns:p14="http://schemas.microsoft.com/office/powerpoint/2010/main" val="825212811"/>
+        <p14:creationId xmlns:p14="http://schemas.microsoft.com/office/powerpoint/2010/main" val="1129153283"/>
       </p:ext>
     </p:extLst>
   </p:cSld>
@@ -3215,7 +3186,7 @@
         <p:nvPicPr>
           <p:cNvPr id="2" name="Picture 1"/>
           <p:cNvPicPr>
-            <a:picLocks noChangeAspect="1"/>
+            <a:picLocks/>
           </p:cNvPicPr>
           <p:nvPr/>
         </p:nvPicPr>
@@ -3233,8 +3204,8 @@
         </p:blipFill>
         <p:spPr>
           <a:xfrm>
-            <a:off x="2540000" y="0"/>
-            <a:ext cx="6858000" cy="6858000"/>
+            <a:off x="3810000" y="1270000"/>
+            <a:ext cx="4445000" cy="4445000"/>
           </a:xfrm>
           <a:prstGeom prst="rect">
             <a:avLst/>
@@ -3244,7 +3215,7 @@
     </p:spTree>
     <p:extLst>
       <p:ext uri="{BB962C8B-B14F-4D97-AF65-F5344CB8AC3E}">
-        <p14:creationId xmlns:p14="http://schemas.microsoft.com/office/powerpoint/2010/main" val="942164405"/>
+        <p14:creationId xmlns:p14="http://schemas.microsoft.com/office/powerpoint/2010/main" val="2976885307"/>
       </p:ext>
     </p:extLst>
   </p:cSld>
@@ -3275,7 +3246,7 @@
         <p:nvPicPr>
           <p:cNvPr id="2" name="Picture 1"/>
           <p:cNvPicPr>
-            <a:picLocks noChangeAspect="1"/>
+            <a:picLocks/>
           </p:cNvPicPr>
           <p:nvPr/>
         </p:nvPicPr>
@@ -3293,8 +3264,8 @@
         </p:blipFill>
         <p:spPr>
           <a:xfrm>
-            <a:off x="2540000" y="0"/>
-            <a:ext cx="6858000" cy="6858000"/>
+            <a:off x="3810000" y="1270000"/>
+            <a:ext cx="4445000" cy="4445000"/>
           </a:xfrm>
           <a:prstGeom prst="rect">
             <a:avLst/>
@@ -3304,7 +3275,7 @@
     </p:spTree>
     <p:extLst>
       <p:ext uri="{BB962C8B-B14F-4D97-AF65-F5344CB8AC3E}">
-        <p14:creationId xmlns:p14="http://schemas.microsoft.com/office/powerpoint/2010/main" val="1124949082"/>
+        <p14:creationId xmlns:p14="http://schemas.microsoft.com/office/powerpoint/2010/main" val="3369957400"/>
       </p:ext>
     </p:extLst>
   </p:cSld>
@@ -3335,7 +3306,7 @@
         <p:nvPicPr>
           <p:cNvPr id="2" name="Picture 1"/>
           <p:cNvPicPr>
-            <a:picLocks noChangeAspect="1"/>
+            <a:picLocks/>
           </p:cNvPicPr>
           <p:nvPr/>
         </p:nvPicPr>
@@ -3353,8 +3324,8 @@
         </p:blipFill>
         <p:spPr>
           <a:xfrm>
-            <a:off x="2540000" y="0"/>
-            <a:ext cx="6858000" cy="6858000"/>
+            <a:off x="3810000" y="1270000"/>
+            <a:ext cx="4445000" cy="4445000"/>
           </a:xfrm>
           <a:prstGeom prst="rect">
             <a:avLst/>
@@ -3364,7 +3335,7 @@
     </p:spTree>
     <p:extLst>
       <p:ext uri="{BB962C8B-B14F-4D97-AF65-F5344CB8AC3E}">
-        <p14:creationId xmlns:p14="http://schemas.microsoft.com/office/powerpoint/2010/main" val="2715725999"/>
+        <p14:creationId xmlns:p14="http://schemas.microsoft.com/office/powerpoint/2010/main" val="15470407"/>
       </p:ext>
     </p:extLst>
   </p:cSld>
@@ -3395,7 +3366,7 @@
         <p:nvPicPr>
           <p:cNvPr id="2" name="Picture 1"/>
           <p:cNvPicPr>
-            <a:picLocks noChangeAspect="1"/>
+            <a:picLocks/>
           </p:cNvPicPr>
           <p:nvPr/>
         </p:nvPicPr>
@@ -3413,8 +3384,8 @@
         </p:blipFill>
         <p:spPr>
           <a:xfrm>
-            <a:off x="2540000" y="0"/>
-            <a:ext cx="6858000" cy="6858000"/>
+            <a:off x="3810000" y="1270000"/>
+            <a:ext cx="4445000" cy="4445000"/>
           </a:xfrm>
           <a:prstGeom prst="rect">
             <a:avLst/>
@@ -3424,7 +3395,7 @@
     </p:spTree>
     <p:extLst>
       <p:ext uri="{BB962C8B-B14F-4D97-AF65-F5344CB8AC3E}">
-        <p14:creationId xmlns:p14="http://schemas.microsoft.com/office/powerpoint/2010/main" val="1747065018"/>
+        <p14:creationId xmlns:p14="http://schemas.microsoft.com/office/powerpoint/2010/main" val="1121530875"/>
       </p:ext>
     </p:extLst>
   </p:cSld>
@@ -3455,7 +3426,7 @@
         <p:nvPicPr>
           <p:cNvPr id="2" name="Picture 1"/>
           <p:cNvPicPr>
-            <a:picLocks noChangeAspect="1"/>
+            <a:picLocks/>
           </p:cNvPicPr>
           <p:nvPr/>
         </p:nvPicPr>
@@ -3473,8 +3444,8 @@
         </p:blipFill>
         <p:spPr>
           <a:xfrm>
-            <a:off x="2540000" y="0"/>
-            <a:ext cx="6858000" cy="6858000"/>
+            <a:off x="3810000" y="1270000"/>
+            <a:ext cx="4445000" cy="4445000"/>
           </a:xfrm>
           <a:prstGeom prst="rect">
             <a:avLst/>
@@ -3484,7 +3455,7 @@
     </p:spTree>
     <p:extLst>
       <p:ext uri="{BB962C8B-B14F-4D97-AF65-F5344CB8AC3E}">
-        <p14:creationId xmlns:p14="http://schemas.microsoft.com/office/powerpoint/2010/main" val="2558826721"/>
+        <p14:creationId xmlns:p14="http://schemas.microsoft.com/office/powerpoint/2010/main" val="3717262758"/>
       </p:ext>
     </p:extLst>
   </p:cSld>
@@ -3515,7 +3486,7 @@
         <p:nvPicPr>
           <p:cNvPr id="2" name="Picture 1"/>
           <p:cNvPicPr>
-            <a:picLocks noChangeAspect="1"/>
+            <a:picLocks/>
           </p:cNvPicPr>
           <p:nvPr/>
         </p:nvPicPr>
@@ -3533,8 +3504,8 @@
         </p:blipFill>
         <p:spPr>
           <a:xfrm>
-            <a:off x="2540000" y="0"/>
-            <a:ext cx="6858000" cy="6858000"/>
+            <a:off x="3810000" y="1270000"/>
+            <a:ext cx="4445000" cy="4445000"/>
           </a:xfrm>
           <a:prstGeom prst="rect">
             <a:avLst/>
@@ -3544,7 +3515,7 @@
     </p:spTree>
     <p:extLst>
       <p:ext uri="{BB962C8B-B14F-4D97-AF65-F5344CB8AC3E}">
-        <p14:creationId xmlns:p14="http://schemas.microsoft.com/office/powerpoint/2010/main" val="2929298794"/>
+        <p14:creationId xmlns:p14="http://schemas.microsoft.com/office/powerpoint/2010/main" val="3090272665"/>
       </p:ext>
     </p:extLst>
   </p:cSld>
@@ -3575,7 +3546,7 @@
         <p:nvPicPr>
           <p:cNvPr id="2" name="Picture 1"/>
           <p:cNvPicPr>
-            <a:picLocks noChangeAspect="1"/>
+            <a:picLocks/>
           </p:cNvPicPr>
           <p:nvPr/>
         </p:nvPicPr>
@@ -3593,8 +3564,8 @@
         </p:blipFill>
         <p:spPr>
           <a:xfrm>
-            <a:off x="2540000" y="0"/>
-            <a:ext cx="6858000" cy="6858000"/>
+            <a:off x="3810000" y="1270000"/>
+            <a:ext cx="4445000" cy="4445000"/>
           </a:xfrm>
           <a:prstGeom prst="rect">
             <a:avLst/>
@@ -3604,7 +3575,7 @@
     </p:spTree>
     <p:extLst>
       <p:ext uri="{BB962C8B-B14F-4D97-AF65-F5344CB8AC3E}">
-        <p14:creationId xmlns:p14="http://schemas.microsoft.com/office/powerpoint/2010/main" val="178629816"/>
+        <p14:creationId xmlns:p14="http://schemas.microsoft.com/office/powerpoint/2010/main" val="226385717"/>
       </p:ext>
     </p:extLst>
   </p:cSld>
@@ -3635,7 +3606,7 @@
         <p:nvPicPr>
           <p:cNvPr id="2" name="Picture 1"/>
           <p:cNvPicPr>
-            <a:picLocks noChangeAspect="1"/>
+            <a:picLocks/>
           </p:cNvPicPr>
           <p:nvPr/>
         </p:nvPicPr>
@@ -3653,8 +3624,8 @@
         </p:blipFill>
         <p:spPr>
           <a:xfrm>
-            <a:off x="2540000" y="0"/>
-            <a:ext cx="6858000" cy="6858000"/>
+            <a:off x="3810000" y="1270000"/>
+            <a:ext cx="4445000" cy="4445000"/>
           </a:xfrm>
           <a:prstGeom prst="rect">
             <a:avLst/>
@@ -3664,7 +3635,7 @@
     </p:spTree>
     <p:extLst>
       <p:ext uri="{BB962C8B-B14F-4D97-AF65-F5344CB8AC3E}">
-        <p14:creationId xmlns:p14="http://schemas.microsoft.com/office/powerpoint/2010/main" val="1091116357"/>
+        <p14:creationId xmlns:p14="http://schemas.microsoft.com/office/powerpoint/2010/main" val="1172974901"/>
       </p:ext>
     </p:extLst>
   </p:cSld>
@@ -3695,7 +3666,7 @@
         <p:nvPicPr>
           <p:cNvPr id="2" name="Picture 1"/>
           <p:cNvPicPr>
-            <a:picLocks noChangeAspect="1"/>
+            <a:picLocks/>
           </p:cNvPicPr>
           <p:nvPr/>
         </p:nvPicPr>
@@ -3713,8 +3684,8 @@
         </p:blipFill>
         <p:spPr>
           <a:xfrm>
-            <a:off x="2540000" y="0"/>
-            <a:ext cx="6858000" cy="6858000"/>
+            <a:off x="3810000" y="1270000"/>
+            <a:ext cx="4445000" cy="4445000"/>
           </a:xfrm>
           <a:prstGeom prst="rect">
             <a:avLst/>
@@ -3724,7 +3695,7 @@
     </p:spTree>
     <p:extLst>
       <p:ext uri="{BB962C8B-B14F-4D97-AF65-F5344CB8AC3E}">
-        <p14:creationId xmlns:p14="http://schemas.microsoft.com/office/powerpoint/2010/main" val="1922754402"/>
+        <p14:creationId xmlns:p14="http://schemas.microsoft.com/office/powerpoint/2010/main" val="516763487"/>
       </p:ext>
     </p:extLst>
   </p:cSld>
@@ -3755,7 +3726,7 @@
         <p:nvPicPr>
           <p:cNvPr id="2" name="Picture 1"/>
           <p:cNvPicPr>
-            <a:picLocks noChangeAspect="1"/>
+            <a:picLocks/>
           </p:cNvPicPr>
           <p:nvPr/>
         </p:nvPicPr>
@@ -3773,8 +3744,8 @@
         </p:blipFill>
         <p:spPr>
           <a:xfrm>
-            <a:off x="2540000" y="0"/>
-            <a:ext cx="6858000" cy="6858000"/>
+            <a:off x="3810000" y="1270000"/>
+            <a:ext cx="4445000" cy="4445000"/>
           </a:xfrm>
           <a:prstGeom prst="rect">
             <a:avLst/>
@@ -3784,7 +3755,7 @@
     </p:spTree>
     <p:extLst>
       <p:ext uri="{BB962C8B-B14F-4D97-AF65-F5344CB8AC3E}">
-        <p14:creationId xmlns:p14="http://schemas.microsoft.com/office/powerpoint/2010/main" val="3928458578"/>
+        <p14:creationId xmlns:p14="http://schemas.microsoft.com/office/powerpoint/2010/main" val="1586647567"/>
       </p:ext>
     </p:extLst>
   </p:cSld>
@@ -3815,7 +3786,7 @@
         <p:nvPicPr>
           <p:cNvPr id="2" name="Picture 1"/>
           <p:cNvPicPr>
-            <a:picLocks noChangeAspect="1"/>
+            <a:picLocks/>
           </p:cNvPicPr>
           <p:nvPr/>
         </p:nvPicPr>
@@ -3833,8 +3804,8 @@
         </p:blipFill>
         <p:spPr>
           <a:xfrm>
-            <a:off x="2540000" y="0"/>
-            <a:ext cx="6858000" cy="6858000"/>
+            <a:off x="3810000" y="1270000"/>
+            <a:ext cx="4445000" cy="4445000"/>
           </a:xfrm>
           <a:prstGeom prst="rect">
             <a:avLst/>
@@ -3844,7 +3815,7 @@
     </p:spTree>
     <p:extLst>
       <p:ext uri="{BB962C8B-B14F-4D97-AF65-F5344CB8AC3E}">
-        <p14:creationId xmlns:p14="http://schemas.microsoft.com/office/powerpoint/2010/main" val="1838427401"/>
+        <p14:creationId xmlns:p14="http://schemas.microsoft.com/office/powerpoint/2010/main" val="1649455823"/>
       </p:ext>
     </p:extLst>
   </p:cSld>
@@ -3875,7 +3846,7 @@
         <p:nvPicPr>
           <p:cNvPr id="2" name="Picture 1"/>
           <p:cNvPicPr>
-            <a:picLocks noChangeAspect="1"/>
+            <a:picLocks/>
           </p:cNvPicPr>
           <p:nvPr/>
         </p:nvPicPr>
@@ -3893,8 +3864,8 @@
         </p:blipFill>
         <p:spPr>
           <a:xfrm>
-            <a:off x="2540000" y="0"/>
-            <a:ext cx="6858000" cy="6858000"/>
+            <a:off x="3810000" y="1270000"/>
+            <a:ext cx="4445000" cy="4445000"/>
           </a:xfrm>
           <a:prstGeom prst="rect">
             <a:avLst/>
@@ -3904,7 +3875,7 @@
     </p:spTree>
     <p:extLst>
       <p:ext uri="{BB962C8B-B14F-4D97-AF65-F5344CB8AC3E}">
-        <p14:creationId xmlns:p14="http://schemas.microsoft.com/office/powerpoint/2010/main" val="3935158607"/>
+        <p14:creationId xmlns:p14="http://schemas.microsoft.com/office/powerpoint/2010/main" val="447761352"/>
       </p:ext>
     </p:extLst>
   </p:cSld>
@@ -3935,7 +3906,7 @@
         <p:nvPicPr>
           <p:cNvPr id="2" name="Picture 1"/>
           <p:cNvPicPr>
-            <a:picLocks noChangeAspect="1"/>
+            <a:picLocks/>
           </p:cNvPicPr>
           <p:nvPr/>
         </p:nvPicPr>
@@ -3953,8 +3924,8 @@
         </p:blipFill>
         <p:spPr>
           <a:xfrm>
-            <a:off x="2540000" y="0"/>
-            <a:ext cx="6858000" cy="6858000"/>
+            <a:off x="3810000" y="1270000"/>
+            <a:ext cx="4445000" cy="4445000"/>
           </a:xfrm>
           <a:prstGeom prst="rect">
             <a:avLst/>
@@ -3964,7 +3935,7 @@
     </p:spTree>
     <p:extLst>
       <p:ext uri="{BB962C8B-B14F-4D97-AF65-F5344CB8AC3E}">
-        <p14:creationId xmlns:p14="http://schemas.microsoft.com/office/powerpoint/2010/main" val="122815634"/>
+        <p14:creationId xmlns:p14="http://schemas.microsoft.com/office/powerpoint/2010/main" val="1950483146"/>
       </p:ext>
     </p:extLst>
   </p:cSld>
@@ -3995,7 +3966,7 @@
         <p:nvPicPr>
           <p:cNvPr id="2" name="Picture 1"/>
           <p:cNvPicPr>
-            <a:picLocks noChangeAspect="1"/>
+            <a:picLocks/>
           </p:cNvPicPr>
           <p:nvPr/>
         </p:nvPicPr>
@@ -4013,8 +3984,8 @@
         </p:blipFill>
         <p:spPr>
           <a:xfrm>
-            <a:off x="2540000" y="0"/>
-            <a:ext cx="6858000" cy="6858000"/>
+            <a:off x="3810000" y="1270000"/>
+            <a:ext cx="4445000" cy="4445000"/>
           </a:xfrm>
           <a:prstGeom prst="rect">
             <a:avLst/>
@@ -4024,7 +3995,7 @@
     </p:spTree>
     <p:extLst>
       <p:ext uri="{BB962C8B-B14F-4D97-AF65-F5344CB8AC3E}">
-        <p14:creationId xmlns:p14="http://schemas.microsoft.com/office/powerpoint/2010/main" val="2489725166"/>
+        <p14:creationId xmlns:p14="http://schemas.microsoft.com/office/powerpoint/2010/main" val="3190114339"/>
       </p:ext>
     </p:extLst>
   </p:cSld>
@@ -4055,7 +4026,7 @@
         <p:nvPicPr>
           <p:cNvPr id="2" name="Picture 1"/>
           <p:cNvPicPr>
-            <a:picLocks noChangeAspect="1"/>
+            <a:picLocks/>
           </p:cNvPicPr>
           <p:nvPr/>
         </p:nvPicPr>
@@ -4073,8 +4044,8 @@
         </p:blipFill>
         <p:spPr>
           <a:xfrm>
-            <a:off x="2540000" y="0"/>
-            <a:ext cx="6858000" cy="6858000"/>
+            <a:off x="3810000" y="1270000"/>
+            <a:ext cx="4445000" cy="4445000"/>
           </a:xfrm>
           <a:prstGeom prst="rect">
             <a:avLst/>
@@ -4084,7 +4055,7 @@
     </p:spTree>
     <p:extLst>
       <p:ext uri="{BB962C8B-B14F-4D97-AF65-F5344CB8AC3E}">
-        <p14:creationId xmlns:p14="http://schemas.microsoft.com/office/powerpoint/2010/main" val="2057176322"/>
+        <p14:creationId xmlns:p14="http://schemas.microsoft.com/office/powerpoint/2010/main" val="3668541069"/>
       </p:ext>
     </p:extLst>
   </p:cSld>
@@ -4115,7 +4086,7 @@
         <p:nvPicPr>
           <p:cNvPr id="2" name="Picture 1"/>
           <p:cNvPicPr>
-            <a:picLocks noChangeAspect="1"/>
+            <a:picLocks/>
           </p:cNvPicPr>
           <p:nvPr/>
         </p:nvPicPr>
@@ -4133,8 +4104,8 @@
         </p:blipFill>
         <p:spPr>
           <a:xfrm>
-            <a:off x="2540000" y="0"/>
-            <a:ext cx="6858000" cy="6858000"/>
+            <a:off x="3810000" y="1270000"/>
+            <a:ext cx="4445000" cy="4445000"/>
           </a:xfrm>
           <a:prstGeom prst="rect">
             <a:avLst/>
@@ -4144,7 +4115,7 @@
     </p:spTree>
     <p:extLst>
       <p:ext uri="{BB962C8B-B14F-4D97-AF65-F5344CB8AC3E}">
-        <p14:creationId xmlns:p14="http://schemas.microsoft.com/office/powerpoint/2010/main" val="3104375591"/>
+        <p14:creationId xmlns:p14="http://schemas.microsoft.com/office/powerpoint/2010/main" val="2095375571"/>
       </p:ext>
     </p:extLst>
   </p:cSld>
@@ -4175,7 +4146,7 @@
         <p:nvPicPr>
           <p:cNvPr id="2" name="Picture 1"/>
           <p:cNvPicPr>
-            <a:picLocks noChangeAspect="1"/>
+            <a:picLocks/>
           </p:cNvPicPr>
           <p:nvPr/>
         </p:nvPicPr>
@@ -4193,8 +4164,8 @@
         </p:blipFill>
         <p:spPr>
           <a:xfrm>
-            <a:off x="2540000" y="0"/>
-            <a:ext cx="6858000" cy="6858000"/>
+            <a:off x="3810000" y="1270000"/>
+            <a:ext cx="4445000" cy="4445000"/>
           </a:xfrm>
           <a:prstGeom prst="rect">
             <a:avLst/>
@@ -4204,7 +4175,7 @@
     </p:spTree>
     <p:extLst>
       <p:ext uri="{BB962C8B-B14F-4D97-AF65-F5344CB8AC3E}">
-        <p14:creationId xmlns:p14="http://schemas.microsoft.com/office/powerpoint/2010/main" val="2103092134"/>
+        <p14:creationId xmlns:p14="http://schemas.microsoft.com/office/powerpoint/2010/main" val="1059664779"/>
       </p:ext>
     </p:extLst>
   </p:cSld>
@@ -4235,7 +4206,7 @@
         <p:nvPicPr>
           <p:cNvPr id="2" name="Picture 1"/>
           <p:cNvPicPr>
-            <a:picLocks noChangeAspect="1"/>
+            <a:picLocks/>
           </p:cNvPicPr>
           <p:nvPr/>
         </p:nvPicPr>
@@ -4253,8 +4224,8 @@
         </p:blipFill>
         <p:spPr>
           <a:xfrm>
-            <a:off x="2540000" y="0"/>
-            <a:ext cx="6858000" cy="6858000"/>
+            <a:off x="3810000" y="1270000"/>
+            <a:ext cx="4445000" cy="4445000"/>
           </a:xfrm>
           <a:prstGeom prst="rect">
             <a:avLst/>
@@ -4264,7 +4235,7 @@
     </p:spTree>
     <p:extLst>
       <p:ext uri="{BB962C8B-B14F-4D97-AF65-F5344CB8AC3E}">
-        <p14:creationId xmlns:p14="http://schemas.microsoft.com/office/powerpoint/2010/main" val="2074704005"/>
+        <p14:creationId xmlns:p14="http://schemas.microsoft.com/office/powerpoint/2010/main" val="1099402654"/>
       </p:ext>
     </p:extLst>
   </p:cSld>
@@ -4295,7 +4266,7 @@
         <p:nvPicPr>
           <p:cNvPr id="2" name="Picture 1"/>
           <p:cNvPicPr>
-            <a:picLocks noChangeAspect="1"/>
+            <a:picLocks/>
           </p:cNvPicPr>
           <p:nvPr/>
         </p:nvPicPr>
@@ -4313,8 +4284,8 @@
         </p:blipFill>
         <p:spPr>
           <a:xfrm>
-            <a:off x="2540000" y="0"/>
-            <a:ext cx="6858000" cy="6858000"/>
+            <a:off x="3810000" y="1270000"/>
+            <a:ext cx="4445000" cy="4445000"/>
           </a:xfrm>
           <a:prstGeom prst="rect">
             <a:avLst/>
@@ -4324,7 +4295,7 @@
     </p:spTree>
     <p:extLst>
       <p:ext uri="{BB962C8B-B14F-4D97-AF65-F5344CB8AC3E}">
-        <p14:creationId xmlns:p14="http://schemas.microsoft.com/office/powerpoint/2010/main" val="1615894611"/>
+        <p14:creationId xmlns:p14="http://schemas.microsoft.com/office/powerpoint/2010/main" val="429109841"/>
       </p:ext>
     </p:extLst>
   </p:cSld>
@@ -4355,7 +4326,7 @@
         <p:nvPicPr>
           <p:cNvPr id="2" name="Picture 1"/>
           <p:cNvPicPr>
-            <a:picLocks noChangeAspect="1"/>
+            <a:picLocks/>
           </p:cNvPicPr>
           <p:nvPr/>
         </p:nvPicPr>
@@ -4373,8 +4344,8 @@
         </p:blipFill>
         <p:spPr>
           <a:xfrm>
-            <a:off x="2540000" y="0"/>
-            <a:ext cx="6858000" cy="6858000"/>
+            <a:off x="3810000" y="1270000"/>
+            <a:ext cx="4445000" cy="4445000"/>
           </a:xfrm>
           <a:prstGeom prst="rect">
             <a:avLst/>
@@ -4384,7 +4355,7 @@
     </p:spTree>
     <p:extLst>
       <p:ext uri="{BB962C8B-B14F-4D97-AF65-F5344CB8AC3E}">
-        <p14:creationId xmlns:p14="http://schemas.microsoft.com/office/powerpoint/2010/main" val="483921727"/>
+        <p14:creationId xmlns:p14="http://schemas.microsoft.com/office/powerpoint/2010/main" val="2483464190"/>
       </p:ext>
     </p:extLst>
   </p:cSld>
@@ -4415,7 +4386,7 @@
         <p:nvPicPr>
           <p:cNvPr id="2" name="Picture 1"/>
           <p:cNvPicPr>
-            <a:picLocks noChangeAspect="1"/>
+            <a:picLocks/>
           </p:cNvPicPr>
           <p:nvPr/>
         </p:nvPicPr>
@@ -4433,8 +4404,8 @@
         </p:blipFill>
         <p:spPr>
           <a:xfrm>
-            <a:off x="2540000" y="0"/>
-            <a:ext cx="6858000" cy="6858000"/>
+            <a:off x="3810000" y="1270000"/>
+            <a:ext cx="4445000" cy="4445000"/>
           </a:xfrm>
           <a:prstGeom prst="rect">
             <a:avLst/>
@@ -4444,7 +4415,7 @@
     </p:spTree>
     <p:extLst>
       <p:ext uri="{BB962C8B-B14F-4D97-AF65-F5344CB8AC3E}">
-        <p14:creationId xmlns:p14="http://schemas.microsoft.com/office/powerpoint/2010/main" val="860452402"/>
+        <p14:creationId xmlns:p14="http://schemas.microsoft.com/office/powerpoint/2010/main" val="1559741249"/>
       </p:ext>
     </p:extLst>
   </p:cSld>
@@ -4475,7 +4446,7 @@
         <p:nvPicPr>
           <p:cNvPr id="2" name="Picture 1"/>
           <p:cNvPicPr>
-            <a:picLocks noChangeAspect="1"/>
+            <a:picLocks/>
           </p:cNvPicPr>
           <p:nvPr/>
         </p:nvPicPr>
@@ -4493,8 +4464,8 @@
         </p:blipFill>
         <p:spPr>
           <a:xfrm>
-            <a:off x="2540000" y="0"/>
-            <a:ext cx="6858000" cy="6858000"/>
+            <a:off x="3810000" y="1270000"/>
+            <a:ext cx="4445000" cy="4445000"/>
           </a:xfrm>
           <a:prstGeom prst="rect">
             <a:avLst/>
@@ -4504,7 +4475,7 @@
     </p:spTree>
     <p:extLst>
       <p:ext uri="{BB962C8B-B14F-4D97-AF65-F5344CB8AC3E}">
-        <p14:creationId xmlns:p14="http://schemas.microsoft.com/office/powerpoint/2010/main" val="154987024"/>
+        <p14:creationId xmlns:p14="http://schemas.microsoft.com/office/powerpoint/2010/main" val="2151471412"/>
       </p:ext>
     </p:extLst>
   </p:cSld>
@@ -4535,7 +4506,7 @@
         <p:nvPicPr>
           <p:cNvPr id="2" name="Picture 1"/>
           <p:cNvPicPr>
-            <a:picLocks noChangeAspect="1"/>
+            <a:picLocks/>
           </p:cNvPicPr>
           <p:nvPr/>
         </p:nvPicPr>
@@ -4553,8 +4524,8 @@
         </p:blipFill>
         <p:spPr>
           <a:xfrm>
-            <a:off x="2540000" y="0"/>
-            <a:ext cx="6858000" cy="6858000"/>
+            <a:off x="3810000" y="1270000"/>
+            <a:ext cx="4445000" cy="4445000"/>
           </a:xfrm>
           <a:prstGeom prst="rect">
             <a:avLst/>
@@ -4564,7 +4535,7 @@
     </p:spTree>
     <p:extLst>
       <p:ext uri="{BB962C8B-B14F-4D97-AF65-F5344CB8AC3E}">
-        <p14:creationId xmlns:p14="http://schemas.microsoft.com/office/powerpoint/2010/main" val="2889471837"/>
+        <p14:creationId xmlns:p14="http://schemas.microsoft.com/office/powerpoint/2010/main" val="2148528581"/>
       </p:ext>
     </p:extLst>
   </p:cSld>
@@ -4595,7 +4566,7 @@
         <p:nvPicPr>
           <p:cNvPr id="2" name="Picture 1"/>
           <p:cNvPicPr>
-            <a:picLocks noChangeAspect="1"/>
+            <a:picLocks/>
           </p:cNvPicPr>
           <p:nvPr/>
         </p:nvPicPr>
@@ -4613,8 +4584,8 @@
         </p:blipFill>
         <p:spPr>
           <a:xfrm>
-            <a:off x="2540000" y="0"/>
-            <a:ext cx="6858000" cy="6858000"/>
+            <a:off x="3810000" y="1270000"/>
+            <a:ext cx="4445000" cy="4445000"/>
           </a:xfrm>
           <a:prstGeom prst="rect">
             <a:avLst/>
@@ -4624,7 +4595,7 @@
     </p:spTree>
     <p:extLst>
       <p:ext uri="{BB962C8B-B14F-4D97-AF65-F5344CB8AC3E}">
-        <p14:creationId xmlns:p14="http://schemas.microsoft.com/office/powerpoint/2010/main" val="1480713474"/>
+        <p14:creationId xmlns:p14="http://schemas.microsoft.com/office/powerpoint/2010/main" val="455612265"/>
       </p:ext>
     </p:extLst>
   </p:cSld>
@@ -4655,7 +4626,7 @@
         <p:nvPicPr>
           <p:cNvPr id="2" name="Picture 1"/>
           <p:cNvPicPr>
-            <a:picLocks noChangeAspect="1"/>
+            <a:picLocks/>
           </p:cNvPicPr>
           <p:nvPr/>
         </p:nvPicPr>
@@ -4673,8 +4644,8 @@
         </p:blipFill>
         <p:spPr>
           <a:xfrm>
-            <a:off x="2540000" y="0"/>
-            <a:ext cx="6858000" cy="6858000"/>
+            <a:off x="3810000" y="1270000"/>
+            <a:ext cx="4445000" cy="4445000"/>
           </a:xfrm>
           <a:prstGeom prst="rect">
             <a:avLst/>
@@ -4684,7 +4655,7 @@
     </p:spTree>
     <p:extLst>
       <p:ext uri="{BB962C8B-B14F-4D97-AF65-F5344CB8AC3E}">
-        <p14:creationId xmlns:p14="http://schemas.microsoft.com/office/powerpoint/2010/main" val="4273989086"/>
+        <p14:creationId xmlns:p14="http://schemas.microsoft.com/office/powerpoint/2010/main" val="3895481875"/>
       </p:ext>
     </p:extLst>
   </p:cSld>
@@ -4715,7 +4686,7 @@
         <p:nvPicPr>
           <p:cNvPr id="2" name="Picture 1"/>
           <p:cNvPicPr>
-            <a:picLocks noChangeAspect="1"/>
+            <a:picLocks/>
           </p:cNvPicPr>
           <p:nvPr/>
         </p:nvPicPr>
@@ -4733,8 +4704,8 @@
         </p:blipFill>
         <p:spPr>
           <a:xfrm>
-            <a:off x="2540000" y="0"/>
-            <a:ext cx="6858000" cy="6858000"/>
+            <a:off x="3810000" y="1270000"/>
+            <a:ext cx="4445000" cy="4445000"/>
           </a:xfrm>
           <a:prstGeom prst="rect">
             <a:avLst/>
@@ -4744,7 +4715,7 @@
     </p:spTree>
     <p:extLst>
       <p:ext uri="{BB962C8B-B14F-4D97-AF65-F5344CB8AC3E}">
-        <p14:creationId xmlns:p14="http://schemas.microsoft.com/office/powerpoint/2010/main" val="2532507609"/>
+        <p14:creationId xmlns:p14="http://schemas.microsoft.com/office/powerpoint/2010/main" val="2490657945"/>
       </p:ext>
     </p:extLst>
   </p:cSld>
@@ -4775,7 +4746,7 @@
         <p:nvPicPr>
           <p:cNvPr id="2" name="Picture 1"/>
           <p:cNvPicPr>
-            <a:picLocks noChangeAspect="1"/>
+            <a:picLocks/>
           </p:cNvPicPr>
           <p:nvPr/>
         </p:nvPicPr>
@@ -4793,8 +4764,8 @@
         </p:blipFill>
         <p:spPr>
           <a:xfrm>
-            <a:off x="2540000" y="0"/>
-            <a:ext cx="6858000" cy="6858000"/>
+            <a:off x="3810000" y="1270000"/>
+            <a:ext cx="4445000" cy="4445000"/>
           </a:xfrm>
           <a:prstGeom prst="rect">
             <a:avLst/>
@@ -4804,7 +4775,7 @@
     </p:spTree>
     <p:extLst>
       <p:ext uri="{BB962C8B-B14F-4D97-AF65-F5344CB8AC3E}">
-        <p14:creationId xmlns:p14="http://schemas.microsoft.com/office/powerpoint/2010/main" val="181637936"/>
+        <p14:creationId xmlns:p14="http://schemas.microsoft.com/office/powerpoint/2010/main" val="911466101"/>
       </p:ext>
     </p:extLst>
   </p:cSld>
@@ -4835,7 +4806,7 @@
         <p:nvPicPr>
           <p:cNvPr id="2" name="Picture 1"/>
           <p:cNvPicPr>
-            <a:picLocks noChangeAspect="1"/>
+            <a:picLocks/>
           </p:cNvPicPr>
           <p:nvPr/>
         </p:nvPicPr>
@@ -4853,8 +4824,8 @@
         </p:blipFill>
         <p:spPr>
           <a:xfrm>
-            <a:off x="2540000" y="0"/>
-            <a:ext cx="6858000" cy="6858000"/>
+            <a:off x="3810000" y="1270000"/>
+            <a:ext cx="4445000" cy="4445000"/>
           </a:xfrm>
           <a:prstGeom prst="rect">
             <a:avLst/>
@@ -4864,7 +4835,7 @@
     </p:spTree>
     <p:extLst>
       <p:ext uri="{BB962C8B-B14F-4D97-AF65-F5344CB8AC3E}">
-        <p14:creationId xmlns:p14="http://schemas.microsoft.com/office/powerpoint/2010/main" val="2399113675"/>
+        <p14:creationId xmlns:p14="http://schemas.microsoft.com/office/powerpoint/2010/main" val="2075642330"/>
       </p:ext>
     </p:extLst>
   </p:cSld>
@@ -4895,7 +4866,7 @@
         <p:nvPicPr>
           <p:cNvPr id="2" name="Picture 1"/>
           <p:cNvPicPr>
-            <a:picLocks noChangeAspect="1"/>
+            <a:picLocks/>
           </p:cNvPicPr>
           <p:nvPr/>
         </p:nvPicPr>
@@ -4913,8 +4884,8 @@
         </p:blipFill>
         <p:spPr>
           <a:xfrm>
-            <a:off x="2540000" y="0"/>
-            <a:ext cx="6858000" cy="6858000"/>
+            <a:off x="3810000" y="1270000"/>
+            <a:ext cx="4445000" cy="4445000"/>
           </a:xfrm>
           <a:prstGeom prst="rect">
             <a:avLst/>
@@ -4924,7 +4895,7 @@
     </p:spTree>
     <p:extLst>
       <p:ext uri="{BB962C8B-B14F-4D97-AF65-F5344CB8AC3E}">
-        <p14:creationId xmlns:p14="http://schemas.microsoft.com/office/powerpoint/2010/main" val="2474113967"/>
+        <p14:creationId xmlns:p14="http://schemas.microsoft.com/office/powerpoint/2010/main" val="2146562216"/>
       </p:ext>
     </p:extLst>
   </p:cSld>
@@ -4955,7 +4926,7 @@
         <p:nvPicPr>
           <p:cNvPr id="2" name="Picture 1"/>
           <p:cNvPicPr>
-            <a:picLocks noChangeAspect="1"/>
+            <a:picLocks/>
           </p:cNvPicPr>
           <p:nvPr/>
         </p:nvPicPr>
@@ -4973,8 +4944,8 @@
         </p:blipFill>
         <p:spPr>
           <a:xfrm>
-            <a:off x="2540000" y="0"/>
-            <a:ext cx="6858000" cy="6858000"/>
+            <a:off x="3810000" y="1270000"/>
+            <a:ext cx="4445000" cy="4445000"/>
           </a:xfrm>
           <a:prstGeom prst="rect">
             <a:avLst/>
@@ -4984,7 +4955,7 @@
     </p:spTree>
     <p:extLst>
       <p:ext uri="{BB962C8B-B14F-4D97-AF65-F5344CB8AC3E}">
-        <p14:creationId xmlns:p14="http://schemas.microsoft.com/office/powerpoint/2010/main" val="1796912932"/>
+        <p14:creationId xmlns:p14="http://schemas.microsoft.com/office/powerpoint/2010/main" val="2738178859"/>
       </p:ext>
     </p:extLst>
   </p:cSld>
@@ -5015,7 +4986,7 @@
         <p:nvPicPr>
           <p:cNvPr id="2" name="Picture 1"/>
           <p:cNvPicPr>
-            <a:picLocks noChangeAspect="1"/>
+            <a:picLocks/>
           </p:cNvPicPr>
           <p:nvPr/>
         </p:nvPicPr>
@@ -5033,8 +5004,8 @@
         </p:blipFill>
         <p:spPr>
           <a:xfrm>
-            <a:off x="2540000" y="0"/>
-            <a:ext cx="6858000" cy="6858000"/>
+            <a:off x="3810000" y="1270000"/>
+            <a:ext cx="4445000" cy="4445000"/>
           </a:xfrm>
           <a:prstGeom prst="rect">
             <a:avLst/>
@@ -5044,7 +5015,67 @@
     </p:spTree>
     <p:extLst>
       <p:ext uri="{BB962C8B-B14F-4D97-AF65-F5344CB8AC3E}">
-        <p14:creationId xmlns:p14="http://schemas.microsoft.com/office/powerpoint/2010/main" val="3716153484"/>
+        <p14:creationId xmlns:p14="http://schemas.microsoft.com/office/powerpoint/2010/main" val="3558794428"/>
+      </p:ext>
+    </p:extLst>
+  </p:cSld>
+  <p:clrMapOvr>
+    <a:overrideClrMapping bg1="lt1" tx1="dk1" bg2="lt2" tx2="dk2" accent1="accent1" accent2="accent2" accent3="accent3" accent4="accent4" accent5="accent5" accent6="accent6" hlink="hlink" folHlink="folHlink"/>
+  </p:clrMapOvr>
+</p:sld>
+</file>
+
+<file path=ppt/slides/slide129.xml><?xml version="1.0" encoding="utf-8"?>
+<p:sld xmlns:a="http://schemas.openxmlformats.org/drawingml/2006/main" xmlns:r="http://schemas.openxmlformats.org/officeDocument/2006/relationships" xmlns:p="http://schemas.openxmlformats.org/presentationml/2006/main">
+  <p:cSld>
+    <p:spTree>
+      <p:nvGrpSpPr>
+        <p:cNvPr id="1" name=""/>
+        <p:cNvGrpSpPr/>
+        <p:nvPr/>
+      </p:nvGrpSpPr>
+      <p:grpSpPr>
+        <a:xfrm>
+          <a:off x="0" y="0"/>
+          <a:ext cx="0" cy="0"/>
+          <a:chOff x="0" y="0"/>
+          <a:chExt cx="0" cy="0"/>
+        </a:xfrm>
+      </p:grpSpPr>
+      <p:pic>
+        <p:nvPicPr>
+          <p:cNvPr id="2" name="Picture 1"/>
+          <p:cNvPicPr>
+            <a:picLocks/>
+          </p:cNvPicPr>
+          <p:nvPr/>
+        </p:nvPicPr>
+        <p:blipFill>
+          <a:blip r:embed="rId3">
+            <a:extLst>
+              <a:ext uri="{28A0092B-C50C-407E-A947-70E740481C1C}">
+                <a14:useLocalDpi xmlns:a14="http://schemas.microsoft.com/office/drawing/2010/main" val="0"/>
+              </a:ext>
+            </a:extLst>
+          </a:blip>
+          <a:stretch>
+            <a:fillRect/>
+          </a:stretch>
+        </p:blipFill>
+        <p:spPr>
+          <a:xfrm>
+            <a:off x="3810000" y="1270000"/>
+            <a:ext cx="4445000" cy="4445000"/>
+          </a:xfrm>
+          <a:prstGeom prst="rect">
+            <a:avLst/>
+          </a:prstGeom>
+        </p:spPr>
+      </p:pic>
+    </p:spTree>
+    <p:extLst>
+      <p:ext uri="{BB962C8B-B14F-4D97-AF65-F5344CB8AC3E}">
+        <p14:creationId xmlns:p14="http://schemas.microsoft.com/office/powerpoint/2010/main" val="2934984192"/>
       </p:ext>
     </p:extLst>
   </p:cSld>
@@ -5075,7 +5106,7 @@
         <p:nvPicPr>
           <p:cNvPr id="2" name="Picture 1"/>
           <p:cNvPicPr>
-            <a:picLocks noChangeAspect="1"/>
+            <a:picLocks/>
           </p:cNvPicPr>
           <p:nvPr/>
         </p:nvPicPr>
@@ -5093,8 +5124,8 @@
         </p:blipFill>
         <p:spPr>
           <a:xfrm>
-            <a:off x="2540000" y="0"/>
-            <a:ext cx="6858000" cy="6858000"/>
+            <a:off x="3810000" y="1270000"/>
+            <a:ext cx="4445000" cy="4445000"/>
           </a:xfrm>
           <a:prstGeom prst="rect">
             <a:avLst/>
@@ -5104,7 +5135,7 @@
     </p:spTree>
     <p:extLst>
       <p:ext uri="{BB962C8B-B14F-4D97-AF65-F5344CB8AC3E}">
-        <p14:creationId xmlns:p14="http://schemas.microsoft.com/office/powerpoint/2010/main" val="1129692827"/>
+        <p14:creationId xmlns:p14="http://schemas.microsoft.com/office/powerpoint/2010/main" val="1709630410"/>
       </p:ext>
     </p:extLst>
   </p:cSld>
@@ -5135,7 +5166,7 @@
         <p:nvPicPr>
           <p:cNvPr id="2" name="Picture 1"/>
           <p:cNvPicPr>
-            <a:picLocks noChangeAspect="1"/>
+            <a:picLocks/>
           </p:cNvPicPr>
           <p:nvPr/>
         </p:nvPicPr>
@@ -5153,8 +5184,8 @@
         </p:blipFill>
         <p:spPr>
           <a:xfrm>
-            <a:off x="2540000" y="0"/>
-            <a:ext cx="6858000" cy="6858000"/>
+            <a:off x="3810000" y="1270000"/>
+            <a:ext cx="4445000" cy="4445000"/>
           </a:xfrm>
           <a:prstGeom prst="rect">
             <a:avLst/>
@@ -5164,7 +5195,7 @@
     </p:spTree>
     <p:extLst>
       <p:ext uri="{BB962C8B-B14F-4D97-AF65-F5344CB8AC3E}">
-        <p14:creationId xmlns:p14="http://schemas.microsoft.com/office/powerpoint/2010/main" val="3026898710"/>
+        <p14:creationId xmlns:p14="http://schemas.microsoft.com/office/powerpoint/2010/main" val="835643138"/>
       </p:ext>
     </p:extLst>
   </p:cSld>
@@ -5195,7 +5226,7 @@
         <p:nvPicPr>
           <p:cNvPr id="2" name="Picture 1"/>
           <p:cNvPicPr>
-            <a:picLocks noChangeAspect="1"/>
+            <a:picLocks/>
           </p:cNvPicPr>
           <p:nvPr/>
         </p:nvPicPr>
@@ -5213,8 +5244,8 @@
         </p:blipFill>
         <p:spPr>
           <a:xfrm>
-            <a:off x="2540000" y="0"/>
-            <a:ext cx="6858000" cy="6858000"/>
+            <a:off x="3810000" y="1270000"/>
+            <a:ext cx="4445000" cy="4445000"/>
           </a:xfrm>
           <a:prstGeom prst="rect">
             <a:avLst/>
@@ -5224,7 +5255,7 @@
     </p:spTree>
     <p:extLst>
       <p:ext uri="{BB962C8B-B14F-4D97-AF65-F5344CB8AC3E}">
-        <p14:creationId xmlns:p14="http://schemas.microsoft.com/office/powerpoint/2010/main" val="3009968235"/>
+        <p14:creationId xmlns:p14="http://schemas.microsoft.com/office/powerpoint/2010/main" val="323609470"/>
       </p:ext>
     </p:extLst>
   </p:cSld>
@@ -5255,7 +5286,7 @@
         <p:nvPicPr>
           <p:cNvPr id="2" name="Picture 1"/>
           <p:cNvPicPr>
-            <a:picLocks noChangeAspect="1"/>
+            <a:picLocks/>
           </p:cNvPicPr>
           <p:nvPr/>
         </p:nvPicPr>
@@ -5273,8 +5304,8 @@
         </p:blipFill>
         <p:spPr>
           <a:xfrm>
-            <a:off x="2540000" y="0"/>
-            <a:ext cx="6858000" cy="6858000"/>
+            <a:off x="3810000" y="1270000"/>
+            <a:ext cx="4445000" cy="4445000"/>
           </a:xfrm>
           <a:prstGeom prst="rect">
             <a:avLst/>
@@ -5284,7 +5315,7 @@
     </p:spTree>
     <p:extLst>
       <p:ext uri="{BB962C8B-B14F-4D97-AF65-F5344CB8AC3E}">
-        <p14:creationId xmlns:p14="http://schemas.microsoft.com/office/powerpoint/2010/main" val="2849711230"/>
+        <p14:creationId xmlns:p14="http://schemas.microsoft.com/office/powerpoint/2010/main" val="2803190865"/>
       </p:ext>
     </p:extLst>
   </p:cSld>
@@ -5315,7 +5346,7 @@
         <p:nvPicPr>
           <p:cNvPr id="2" name="Picture 1"/>
           <p:cNvPicPr>
-            <a:picLocks noChangeAspect="1"/>
+            <a:picLocks/>
           </p:cNvPicPr>
           <p:nvPr/>
         </p:nvPicPr>
@@ -5333,8 +5364,8 @@
         </p:blipFill>
         <p:spPr>
           <a:xfrm>
-            <a:off x="2540000" y="0"/>
-            <a:ext cx="6858000" cy="6858000"/>
+            <a:off x="3810000" y="1270000"/>
+            <a:ext cx="4445000" cy="4445000"/>
           </a:xfrm>
           <a:prstGeom prst="rect">
             <a:avLst/>
@@ -5344,7 +5375,7 @@
     </p:spTree>
     <p:extLst>
       <p:ext uri="{BB962C8B-B14F-4D97-AF65-F5344CB8AC3E}">
-        <p14:creationId xmlns:p14="http://schemas.microsoft.com/office/powerpoint/2010/main" val="1742959029"/>
+        <p14:creationId xmlns:p14="http://schemas.microsoft.com/office/powerpoint/2010/main" val="1900121555"/>
       </p:ext>
     </p:extLst>
   </p:cSld>
@@ -5375,7 +5406,7 @@
         <p:nvPicPr>
           <p:cNvPr id="2" name="Picture 1"/>
           <p:cNvPicPr>
-            <a:picLocks noChangeAspect="1"/>
+            <a:picLocks/>
           </p:cNvPicPr>
           <p:nvPr/>
         </p:nvPicPr>
@@ -5393,8 +5424,8 @@
         </p:blipFill>
         <p:spPr>
           <a:xfrm>
-            <a:off x="2540000" y="0"/>
-            <a:ext cx="6858000" cy="6858000"/>
+            <a:off x="3810000" y="1270000"/>
+            <a:ext cx="4445000" cy="4445000"/>
           </a:xfrm>
           <a:prstGeom prst="rect">
             <a:avLst/>
@@ -5404,7 +5435,7 @@
     </p:spTree>
     <p:extLst>
       <p:ext uri="{BB962C8B-B14F-4D97-AF65-F5344CB8AC3E}">
-        <p14:creationId xmlns:p14="http://schemas.microsoft.com/office/powerpoint/2010/main" val="551878579"/>
+        <p14:creationId xmlns:p14="http://schemas.microsoft.com/office/powerpoint/2010/main" val="1737257773"/>
       </p:ext>
     </p:extLst>
   </p:cSld>
@@ -5435,7 +5466,7 @@
         <p:nvPicPr>
           <p:cNvPr id="2" name="Picture 1"/>
           <p:cNvPicPr>
-            <a:picLocks noChangeAspect="1"/>
+            <a:picLocks/>
           </p:cNvPicPr>
           <p:nvPr/>
         </p:nvPicPr>
@@ -5453,8 +5484,8 @@
         </p:blipFill>
         <p:spPr>
           <a:xfrm>
-            <a:off x="2540000" y="0"/>
-            <a:ext cx="6858000" cy="6858000"/>
+            <a:off x="3810000" y="1270000"/>
+            <a:ext cx="4445000" cy="4445000"/>
           </a:xfrm>
           <a:prstGeom prst="rect">
             <a:avLst/>
@@ -5464,7 +5495,7 @@
     </p:spTree>
     <p:extLst>
       <p:ext uri="{BB962C8B-B14F-4D97-AF65-F5344CB8AC3E}">
-        <p14:creationId xmlns:p14="http://schemas.microsoft.com/office/powerpoint/2010/main" val="1164334282"/>
+        <p14:creationId xmlns:p14="http://schemas.microsoft.com/office/powerpoint/2010/main" val="3981296492"/>
       </p:ext>
     </p:extLst>
   </p:cSld>
@@ -5495,7 +5526,7 @@
         <p:nvPicPr>
           <p:cNvPr id="2" name="Picture 1"/>
           <p:cNvPicPr>
-            <a:picLocks noChangeAspect="1"/>
+            <a:picLocks/>
           </p:cNvPicPr>
           <p:nvPr/>
         </p:nvPicPr>
@@ -5513,8 +5544,8 @@
         </p:blipFill>
         <p:spPr>
           <a:xfrm>
-            <a:off x="2540000" y="0"/>
-            <a:ext cx="6858000" cy="6858000"/>
+            <a:off x="3810000" y="1270000"/>
+            <a:ext cx="4445000" cy="4445000"/>
           </a:xfrm>
           <a:prstGeom prst="rect">
             <a:avLst/>
@@ -5524,7 +5555,7 @@
     </p:spTree>
     <p:extLst>
       <p:ext uri="{BB962C8B-B14F-4D97-AF65-F5344CB8AC3E}">
-        <p14:creationId xmlns:p14="http://schemas.microsoft.com/office/powerpoint/2010/main" val="2159687077"/>
+        <p14:creationId xmlns:p14="http://schemas.microsoft.com/office/powerpoint/2010/main" val="859633940"/>
       </p:ext>
     </p:extLst>
   </p:cSld>
@@ -5555,7 +5586,7 @@
         <p:nvPicPr>
           <p:cNvPr id="2" name="Picture 1"/>
           <p:cNvPicPr>
-            <a:picLocks noChangeAspect="1"/>
+            <a:picLocks/>
           </p:cNvPicPr>
           <p:nvPr/>
         </p:nvPicPr>
@@ -5573,8 +5604,8 @@
         </p:blipFill>
         <p:spPr>
           <a:xfrm>
-            <a:off x="2540000" y="0"/>
-            <a:ext cx="6858000" cy="6858000"/>
+            <a:off x="3810000" y="1270000"/>
+            <a:ext cx="4445000" cy="4445000"/>
           </a:xfrm>
           <a:prstGeom prst="rect">
             <a:avLst/>
@@ -5584,7 +5615,7 @@
     </p:spTree>
     <p:extLst>
       <p:ext uri="{BB962C8B-B14F-4D97-AF65-F5344CB8AC3E}">
-        <p14:creationId xmlns:p14="http://schemas.microsoft.com/office/powerpoint/2010/main" val="2379985379"/>
+        <p14:creationId xmlns:p14="http://schemas.microsoft.com/office/powerpoint/2010/main" val="4158552091"/>
       </p:ext>
     </p:extLst>
   </p:cSld>
@@ -5615,7 +5646,7 @@
         <p:nvPicPr>
           <p:cNvPr id="2" name="Picture 1"/>
           <p:cNvPicPr>
-            <a:picLocks noChangeAspect="1"/>
+            <a:picLocks/>
           </p:cNvPicPr>
           <p:nvPr/>
         </p:nvPicPr>
@@ -5633,8 +5664,8 @@
         </p:blipFill>
         <p:spPr>
           <a:xfrm>
-            <a:off x="2540000" y="0"/>
-            <a:ext cx="6858000" cy="6858000"/>
+            <a:off x="3810000" y="1270000"/>
+            <a:ext cx="4445000" cy="4445000"/>
           </a:xfrm>
           <a:prstGeom prst="rect">
             <a:avLst/>
@@ -5644,7 +5675,7 @@
     </p:spTree>
     <p:extLst>
       <p:ext uri="{BB962C8B-B14F-4D97-AF65-F5344CB8AC3E}">
-        <p14:creationId xmlns:p14="http://schemas.microsoft.com/office/powerpoint/2010/main" val="786603389"/>
+        <p14:creationId xmlns:p14="http://schemas.microsoft.com/office/powerpoint/2010/main" val="342005256"/>
       </p:ext>
     </p:extLst>
   </p:cSld>
@@ -5675,7 +5706,7 @@
         <p:nvPicPr>
           <p:cNvPr id="2" name="Picture 1"/>
           <p:cNvPicPr>
-            <a:picLocks noChangeAspect="1"/>
+            <a:picLocks/>
           </p:cNvPicPr>
           <p:nvPr/>
         </p:nvPicPr>
@@ -5693,8 +5724,8 @@
         </p:blipFill>
         <p:spPr>
           <a:xfrm>
-            <a:off x="2540000" y="0"/>
-            <a:ext cx="6858000" cy="6858000"/>
+            <a:off x="3810000" y="1270000"/>
+            <a:ext cx="4445000" cy="4445000"/>
           </a:xfrm>
           <a:prstGeom prst="rect">
             <a:avLst/>
@@ -5704,7 +5735,7 @@
     </p:spTree>
     <p:extLst>
       <p:ext uri="{BB962C8B-B14F-4D97-AF65-F5344CB8AC3E}">
-        <p14:creationId xmlns:p14="http://schemas.microsoft.com/office/powerpoint/2010/main" val="205818122"/>
+        <p14:creationId xmlns:p14="http://schemas.microsoft.com/office/powerpoint/2010/main" val="359146249"/>
       </p:ext>
     </p:extLst>
   </p:cSld>
@@ -5735,7 +5766,7 @@
         <p:nvPicPr>
           <p:cNvPr id="2" name="Picture 1"/>
           <p:cNvPicPr>
-            <a:picLocks noChangeAspect="1"/>
+            <a:picLocks/>
           </p:cNvPicPr>
           <p:nvPr/>
         </p:nvPicPr>
@@ -5753,8 +5784,8 @@
         </p:blipFill>
         <p:spPr>
           <a:xfrm>
-            <a:off x="2540000" y="0"/>
-            <a:ext cx="6858000" cy="6858000"/>
+            <a:off x="3810000" y="1270000"/>
+            <a:ext cx="4445000" cy="4445000"/>
           </a:xfrm>
           <a:prstGeom prst="rect">
             <a:avLst/>
@@ -5764,7 +5795,7 @@
     </p:spTree>
     <p:extLst>
       <p:ext uri="{BB962C8B-B14F-4D97-AF65-F5344CB8AC3E}">
-        <p14:creationId xmlns:p14="http://schemas.microsoft.com/office/powerpoint/2010/main" val="1341012279"/>
+        <p14:creationId xmlns:p14="http://schemas.microsoft.com/office/powerpoint/2010/main" val="3414369947"/>
       </p:ext>
     </p:extLst>
   </p:cSld>
@@ -5795,7 +5826,7 @@
         <p:nvPicPr>
           <p:cNvPr id="2" name="Picture 1"/>
           <p:cNvPicPr>
-            <a:picLocks noChangeAspect="1"/>
+            <a:picLocks/>
           </p:cNvPicPr>
           <p:nvPr/>
         </p:nvPicPr>
@@ -5813,8 +5844,8 @@
         </p:blipFill>
         <p:spPr>
           <a:xfrm>
-            <a:off x="2540000" y="0"/>
-            <a:ext cx="6858000" cy="6858000"/>
+            <a:off x="3810000" y="1270000"/>
+            <a:ext cx="4445000" cy="4445000"/>
           </a:xfrm>
           <a:prstGeom prst="rect">
             <a:avLst/>
@@ -5824,7 +5855,7 @@
     </p:spTree>
     <p:extLst>
       <p:ext uri="{BB962C8B-B14F-4D97-AF65-F5344CB8AC3E}">
-        <p14:creationId xmlns:p14="http://schemas.microsoft.com/office/powerpoint/2010/main" val="1427746853"/>
+        <p14:creationId xmlns:p14="http://schemas.microsoft.com/office/powerpoint/2010/main" val="2557786672"/>
       </p:ext>
     </p:extLst>
   </p:cSld>
@@ -5855,7 +5886,7 @@
         <p:nvPicPr>
           <p:cNvPr id="2" name="Picture 1"/>
           <p:cNvPicPr>
-            <a:picLocks noChangeAspect="1"/>
+            <a:picLocks/>
           </p:cNvPicPr>
           <p:nvPr/>
         </p:nvPicPr>
@@ -5873,8 +5904,8 @@
         </p:blipFill>
         <p:spPr>
           <a:xfrm>
-            <a:off x="2540000" y="0"/>
-            <a:ext cx="6858000" cy="6858000"/>
+            <a:off x="3810000" y="1270000"/>
+            <a:ext cx="4445000" cy="4445000"/>
           </a:xfrm>
           <a:prstGeom prst="rect">
             <a:avLst/>
@@ -5884,7 +5915,7 @@
     </p:spTree>
     <p:extLst>
       <p:ext uri="{BB962C8B-B14F-4D97-AF65-F5344CB8AC3E}">
-        <p14:creationId xmlns:p14="http://schemas.microsoft.com/office/powerpoint/2010/main" val="2964764432"/>
+        <p14:creationId xmlns:p14="http://schemas.microsoft.com/office/powerpoint/2010/main" val="1718790854"/>
       </p:ext>
     </p:extLst>
   </p:cSld>
@@ -5915,7 +5946,7 @@
         <p:nvPicPr>
           <p:cNvPr id="2" name="Picture 1"/>
           <p:cNvPicPr>
-            <a:picLocks noChangeAspect="1"/>
+            <a:picLocks/>
           </p:cNvPicPr>
           <p:nvPr/>
         </p:nvPicPr>
@@ -5933,8 +5964,8 @@
         </p:blipFill>
         <p:spPr>
           <a:xfrm>
-            <a:off x="2540000" y="0"/>
-            <a:ext cx="6858000" cy="6858000"/>
+            <a:off x="3810000" y="1270000"/>
+            <a:ext cx="4445000" cy="4445000"/>
           </a:xfrm>
           <a:prstGeom prst="rect">
             <a:avLst/>
@@ -5944,7 +5975,7 @@
     </p:spTree>
     <p:extLst>
       <p:ext uri="{BB962C8B-B14F-4D97-AF65-F5344CB8AC3E}">
-        <p14:creationId xmlns:p14="http://schemas.microsoft.com/office/powerpoint/2010/main" val="3398060195"/>
+        <p14:creationId xmlns:p14="http://schemas.microsoft.com/office/powerpoint/2010/main" val="1064337238"/>
       </p:ext>
     </p:extLst>
   </p:cSld>
@@ -5975,7 +6006,7 @@
         <p:nvPicPr>
           <p:cNvPr id="2" name="Picture 1"/>
           <p:cNvPicPr>
-            <a:picLocks noChangeAspect="1"/>
+            <a:picLocks/>
           </p:cNvPicPr>
           <p:nvPr/>
         </p:nvPicPr>
@@ -5993,8 +6024,8 @@
         </p:blipFill>
         <p:spPr>
           <a:xfrm>
-            <a:off x="2540000" y="0"/>
-            <a:ext cx="6858000" cy="6858000"/>
+            <a:off x="3810000" y="1270000"/>
+            <a:ext cx="4445000" cy="4445000"/>
           </a:xfrm>
           <a:prstGeom prst="rect">
             <a:avLst/>
@@ -6004,7 +6035,7 @@
     </p:spTree>
     <p:extLst>
       <p:ext uri="{BB962C8B-B14F-4D97-AF65-F5344CB8AC3E}">
-        <p14:creationId xmlns:p14="http://schemas.microsoft.com/office/powerpoint/2010/main" val="2535754040"/>
+        <p14:creationId xmlns:p14="http://schemas.microsoft.com/office/powerpoint/2010/main" val="1306954855"/>
       </p:ext>
     </p:extLst>
   </p:cSld>
@@ -6035,7 +6066,7 @@
         <p:nvPicPr>
           <p:cNvPr id="2" name="Picture 1"/>
           <p:cNvPicPr>
-            <a:picLocks noChangeAspect="1"/>
+            <a:picLocks/>
           </p:cNvPicPr>
           <p:nvPr/>
         </p:nvPicPr>
@@ -6053,8 +6084,8 @@
         </p:blipFill>
         <p:spPr>
           <a:xfrm>
-            <a:off x="2540000" y="0"/>
-            <a:ext cx="6858000" cy="6858000"/>
+            <a:off x="3810000" y="1270000"/>
+            <a:ext cx="4445000" cy="4445000"/>
           </a:xfrm>
           <a:prstGeom prst="rect">
             <a:avLst/>
@@ -6064,7 +6095,7 @@
     </p:spTree>
     <p:extLst>
       <p:ext uri="{BB962C8B-B14F-4D97-AF65-F5344CB8AC3E}">
-        <p14:creationId xmlns:p14="http://schemas.microsoft.com/office/powerpoint/2010/main" val="2784657153"/>
+        <p14:creationId xmlns:p14="http://schemas.microsoft.com/office/powerpoint/2010/main" val="85920578"/>
       </p:ext>
     </p:extLst>
   </p:cSld>
@@ -6095,7 +6126,7 @@
         <p:nvPicPr>
           <p:cNvPr id="2" name="Picture 1"/>
           <p:cNvPicPr>
-            <a:picLocks noChangeAspect="1"/>
+            <a:picLocks/>
           </p:cNvPicPr>
           <p:nvPr/>
         </p:nvPicPr>
@@ -6113,8 +6144,8 @@
         </p:blipFill>
         <p:spPr>
           <a:xfrm>
-            <a:off x="2540000" y="0"/>
-            <a:ext cx="6858000" cy="6858000"/>
+            <a:off x="3810000" y="1270000"/>
+            <a:ext cx="4445000" cy="4445000"/>
           </a:xfrm>
           <a:prstGeom prst="rect">
             <a:avLst/>
@@ -6124,7 +6155,7 @@
     </p:spTree>
     <p:extLst>
       <p:ext uri="{BB962C8B-B14F-4D97-AF65-F5344CB8AC3E}">
-        <p14:creationId xmlns:p14="http://schemas.microsoft.com/office/powerpoint/2010/main" val="2247288770"/>
+        <p14:creationId xmlns:p14="http://schemas.microsoft.com/office/powerpoint/2010/main" val="258038685"/>
       </p:ext>
     </p:extLst>
   </p:cSld>
@@ -6155,7 +6186,7 @@
         <p:nvPicPr>
           <p:cNvPr id="2" name="Picture 1"/>
           <p:cNvPicPr>
-            <a:picLocks noChangeAspect="1"/>
+            <a:picLocks/>
           </p:cNvPicPr>
           <p:nvPr/>
         </p:nvPicPr>
@@ -6173,8 +6204,8 @@
         </p:blipFill>
         <p:spPr>
           <a:xfrm>
-            <a:off x="2540000" y="0"/>
-            <a:ext cx="6858000" cy="6858000"/>
+            <a:off x="3810000" y="1270000"/>
+            <a:ext cx="4445000" cy="4445000"/>
           </a:xfrm>
           <a:prstGeom prst="rect">
             <a:avLst/>
@@ -6184,7 +6215,7 @@
     </p:spTree>
     <p:extLst>
       <p:ext uri="{BB962C8B-B14F-4D97-AF65-F5344CB8AC3E}">
-        <p14:creationId xmlns:p14="http://schemas.microsoft.com/office/powerpoint/2010/main" val="3741388029"/>
+        <p14:creationId xmlns:p14="http://schemas.microsoft.com/office/powerpoint/2010/main" val="595315467"/>
       </p:ext>
     </p:extLst>
   </p:cSld>
@@ -6215,7 +6246,7 @@
         <p:nvPicPr>
           <p:cNvPr id="2" name="Picture 1"/>
           <p:cNvPicPr>
-            <a:picLocks noChangeAspect="1"/>
+            <a:picLocks/>
           </p:cNvPicPr>
           <p:nvPr/>
         </p:nvPicPr>
@@ -6233,8 +6264,8 @@
         </p:blipFill>
         <p:spPr>
           <a:xfrm>
-            <a:off x="2540000" y="0"/>
-            <a:ext cx="6858000" cy="6858000"/>
+            <a:off x="3810000" y="1270000"/>
+            <a:ext cx="4445000" cy="4445000"/>
           </a:xfrm>
           <a:prstGeom prst="rect">
             <a:avLst/>
@@ -6244,7 +6275,7 @@
     </p:spTree>
     <p:extLst>
       <p:ext uri="{BB962C8B-B14F-4D97-AF65-F5344CB8AC3E}">
-        <p14:creationId xmlns:p14="http://schemas.microsoft.com/office/powerpoint/2010/main" val="4052571575"/>
+        <p14:creationId xmlns:p14="http://schemas.microsoft.com/office/powerpoint/2010/main" val="1682848377"/>
       </p:ext>
     </p:extLst>
   </p:cSld>
@@ -6275,7 +6306,7 @@
         <p:nvPicPr>
           <p:cNvPr id="2" name="Picture 1"/>
           <p:cNvPicPr>
-            <a:picLocks noChangeAspect="1"/>
+            <a:picLocks/>
           </p:cNvPicPr>
           <p:nvPr/>
         </p:nvPicPr>
@@ -6293,8 +6324,8 @@
         </p:blipFill>
         <p:spPr>
           <a:xfrm>
-            <a:off x="2540000" y="0"/>
-            <a:ext cx="6858000" cy="6858000"/>
+            <a:off x="3810000" y="1270000"/>
+            <a:ext cx="4445000" cy="4445000"/>
           </a:xfrm>
           <a:prstGeom prst="rect">
             <a:avLst/>
@@ -6304,7 +6335,7 @@
     </p:spTree>
     <p:extLst>
       <p:ext uri="{BB962C8B-B14F-4D97-AF65-F5344CB8AC3E}">
-        <p14:creationId xmlns:p14="http://schemas.microsoft.com/office/powerpoint/2010/main" val="228107738"/>
+        <p14:creationId xmlns:p14="http://schemas.microsoft.com/office/powerpoint/2010/main" val="231802176"/>
       </p:ext>
     </p:extLst>
   </p:cSld>
@@ -6335,7 +6366,7 @@
         <p:nvPicPr>
           <p:cNvPr id="2" name="Picture 1"/>
           <p:cNvPicPr>
-            <a:picLocks noChangeAspect="1"/>
+            <a:picLocks/>
           </p:cNvPicPr>
           <p:nvPr/>
         </p:nvPicPr>
@@ -6353,8 +6384,8 @@
         </p:blipFill>
         <p:spPr>
           <a:xfrm>
-            <a:off x="2540000" y="0"/>
-            <a:ext cx="6858000" cy="6858000"/>
+            <a:off x="3810000" y="1270000"/>
+            <a:ext cx="4445000" cy="4445000"/>
           </a:xfrm>
           <a:prstGeom prst="rect">
             <a:avLst/>
@@ -6364,7 +6395,7 @@
     </p:spTree>
     <p:extLst>
       <p:ext uri="{BB962C8B-B14F-4D97-AF65-F5344CB8AC3E}">
-        <p14:creationId xmlns:p14="http://schemas.microsoft.com/office/powerpoint/2010/main" val="2575914901"/>
+        <p14:creationId xmlns:p14="http://schemas.microsoft.com/office/powerpoint/2010/main" val="2769740212"/>
       </p:ext>
     </p:extLst>
   </p:cSld>
@@ -6395,7 +6426,7 @@
         <p:nvPicPr>
           <p:cNvPr id="2" name="Picture 1"/>
           <p:cNvPicPr>
-            <a:picLocks noChangeAspect="1"/>
+            <a:picLocks/>
           </p:cNvPicPr>
           <p:nvPr/>
         </p:nvPicPr>
@@ -6413,8 +6444,8 @@
         </p:blipFill>
         <p:spPr>
           <a:xfrm>
-            <a:off x="2540000" y="0"/>
-            <a:ext cx="6858000" cy="6858000"/>
+            <a:off x="3810000" y="1270000"/>
+            <a:ext cx="4445000" cy="4445000"/>
           </a:xfrm>
           <a:prstGeom prst="rect">
             <a:avLst/>
@@ -6424,7 +6455,7 @@
     </p:spTree>
     <p:extLst>
       <p:ext uri="{BB962C8B-B14F-4D97-AF65-F5344CB8AC3E}">
-        <p14:creationId xmlns:p14="http://schemas.microsoft.com/office/powerpoint/2010/main" val="3480938637"/>
+        <p14:creationId xmlns:p14="http://schemas.microsoft.com/office/powerpoint/2010/main" val="3026414807"/>
       </p:ext>
     </p:extLst>
   </p:cSld>
@@ -6455,7 +6486,7 @@
         <p:nvPicPr>
           <p:cNvPr id="2" name="Picture 1"/>
           <p:cNvPicPr>
-            <a:picLocks noChangeAspect="1"/>
+            <a:picLocks/>
           </p:cNvPicPr>
           <p:nvPr/>
         </p:nvPicPr>
@@ -6473,8 +6504,8 @@
         </p:blipFill>
         <p:spPr>
           <a:xfrm>
-            <a:off x="2540000" y="0"/>
-            <a:ext cx="6858000" cy="6858000"/>
+            <a:off x="3810000" y="1270000"/>
+            <a:ext cx="4445000" cy="4445000"/>
           </a:xfrm>
           <a:prstGeom prst="rect">
             <a:avLst/>
@@ -6484,7 +6515,7 @@
     </p:spTree>
     <p:extLst>
       <p:ext uri="{BB962C8B-B14F-4D97-AF65-F5344CB8AC3E}">
-        <p14:creationId xmlns:p14="http://schemas.microsoft.com/office/powerpoint/2010/main" val="3791783562"/>
+        <p14:creationId xmlns:p14="http://schemas.microsoft.com/office/powerpoint/2010/main" val="421226184"/>
       </p:ext>
     </p:extLst>
   </p:cSld>
@@ -6515,7 +6546,7 @@
         <p:nvPicPr>
           <p:cNvPr id="2" name="Picture 1"/>
           <p:cNvPicPr>
-            <a:picLocks noChangeAspect="1"/>
+            <a:picLocks/>
           </p:cNvPicPr>
           <p:nvPr/>
         </p:nvPicPr>
@@ -6533,8 +6564,8 @@
         </p:blipFill>
         <p:spPr>
           <a:xfrm>
-            <a:off x="2540000" y="0"/>
-            <a:ext cx="6858000" cy="6858000"/>
+            <a:off x="3810000" y="1270000"/>
+            <a:ext cx="4445000" cy="4445000"/>
           </a:xfrm>
           <a:prstGeom prst="rect">
             <a:avLst/>
@@ -6544,7 +6575,7 @@
     </p:spTree>
     <p:extLst>
       <p:ext uri="{BB962C8B-B14F-4D97-AF65-F5344CB8AC3E}">
-        <p14:creationId xmlns:p14="http://schemas.microsoft.com/office/powerpoint/2010/main" val="2963708383"/>
+        <p14:creationId xmlns:p14="http://schemas.microsoft.com/office/powerpoint/2010/main" val="1510960269"/>
       </p:ext>
     </p:extLst>
   </p:cSld>
@@ -6575,7 +6606,7 @@
         <p:nvPicPr>
           <p:cNvPr id="2" name="Picture 1"/>
           <p:cNvPicPr>
-            <a:picLocks noChangeAspect="1"/>
+            <a:picLocks/>
           </p:cNvPicPr>
           <p:nvPr/>
         </p:nvPicPr>
@@ -6593,8 +6624,8 @@
         </p:blipFill>
         <p:spPr>
           <a:xfrm>
-            <a:off x="2540000" y="0"/>
-            <a:ext cx="6858000" cy="6858000"/>
+            <a:off x="3810000" y="1270000"/>
+            <a:ext cx="4445000" cy="4445000"/>
           </a:xfrm>
           <a:prstGeom prst="rect">
             <a:avLst/>
@@ -6604,7 +6635,7 @@
     </p:spTree>
     <p:extLst>
       <p:ext uri="{BB962C8B-B14F-4D97-AF65-F5344CB8AC3E}">
-        <p14:creationId xmlns:p14="http://schemas.microsoft.com/office/powerpoint/2010/main" val="1064250949"/>
+        <p14:creationId xmlns:p14="http://schemas.microsoft.com/office/powerpoint/2010/main" val="4109652576"/>
       </p:ext>
     </p:extLst>
   </p:cSld>
@@ -6635,7 +6666,7 @@
         <p:nvPicPr>
           <p:cNvPr id="2" name="Picture 1"/>
           <p:cNvPicPr>
-            <a:picLocks noChangeAspect="1"/>
+            <a:picLocks/>
           </p:cNvPicPr>
           <p:nvPr/>
         </p:nvPicPr>
@@ -6653,8 +6684,8 @@
         </p:blipFill>
         <p:spPr>
           <a:xfrm>
-            <a:off x="2540000" y="0"/>
-            <a:ext cx="6858000" cy="6858000"/>
+            <a:off x="3810000" y="1270000"/>
+            <a:ext cx="4445000" cy="4445000"/>
           </a:xfrm>
           <a:prstGeom prst="rect">
             <a:avLst/>
@@ -6664,7 +6695,7 @@
     </p:spTree>
     <p:extLst>
       <p:ext uri="{BB962C8B-B14F-4D97-AF65-F5344CB8AC3E}">
-        <p14:creationId xmlns:p14="http://schemas.microsoft.com/office/powerpoint/2010/main" val="389829810"/>
+        <p14:creationId xmlns:p14="http://schemas.microsoft.com/office/powerpoint/2010/main" val="3639484627"/>
       </p:ext>
     </p:extLst>
   </p:cSld>
@@ -6695,7 +6726,7 @@
         <p:nvPicPr>
           <p:cNvPr id="2" name="Picture 1"/>
           <p:cNvPicPr>
-            <a:picLocks noChangeAspect="1"/>
+            <a:picLocks/>
           </p:cNvPicPr>
           <p:nvPr/>
         </p:nvPicPr>
@@ -6713,8 +6744,8 @@
         </p:blipFill>
         <p:spPr>
           <a:xfrm>
-            <a:off x="2540000" y="0"/>
-            <a:ext cx="6858000" cy="6858000"/>
+            <a:off x="3810000" y="1270000"/>
+            <a:ext cx="4445000" cy="4445000"/>
           </a:xfrm>
           <a:prstGeom prst="rect">
             <a:avLst/>
@@ -6724,7 +6755,7 @@
     </p:spTree>
     <p:extLst>
       <p:ext uri="{BB962C8B-B14F-4D97-AF65-F5344CB8AC3E}">
-        <p14:creationId xmlns:p14="http://schemas.microsoft.com/office/powerpoint/2010/main" val="1533376937"/>
+        <p14:creationId xmlns:p14="http://schemas.microsoft.com/office/powerpoint/2010/main" val="3148827777"/>
       </p:ext>
     </p:extLst>
   </p:cSld>
@@ -6755,7 +6786,7 @@
         <p:nvPicPr>
           <p:cNvPr id="2" name="Picture 1"/>
           <p:cNvPicPr>
-            <a:picLocks noChangeAspect="1"/>
+            <a:picLocks/>
           </p:cNvPicPr>
           <p:nvPr/>
         </p:nvPicPr>
@@ -6773,8 +6804,8 @@
         </p:blipFill>
         <p:spPr>
           <a:xfrm>
-            <a:off x="2540000" y="0"/>
-            <a:ext cx="6858000" cy="6858000"/>
+            <a:off x="3810000" y="1270000"/>
+            <a:ext cx="4445000" cy="4445000"/>
           </a:xfrm>
           <a:prstGeom prst="rect">
             <a:avLst/>
@@ -6784,7 +6815,7 @@
     </p:spTree>
     <p:extLst>
       <p:ext uri="{BB962C8B-B14F-4D97-AF65-F5344CB8AC3E}">
-        <p14:creationId xmlns:p14="http://schemas.microsoft.com/office/powerpoint/2010/main" val="2429575644"/>
+        <p14:creationId xmlns:p14="http://schemas.microsoft.com/office/powerpoint/2010/main" val="2324911831"/>
       </p:ext>
     </p:extLst>
   </p:cSld>
@@ -6815,7 +6846,7 @@
         <p:nvPicPr>
           <p:cNvPr id="2" name="Picture 1"/>
           <p:cNvPicPr>
-            <a:picLocks noChangeAspect="1"/>
+            <a:picLocks/>
           </p:cNvPicPr>
           <p:nvPr/>
         </p:nvPicPr>
@@ -6833,8 +6864,8 @@
         </p:blipFill>
         <p:spPr>
           <a:xfrm>
-            <a:off x="2540000" y="0"/>
-            <a:ext cx="6858000" cy="6858000"/>
+            <a:off x="3810000" y="1270000"/>
+            <a:ext cx="4445000" cy="4445000"/>
           </a:xfrm>
           <a:prstGeom prst="rect">
             <a:avLst/>
@@ -6844,7 +6875,7 @@
     </p:spTree>
     <p:extLst>
       <p:ext uri="{BB962C8B-B14F-4D97-AF65-F5344CB8AC3E}">
-        <p14:creationId xmlns:p14="http://schemas.microsoft.com/office/powerpoint/2010/main" val="3110893834"/>
+        <p14:creationId xmlns:p14="http://schemas.microsoft.com/office/powerpoint/2010/main" val="2072509938"/>
       </p:ext>
     </p:extLst>
   </p:cSld>
@@ -6875,7 +6906,7 @@
         <p:nvPicPr>
           <p:cNvPr id="2" name="Picture 1"/>
           <p:cNvPicPr>
-            <a:picLocks noChangeAspect="1"/>
+            <a:picLocks/>
           </p:cNvPicPr>
           <p:nvPr/>
         </p:nvPicPr>
@@ -6893,8 +6924,8 @@
         </p:blipFill>
         <p:spPr>
           <a:xfrm>
-            <a:off x="2540000" y="0"/>
-            <a:ext cx="6858000" cy="6858000"/>
+            <a:off x="3810000" y="1270000"/>
+            <a:ext cx="4445000" cy="4445000"/>
           </a:xfrm>
           <a:prstGeom prst="rect">
             <a:avLst/>
@@ -6904,7 +6935,7 @@
     </p:spTree>
     <p:extLst>
       <p:ext uri="{BB962C8B-B14F-4D97-AF65-F5344CB8AC3E}">
-        <p14:creationId xmlns:p14="http://schemas.microsoft.com/office/powerpoint/2010/main" val="4145963605"/>
+        <p14:creationId xmlns:p14="http://schemas.microsoft.com/office/powerpoint/2010/main" val="2123356489"/>
       </p:ext>
     </p:extLst>
   </p:cSld>
@@ -6935,7 +6966,7 @@
         <p:nvPicPr>
           <p:cNvPr id="2" name="Picture 1"/>
           <p:cNvPicPr>
-            <a:picLocks noChangeAspect="1"/>
+            <a:picLocks/>
           </p:cNvPicPr>
           <p:nvPr/>
         </p:nvPicPr>
@@ -6953,8 +6984,8 @@
         </p:blipFill>
         <p:spPr>
           <a:xfrm>
-            <a:off x="2540000" y="0"/>
-            <a:ext cx="6858000" cy="6858000"/>
+            <a:off x="3810000" y="1270000"/>
+            <a:ext cx="4445000" cy="4445000"/>
           </a:xfrm>
           <a:prstGeom prst="rect">
             <a:avLst/>
@@ -6964,7 +6995,7 @@
     </p:spTree>
     <p:extLst>
       <p:ext uri="{BB962C8B-B14F-4D97-AF65-F5344CB8AC3E}">
-        <p14:creationId xmlns:p14="http://schemas.microsoft.com/office/powerpoint/2010/main" val="2357894394"/>
+        <p14:creationId xmlns:p14="http://schemas.microsoft.com/office/powerpoint/2010/main" val="3697269620"/>
       </p:ext>
     </p:extLst>
   </p:cSld>
@@ -6995,7 +7026,7 @@
         <p:nvPicPr>
           <p:cNvPr id="2" name="Picture 1"/>
           <p:cNvPicPr>
-            <a:picLocks noChangeAspect="1"/>
+            <a:picLocks/>
           </p:cNvPicPr>
           <p:nvPr/>
         </p:nvPicPr>
@@ -7013,8 +7044,8 @@
         </p:blipFill>
         <p:spPr>
           <a:xfrm>
-            <a:off x="2540000" y="0"/>
-            <a:ext cx="6858000" cy="6858000"/>
+            <a:off x="3810000" y="1270000"/>
+            <a:ext cx="4445000" cy="4445000"/>
           </a:xfrm>
           <a:prstGeom prst="rect">
             <a:avLst/>
@@ -7024,7 +7055,7 @@
     </p:spTree>
     <p:extLst>
       <p:ext uri="{BB962C8B-B14F-4D97-AF65-F5344CB8AC3E}">
-        <p14:creationId xmlns:p14="http://schemas.microsoft.com/office/powerpoint/2010/main" val="2899618502"/>
+        <p14:creationId xmlns:p14="http://schemas.microsoft.com/office/powerpoint/2010/main" val="472180423"/>
       </p:ext>
     </p:extLst>
   </p:cSld>
@@ -7055,7 +7086,7 @@
         <p:nvPicPr>
           <p:cNvPr id="2" name="Picture 1"/>
           <p:cNvPicPr>
-            <a:picLocks noChangeAspect="1"/>
+            <a:picLocks/>
           </p:cNvPicPr>
           <p:nvPr/>
         </p:nvPicPr>
@@ -7073,8 +7104,8 @@
         </p:blipFill>
         <p:spPr>
           <a:xfrm>
-            <a:off x="2540000" y="0"/>
-            <a:ext cx="6858000" cy="6858000"/>
+            <a:off x="3810000" y="1270000"/>
+            <a:ext cx="4445000" cy="4445000"/>
           </a:xfrm>
           <a:prstGeom prst="rect">
             <a:avLst/>
@@ -7084,7 +7115,7 @@
     </p:spTree>
     <p:extLst>
       <p:ext uri="{BB962C8B-B14F-4D97-AF65-F5344CB8AC3E}">
-        <p14:creationId xmlns:p14="http://schemas.microsoft.com/office/powerpoint/2010/main" val="2665692054"/>
+        <p14:creationId xmlns:p14="http://schemas.microsoft.com/office/powerpoint/2010/main" val="3840520992"/>
       </p:ext>
     </p:extLst>
   </p:cSld>
@@ -7115,7 +7146,7 @@
         <p:nvPicPr>
           <p:cNvPr id="2" name="Picture 1"/>
           <p:cNvPicPr>
-            <a:picLocks noChangeAspect="1"/>
+            <a:picLocks/>
           </p:cNvPicPr>
           <p:nvPr/>
         </p:nvPicPr>
@@ -7133,8 +7164,8 @@
         </p:blipFill>
         <p:spPr>
           <a:xfrm>
-            <a:off x="2540000" y="0"/>
-            <a:ext cx="6858000" cy="6858000"/>
+            <a:off x="3810000" y="1270000"/>
+            <a:ext cx="4445000" cy="4445000"/>
           </a:xfrm>
           <a:prstGeom prst="rect">
             <a:avLst/>
@@ -7144,7 +7175,7 @@
     </p:spTree>
     <p:extLst>
       <p:ext uri="{BB962C8B-B14F-4D97-AF65-F5344CB8AC3E}">
-        <p14:creationId xmlns:p14="http://schemas.microsoft.com/office/powerpoint/2010/main" val="1260337072"/>
+        <p14:creationId xmlns:p14="http://schemas.microsoft.com/office/powerpoint/2010/main" val="2106775296"/>
       </p:ext>
     </p:extLst>
   </p:cSld>
@@ -7175,7 +7206,7 @@
         <p:nvPicPr>
           <p:cNvPr id="2" name="Picture 1"/>
           <p:cNvPicPr>
-            <a:picLocks noChangeAspect="1"/>
+            <a:picLocks/>
           </p:cNvPicPr>
           <p:nvPr/>
         </p:nvPicPr>
@@ -7193,8 +7224,8 @@
         </p:blipFill>
         <p:spPr>
           <a:xfrm>
-            <a:off x="2540000" y="0"/>
-            <a:ext cx="6858000" cy="6858000"/>
+            <a:off x="3810000" y="1270000"/>
+            <a:ext cx="4445000" cy="4445000"/>
           </a:xfrm>
           <a:prstGeom prst="rect">
             <a:avLst/>
@@ -7204,7 +7235,7 @@
     </p:spTree>
     <p:extLst>
       <p:ext uri="{BB962C8B-B14F-4D97-AF65-F5344CB8AC3E}">
-        <p14:creationId xmlns:p14="http://schemas.microsoft.com/office/powerpoint/2010/main" val="2485182242"/>
+        <p14:creationId xmlns:p14="http://schemas.microsoft.com/office/powerpoint/2010/main" val="247708885"/>
       </p:ext>
     </p:extLst>
   </p:cSld>
@@ -7235,7 +7266,7 @@
         <p:nvPicPr>
           <p:cNvPr id="2" name="Picture 1"/>
           <p:cNvPicPr>
-            <a:picLocks noChangeAspect="1"/>
+            <a:picLocks/>
           </p:cNvPicPr>
           <p:nvPr/>
         </p:nvPicPr>
@@ -7253,8 +7284,8 @@
         </p:blipFill>
         <p:spPr>
           <a:xfrm>
-            <a:off x="2540000" y="0"/>
-            <a:ext cx="6858000" cy="6858000"/>
+            <a:off x="3810000" y="1270000"/>
+            <a:ext cx="4445000" cy="4445000"/>
           </a:xfrm>
           <a:prstGeom prst="rect">
             <a:avLst/>
@@ -7264,7 +7295,7 @@
     </p:spTree>
     <p:extLst>
       <p:ext uri="{BB962C8B-B14F-4D97-AF65-F5344CB8AC3E}">
-        <p14:creationId xmlns:p14="http://schemas.microsoft.com/office/powerpoint/2010/main" val="2265905728"/>
+        <p14:creationId xmlns:p14="http://schemas.microsoft.com/office/powerpoint/2010/main" val="4057596196"/>
       </p:ext>
     </p:extLst>
   </p:cSld>
@@ -7295,7 +7326,7 @@
         <p:nvPicPr>
           <p:cNvPr id="2" name="Picture 1"/>
           <p:cNvPicPr>
-            <a:picLocks noChangeAspect="1"/>
+            <a:picLocks/>
           </p:cNvPicPr>
           <p:nvPr/>
         </p:nvPicPr>
@@ -7313,8 +7344,8 @@
         </p:blipFill>
         <p:spPr>
           <a:xfrm>
-            <a:off x="2540000" y="0"/>
-            <a:ext cx="6858000" cy="6858000"/>
+            <a:off x="3810000" y="1270000"/>
+            <a:ext cx="4445000" cy="4445000"/>
           </a:xfrm>
           <a:prstGeom prst="rect">
             <a:avLst/>
@@ -7324,7 +7355,7 @@
     </p:spTree>
     <p:extLst>
       <p:ext uri="{BB962C8B-B14F-4D97-AF65-F5344CB8AC3E}">
-        <p14:creationId xmlns:p14="http://schemas.microsoft.com/office/powerpoint/2010/main" val="4054140286"/>
+        <p14:creationId xmlns:p14="http://schemas.microsoft.com/office/powerpoint/2010/main" val="1084738347"/>
       </p:ext>
     </p:extLst>
   </p:cSld>
@@ -7355,7 +7386,7 @@
         <p:nvPicPr>
           <p:cNvPr id="2" name="Picture 1"/>
           <p:cNvPicPr>
-            <a:picLocks noChangeAspect="1"/>
+            <a:picLocks/>
           </p:cNvPicPr>
           <p:nvPr/>
         </p:nvPicPr>
@@ -7373,8 +7404,8 @@
         </p:blipFill>
         <p:spPr>
           <a:xfrm>
-            <a:off x="2540000" y="0"/>
-            <a:ext cx="6858000" cy="6858000"/>
+            <a:off x="3810000" y="1270000"/>
+            <a:ext cx="4445000" cy="4445000"/>
           </a:xfrm>
           <a:prstGeom prst="rect">
             <a:avLst/>
@@ -7384,7 +7415,7 @@
     </p:spTree>
     <p:extLst>
       <p:ext uri="{BB962C8B-B14F-4D97-AF65-F5344CB8AC3E}">
-        <p14:creationId xmlns:p14="http://schemas.microsoft.com/office/powerpoint/2010/main" val="3672655776"/>
+        <p14:creationId xmlns:p14="http://schemas.microsoft.com/office/powerpoint/2010/main" val="373389125"/>
       </p:ext>
     </p:extLst>
   </p:cSld>
@@ -7415,7 +7446,7 @@
         <p:nvPicPr>
           <p:cNvPr id="2" name="Picture 1"/>
           <p:cNvPicPr>
-            <a:picLocks noChangeAspect="1"/>
+            <a:picLocks/>
           </p:cNvPicPr>
           <p:nvPr/>
         </p:nvPicPr>
@@ -7433,8 +7464,8 @@
         </p:blipFill>
         <p:spPr>
           <a:xfrm>
-            <a:off x="2540000" y="0"/>
-            <a:ext cx="6858000" cy="6858000"/>
+            <a:off x="3810000" y="1270000"/>
+            <a:ext cx="4445000" cy="4445000"/>
           </a:xfrm>
           <a:prstGeom prst="rect">
             <a:avLst/>
@@ -7444,7 +7475,7 @@
     </p:spTree>
     <p:extLst>
       <p:ext uri="{BB962C8B-B14F-4D97-AF65-F5344CB8AC3E}">
-        <p14:creationId xmlns:p14="http://schemas.microsoft.com/office/powerpoint/2010/main" val="3464048533"/>
+        <p14:creationId xmlns:p14="http://schemas.microsoft.com/office/powerpoint/2010/main" val="3136727832"/>
       </p:ext>
     </p:extLst>
   </p:cSld>
@@ -7475,7 +7506,7 @@
         <p:nvPicPr>
           <p:cNvPr id="2" name="Picture 1"/>
           <p:cNvPicPr>
-            <a:picLocks noChangeAspect="1"/>
+            <a:picLocks/>
           </p:cNvPicPr>
           <p:nvPr/>
         </p:nvPicPr>
@@ -7493,8 +7524,8 @@
         </p:blipFill>
         <p:spPr>
           <a:xfrm>
-            <a:off x="2540000" y="0"/>
-            <a:ext cx="6858000" cy="6858000"/>
+            <a:off x="3810000" y="1270000"/>
+            <a:ext cx="4445000" cy="4445000"/>
           </a:xfrm>
           <a:prstGeom prst="rect">
             <a:avLst/>
@@ -7504,7 +7535,7 @@
     </p:spTree>
     <p:extLst>
       <p:ext uri="{BB962C8B-B14F-4D97-AF65-F5344CB8AC3E}">
-        <p14:creationId xmlns:p14="http://schemas.microsoft.com/office/powerpoint/2010/main" val="486861391"/>
+        <p14:creationId xmlns:p14="http://schemas.microsoft.com/office/powerpoint/2010/main" val="1049596618"/>
       </p:ext>
     </p:extLst>
   </p:cSld>
@@ -7535,7 +7566,7 @@
         <p:nvPicPr>
           <p:cNvPr id="2" name="Picture 1"/>
           <p:cNvPicPr>
-            <a:picLocks noChangeAspect="1"/>
+            <a:picLocks/>
           </p:cNvPicPr>
           <p:nvPr/>
         </p:nvPicPr>
@@ -7553,8 +7584,8 @@
         </p:blipFill>
         <p:spPr>
           <a:xfrm>
-            <a:off x="2540000" y="0"/>
-            <a:ext cx="6858000" cy="6858000"/>
+            <a:off x="3810000" y="1270000"/>
+            <a:ext cx="4445000" cy="4445000"/>
           </a:xfrm>
           <a:prstGeom prst="rect">
             <a:avLst/>
@@ -7564,7 +7595,7 @@
     </p:spTree>
     <p:extLst>
       <p:ext uri="{BB962C8B-B14F-4D97-AF65-F5344CB8AC3E}">
-        <p14:creationId xmlns:p14="http://schemas.microsoft.com/office/powerpoint/2010/main" val="3364824159"/>
+        <p14:creationId xmlns:p14="http://schemas.microsoft.com/office/powerpoint/2010/main" val="1603882696"/>
       </p:ext>
     </p:extLst>
   </p:cSld>
@@ -7595,7 +7626,7 @@
         <p:nvPicPr>
           <p:cNvPr id="2" name="Picture 1"/>
           <p:cNvPicPr>
-            <a:picLocks noChangeAspect="1"/>
+            <a:picLocks/>
           </p:cNvPicPr>
           <p:nvPr/>
         </p:nvPicPr>
@@ -7613,8 +7644,8 @@
         </p:blipFill>
         <p:spPr>
           <a:xfrm>
-            <a:off x="2540000" y="0"/>
-            <a:ext cx="6858000" cy="6858000"/>
+            <a:off x="3810000" y="1270000"/>
+            <a:ext cx="4445000" cy="4445000"/>
           </a:xfrm>
           <a:prstGeom prst="rect">
             <a:avLst/>
@@ -7624,7 +7655,7 @@
     </p:spTree>
     <p:extLst>
       <p:ext uri="{BB962C8B-B14F-4D97-AF65-F5344CB8AC3E}">
-        <p14:creationId xmlns:p14="http://schemas.microsoft.com/office/powerpoint/2010/main" val="2122116618"/>
+        <p14:creationId xmlns:p14="http://schemas.microsoft.com/office/powerpoint/2010/main" val="2883326355"/>
       </p:ext>
     </p:extLst>
   </p:cSld>
@@ -7655,7 +7686,7 @@
         <p:nvPicPr>
           <p:cNvPr id="2" name="Picture 1"/>
           <p:cNvPicPr>
-            <a:picLocks noChangeAspect="1"/>
+            <a:picLocks/>
           </p:cNvPicPr>
           <p:nvPr/>
         </p:nvPicPr>
@@ -7673,8 +7704,8 @@
         </p:blipFill>
         <p:spPr>
           <a:xfrm>
-            <a:off x="2540000" y="0"/>
-            <a:ext cx="6858000" cy="6858000"/>
+            <a:off x="3810000" y="1270000"/>
+            <a:ext cx="4445000" cy="4445000"/>
           </a:xfrm>
           <a:prstGeom prst="rect">
             <a:avLst/>
@@ -7684,7 +7715,7 @@
     </p:spTree>
     <p:extLst>
       <p:ext uri="{BB962C8B-B14F-4D97-AF65-F5344CB8AC3E}">
-        <p14:creationId xmlns:p14="http://schemas.microsoft.com/office/powerpoint/2010/main" val="1251543412"/>
+        <p14:creationId xmlns:p14="http://schemas.microsoft.com/office/powerpoint/2010/main" val="2060280920"/>
       </p:ext>
     </p:extLst>
   </p:cSld>
@@ -7715,7 +7746,7 @@
         <p:nvPicPr>
           <p:cNvPr id="2" name="Picture 1"/>
           <p:cNvPicPr>
-            <a:picLocks noChangeAspect="1"/>
+            <a:picLocks/>
           </p:cNvPicPr>
           <p:nvPr/>
         </p:nvPicPr>
@@ -7733,8 +7764,8 @@
         </p:blipFill>
         <p:spPr>
           <a:xfrm>
-            <a:off x="2540000" y="0"/>
-            <a:ext cx="6858000" cy="6858000"/>
+            <a:off x="3810000" y="1270000"/>
+            <a:ext cx="4445000" cy="4445000"/>
           </a:xfrm>
           <a:prstGeom prst="rect">
             <a:avLst/>
@@ -7744,7 +7775,7 @@
     </p:spTree>
     <p:extLst>
       <p:ext uri="{BB962C8B-B14F-4D97-AF65-F5344CB8AC3E}">
-        <p14:creationId xmlns:p14="http://schemas.microsoft.com/office/powerpoint/2010/main" val="1822683108"/>
+        <p14:creationId xmlns:p14="http://schemas.microsoft.com/office/powerpoint/2010/main" val="3656716433"/>
       </p:ext>
     </p:extLst>
   </p:cSld>
@@ -7775,7 +7806,7 @@
         <p:nvPicPr>
           <p:cNvPr id="2" name="Picture 1"/>
           <p:cNvPicPr>
-            <a:picLocks noChangeAspect="1"/>
+            <a:picLocks/>
           </p:cNvPicPr>
           <p:nvPr/>
         </p:nvPicPr>
@@ -7793,8 +7824,8 @@
         </p:blipFill>
         <p:spPr>
           <a:xfrm>
-            <a:off x="2540000" y="0"/>
-            <a:ext cx="6858000" cy="6858000"/>
+            <a:off x="3810000" y="1270000"/>
+            <a:ext cx="4445000" cy="4445000"/>
           </a:xfrm>
           <a:prstGeom prst="rect">
             <a:avLst/>
@@ -7804,7 +7835,7 @@
     </p:spTree>
     <p:extLst>
       <p:ext uri="{BB962C8B-B14F-4D97-AF65-F5344CB8AC3E}">
-        <p14:creationId xmlns:p14="http://schemas.microsoft.com/office/powerpoint/2010/main" val="3982908778"/>
+        <p14:creationId xmlns:p14="http://schemas.microsoft.com/office/powerpoint/2010/main" val="1917173859"/>
       </p:ext>
     </p:extLst>
   </p:cSld>
@@ -7835,7 +7866,7 @@
         <p:nvPicPr>
           <p:cNvPr id="2" name="Picture 1"/>
           <p:cNvPicPr>
-            <a:picLocks noChangeAspect="1"/>
+            <a:picLocks/>
           </p:cNvPicPr>
           <p:nvPr/>
         </p:nvPicPr>
@@ -7853,8 +7884,8 @@
         </p:blipFill>
         <p:spPr>
           <a:xfrm>
-            <a:off x="2540000" y="0"/>
-            <a:ext cx="6858000" cy="6858000"/>
+            <a:off x="3810000" y="1270000"/>
+            <a:ext cx="4445000" cy="4445000"/>
           </a:xfrm>
           <a:prstGeom prst="rect">
             <a:avLst/>
@@ -7864,7 +7895,7 @@
     </p:spTree>
     <p:extLst>
       <p:ext uri="{BB962C8B-B14F-4D97-AF65-F5344CB8AC3E}">
-        <p14:creationId xmlns:p14="http://schemas.microsoft.com/office/powerpoint/2010/main" val="2239216673"/>
+        <p14:creationId xmlns:p14="http://schemas.microsoft.com/office/powerpoint/2010/main" val="1008817022"/>
       </p:ext>
     </p:extLst>
   </p:cSld>
@@ -7895,7 +7926,7 @@
         <p:nvPicPr>
           <p:cNvPr id="2" name="Picture 1"/>
           <p:cNvPicPr>
-            <a:picLocks noChangeAspect="1"/>
+            <a:picLocks/>
           </p:cNvPicPr>
           <p:nvPr/>
         </p:nvPicPr>
@@ -7913,8 +7944,8 @@
         </p:blipFill>
         <p:spPr>
           <a:xfrm>
-            <a:off x="2540000" y="0"/>
-            <a:ext cx="6858000" cy="6858000"/>
+            <a:off x="3810000" y="1270000"/>
+            <a:ext cx="4445000" cy="4445000"/>
           </a:xfrm>
           <a:prstGeom prst="rect">
             <a:avLst/>
@@ -7924,7 +7955,7 @@
     </p:spTree>
     <p:extLst>
       <p:ext uri="{BB962C8B-B14F-4D97-AF65-F5344CB8AC3E}">
-        <p14:creationId xmlns:p14="http://schemas.microsoft.com/office/powerpoint/2010/main" val="3219773971"/>
+        <p14:creationId xmlns:p14="http://schemas.microsoft.com/office/powerpoint/2010/main" val="2204517902"/>
       </p:ext>
     </p:extLst>
   </p:cSld>
@@ -7955,7 +7986,7 @@
         <p:nvPicPr>
           <p:cNvPr id="2" name="Picture 1"/>
           <p:cNvPicPr>
-            <a:picLocks noChangeAspect="1"/>
+            <a:picLocks/>
           </p:cNvPicPr>
           <p:nvPr/>
         </p:nvPicPr>
@@ -7973,8 +8004,8 @@
         </p:blipFill>
         <p:spPr>
           <a:xfrm>
-            <a:off x="2540000" y="0"/>
-            <a:ext cx="6858000" cy="6858000"/>
+            <a:off x="3810000" y="1270000"/>
+            <a:ext cx="4445000" cy="4445000"/>
           </a:xfrm>
           <a:prstGeom prst="rect">
             <a:avLst/>
@@ -7984,7 +8015,7 @@
     </p:spTree>
     <p:extLst>
       <p:ext uri="{BB962C8B-B14F-4D97-AF65-F5344CB8AC3E}">
-        <p14:creationId xmlns:p14="http://schemas.microsoft.com/office/powerpoint/2010/main" val="3693031079"/>
+        <p14:creationId xmlns:p14="http://schemas.microsoft.com/office/powerpoint/2010/main" val="2710989950"/>
       </p:ext>
     </p:extLst>
   </p:cSld>
@@ -8015,7 +8046,7 @@
         <p:nvPicPr>
           <p:cNvPr id="2" name="Picture 1"/>
           <p:cNvPicPr>
-            <a:picLocks noChangeAspect="1"/>
+            <a:picLocks/>
           </p:cNvPicPr>
           <p:nvPr/>
         </p:nvPicPr>
@@ -8033,8 +8064,8 @@
         </p:blipFill>
         <p:spPr>
           <a:xfrm>
-            <a:off x="2540000" y="0"/>
-            <a:ext cx="6858000" cy="6858000"/>
+            <a:off x="3810000" y="1270000"/>
+            <a:ext cx="4445000" cy="4445000"/>
           </a:xfrm>
           <a:prstGeom prst="rect">
             <a:avLst/>
@@ -8044,7 +8075,7 @@
     </p:spTree>
     <p:extLst>
       <p:ext uri="{BB962C8B-B14F-4D97-AF65-F5344CB8AC3E}">
-        <p14:creationId xmlns:p14="http://schemas.microsoft.com/office/powerpoint/2010/main" val="4294858765"/>
+        <p14:creationId xmlns:p14="http://schemas.microsoft.com/office/powerpoint/2010/main" val="3562557871"/>
       </p:ext>
     </p:extLst>
   </p:cSld>
@@ -8075,7 +8106,7 @@
         <p:nvPicPr>
           <p:cNvPr id="2" name="Picture 1"/>
           <p:cNvPicPr>
-            <a:picLocks noChangeAspect="1"/>
+            <a:picLocks/>
           </p:cNvPicPr>
           <p:nvPr/>
         </p:nvPicPr>
@@ -8093,8 +8124,8 @@
         </p:blipFill>
         <p:spPr>
           <a:xfrm>
-            <a:off x="2540000" y="0"/>
-            <a:ext cx="6858000" cy="6858000"/>
+            <a:off x="3810000" y="1270000"/>
+            <a:ext cx="4445000" cy="4445000"/>
           </a:xfrm>
           <a:prstGeom prst="rect">
             <a:avLst/>
@@ -8104,7 +8135,7 @@
     </p:spTree>
     <p:extLst>
       <p:ext uri="{BB962C8B-B14F-4D97-AF65-F5344CB8AC3E}">
-        <p14:creationId xmlns:p14="http://schemas.microsoft.com/office/powerpoint/2010/main" val="2056552709"/>
+        <p14:creationId xmlns:p14="http://schemas.microsoft.com/office/powerpoint/2010/main" val="1048513718"/>
       </p:ext>
     </p:extLst>
   </p:cSld>
@@ -8135,7 +8166,7 @@
         <p:nvPicPr>
           <p:cNvPr id="2" name="Picture 1"/>
           <p:cNvPicPr>
-            <a:picLocks noChangeAspect="1"/>
+            <a:picLocks/>
           </p:cNvPicPr>
           <p:nvPr/>
         </p:nvPicPr>
@@ -8153,8 +8184,8 @@
         </p:blipFill>
         <p:spPr>
           <a:xfrm>
-            <a:off x="2540000" y="0"/>
-            <a:ext cx="6858000" cy="6858000"/>
+            <a:off x="3810000" y="1270000"/>
+            <a:ext cx="4445000" cy="4445000"/>
           </a:xfrm>
           <a:prstGeom prst="rect">
             <a:avLst/>
@@ -8164,7 +8195,7 @@
     </p:spTree>
     <p:extLst>
       <p:ext uri="{BB962C8B-B14F-4D97-AF65-F5344CB8AC3E}">
-        <p14:creationId xmlns:p14="http://schemas.microsoft.com/office/powerpoint/2010/main" val="2654297034"/>
+        <p14:creationId xmlns:p14="http://schemas.microsoft.com/office/powerpoint/2010/main" val="45899309"/>
       </p:ext>
     </p:extLst>
   </p:cSld>
@@ -8195,7 +8226,7 @@
         <p:nvPicPr>
           <p:cNvPr id="2" name="Picture 1"/>
           <p:cNvPicPr>
-            <a:picLocks noChangeAspect="1"/>
+            <a:picLocks/>
           </p:cNvPicPr>
           <p:nvPr/>
         </p:nvPicPr>
@@ -8213,8 +8244,8 @@
         </p:blipFill>
         <p:spPr>
           <a:xfrm>
-            <a:off x="2540000" y="0"/>
-            <a:ext cx="6858000" cy="6858000"/>
+            <a:off x="3810000" y="1270000"/>
+            <a:ext cx="4445000" cy="4445000"/>
           </a:xfrm>
           <a:prstGeom prst="rect">
             <a:avLst/>
@@ -8224,7 +8255,7 @@
     </p:spTree>
     <p:extLst>
       <p:ext uri="{BB962C8B-B14F-4D97-AF65-F5344CB8AC3E}">
-        <p14:creationId xmlns:p14="http://schemas.microsoft.com/office/powerpoint/2010/main" val="948100486"/>
+        <p14:creationId xmlns:p14="http://schemas.microsoft.com/office/powerpoint/2010/main" val="2490086395"/>
       </p:ext>
     </p:extLst>
   </p:cSld>
@@ -8255,7 +8286,7 @@
         <p:nvPicPr>
           <p:cNvPr id="2" name="Picture 1"/>
           <p:cNvPicPr>
-            <a:picLocks noChangeAspect="1"/>
+            <a:picLocks/>
           </p:cNvPicPr>
           <p:nvPr/>
         </p:nvPicPr>
@@ -8273,8 +8304,8 @@
         </p:blipFill>
         <p:spPr>
           <a:xfrm>
-            <a:off x="2540000" y="0"/>
-            <a:ext cx="6858000" cy="6858000"/>
+            <a:off x="3810000" y="1270000"/>
+            <a:ext cx="4445000" cy="4445000"/>
           </a:xfrm>
           <a:prstGeom prst="rect">
             <a:avLst/>
@@ -8284,7 +8315,7 @@
     </p:spTree>
     <p:extLst>
       <p:ext uri="{BB962C8B-B14F-4D97-AF65-F5344CB8AC3E}">
-        <p14:creationId xmlns:p14="http://schemas.microsoft.com/office/powerpoint/2010/main" val="1413768404"/>
+        <p14:creationId xmlns:p14="http://schemas.microsoft.com/office/powerpoint/2010/main" val="3984012876"/>
       </p:ext>
     </p:extLst>
   </p:cSld>
@@ -8315,7 +8346,7 @@
         <p:nvPicPr>
           <p:cNvPr id="2" name="Picture 1"/>
           <p:cNvPicPr>
-            <a:picLocks noChangeAspect="1"/>
+            <a:picLocks/>
           </p:cNvPicPr>
           <p:nvPr/>
         </p:nvPicPr>
@@ -8333,8 +8364,8 @@
         </p:blipFill>
         <p:spPr>
           <a:xfrm>
-            <a:off x="2540000" y="0"/>
-            <a:ext cx="6858000" cy="6858000"/>
+            <a:off x="3810000" y="1270000"/>
+            <a:ext cx="4445000" cy="4445000"/>
           </a:xfrm>
           <a:prstGeom prst="rect">
             <a:avLst/>
@@ -8344,7 +8375,7 @@
     </p:spTree>
     <p:extLst>
       <p:ext uri="{BB962C8B-B14F-4D97-AF65-F5344CB8AC3E}">
-        <p14:creationId xmlns:p14="http://schemas.microsoft.com/office/powerpoint/2010/main" val="2144447507"/>
+        <p14:creationId xmlns:p14="http://schemas.microsoft.com/office/powerpoint/2010/main" val="1550514967"/>
       </p:ext>
     </p:extLst>
   </p:cSld>
@@ -8375,7 +8406,7 @@
         <p:nvPicPr>
           <p:cNvPr id="2" name="Picture 1"/>
           <p:cNvPicPr>
-            <a:picLocks noChangeAspect="1"/>
+            <a:picLocks/>
           </p:cNvPicPr>
           <p:nvPr/>
         </p:nvPicPr>
@@ -8393,8 +8424,8 @@
         </p:blipFill>
         <p:spPr>
           <a:xfrm>
-            <a:off x="2540000" y="0"/>
-            <a:ext cx="6858000" cy="6858000"/>
+            <a:off x="3810000" y="1270000"/>
+            <a:ext cx="4445000" cy="4445000"/>
           </a:xfrm>
           <a:prstGeom prst="rect">
             <a:avLst/>
@@ -8404,7 +8435,7 @@
     </p:spTree>
     <p:extLst>
       <p:ext uri="{BB962C8B-B14F-4D97-AF65-F5344CB8AC3E}">
-        <p14:creationId xmlns:p14="http://schemas.microsoft.com/office/powerpoint/2010/main" val="4220214389"/>
+        <p14:creationId xmlns:p14="http://schemas.microsoft.com/office/powerpoint/2010/main" val="2301901786"/>
       </p:ext>
     </p:extLst>
   </p:cSld>
@@ -8435,7 +8466,7 @@
         <p:nvPicPr>
           <p:cNvPr id="2" name="Picture 1"/>
           <p:cNvPicPr>
-            <a:picLocks noChangeAspect="1"/>
+            <a:picLocks/>
           </p:cNvPicPr>
           <p:nvPr/>
         </p:nvPicPr>
@@ -8453,8 +8484,8 @@
         </p:blipFill>
         <p:spPr>
           <a:xfrm>
-            <a:off x="2540000" y="0"/>
-            <a:ext cx="6858000" cy="6858000"/>
+            <a:off x="3810000" y="1270000"/>
+            <a:ext cx="4445000" cy="4445000"/>
           </a:xfrm>
           <a:prstGeom prst="rect">
             <a:avLst/>
@@ -8464,7 +8495,7 @@
     </p:spTree>
     <p:extLst>
       <p:ext uri="{BB962C8B-B14F-4D97-AF65-F5344CB8AC3E}">
-        <p14:creationId xmlns:p14="http://schemas.microsoft.com/office/powerpoint/2010/main" val="739436414"/>
+        <p14:creationId xmlns:p14="http://schemas.microsoft.com/office/powerpoint/2010/main" val="4195218131"/>
       </p:ext>
     </p:extLst>
   </p:cSld>
@@ -8495,7 +8526,7 @@
         <p:nvPicPr>
           <p:cNvPr id="2" name="Picture 1"/>
           <p:cNvPicPr>
-            <a:picLocks noChangeAspect="1"/>
+            <a:picLocks/>
           </p:cNvPicPr>
           <p:nvPr/>
         </p:nvPicPr>
@@ -8513,8 +8544,8 @@
         </p:blipFill>
         <p:spPr>
           <a:xfrm>
-            <a:off x="2540000" y="0"/>
-            <a:ext cx="6858000" cy="6858000"/>
+            <a:off x="3810000" y="1270000"/>
+            <a:ext cx="4445000" cy="4445000"/>
           </a:xfrm>
           <a:prstGeom prst="rect">
             <a:avLst/>
@@ -8524,7 +8555,7 @@
     </p:spTree>
     <p:extLst>
       <p:ext uri="{BB962C8B-B14F-4D97-AF65-F5344CB8AC3E}">
-        <p14:creationId xmlns:p14="http://schemas.microsoft.com/office/powerpoint/2010/main" val="3541077367"/>
+        <p14:creationId xmlns:p14="http://schemas.microsoft.com/office/powerpoint/2010/main" val="420510743"/>
       </p:ext>
     </p:extLst>
   </p:cSld>
@@ -8555,7 +8586,7 @@
         <p:nvPicPr>
           <p:cNvPr id="2" name="Picture 1"/>
           <p:cNvPicPr>
-            <a:picLocks noChangeAspect="1"/>
+            <a:picLocks/>
           </p:cNvPicPr>
           <p:nvPr/>
         </p:nvPicPr>
@@ -8573,8 +8604,8 @@
         </p:blipFill>
         <p:spPr>
           <a:xfrm>
-            <a:off x="2540000" y="0"/>
-            <a:ext cx="6858000" cy="6858000"/>
+            <a:off x="3810000" y="1270000"/>
+            <a:ext cx="4445000" cy="4445000"/>
           </a:xfrm>
           <a:prstGeom prst="rect">
             <a:avLst/>
@@ -8584,7 +8615,7 @@
     </p:spTree>
     <p:extLst>
       <p:ext uri="{BB962C8B-B14F-4D97-AF65-F5344CB8AC3E}">
-        <p14:creationId xmlns:p14="http://schemas.microsoft.com/office/powerpoint/2010/main" val="3608146700"/>
+        <p14:creationId xmlns:p14="http://schemas.microsoft.com/office/powerpoint/2010/main" val="39534236"/>
       </p:ext>
     </p:extLst>
   </p:cSld>
@@ -8615,7 +8646,7 @@
         <p:nvPicPr>
           <p:cNvPr id="2" name="Picture 1"/>
           <p:cNvPicPr>
-            <a:picLocks noChangeAspect="1"/>
+            <a:picLocks/>
           </p:cNvPicPr>
           <p:nvPr/>
         </p:nvPicPr>
@@ -8633,8 +8664,8 @@
         </p:blipFill>
         <p:spPr>
           <a:xfrm>
-            <a:off x="2540000" y="0"/>
-            <a:ext cx="6858000" cy="6858000"/>
+            <a:off x="3810000" y="1270000"/>
+            <a:ext cx="4445000" cy="4445000"/>
           </a:xfrm>
           <a:prstGeom prst="rect">
             <a:avLst/>
@@ -8644,7 +8675,7 @@
     </p:spTree>
     <p:extLst>
       <p:ext uri="{BB962C8B-B14F-4D97-AF65-F5344CB8AC3E}">
-        <p14:creationId xmlns:p14="http://schemas.microsoft.com/office/powerpoint/2010/main" val="56694216"/>
+        <p14:creationId xmlns:p14="http://schemas.microsoft.com/office/powerpoint/2010/main" val="2862529577"/>
       </p:ext>
     </p:extLst>
   </p:cSld>
@@ -8675,7 +8706,7 @@
         <p:nvPicPr>
           <p:cNvPr id="2" name="Picture 1"/>
           <p:cNvPicPr>
-            <a:picLocks noChangeAspect="1"/>
+            <a:picLocks/>
           </p:cNvPicPr>
           <p:nvPr/>
         </p:nvPicPr>
@@ -8693,8 +8724,8 @@
         </p:blipFill>
         <p:spPr>
           <a:xfrm>
-            <a:off x="2540000" y="0"/>
-            <a:ext cx="6858000" cy="6858000"/>
+            <a:off x="3810000" y="1270000"/>
+            <a:ext cx="4445000" cy="4445000"/>
           </a:xfrm>
           <a:prstGeom prst="rect">
             <a:avLst/>
@@ -8704,7 +8735,7 @@
     </p:spTree>
     <p:extLst>
       <p:ext uri="{BB962C8B-B14F-4D97-AF65-F5344CB8AC3E}">
-        <p14:creationId xmlns:p14="http://schemas.microsoft.com/office/powerpoint/2010/main" val="213339943"/>
+        <p14:creationId xmlns:p14="http://schemas.microsoft.com/office/powerpoint/2010/main" val="429648769"/>
       </p:ext>
     </p:extLst>
   </p:cSld>
@@ -8735,7 +8766,7 @@
         <p:nvPicPr>
           <p:cNvPr id="2" name="Picture 1"/>
           <p:cNvPicPr>
-            <a:picLocks noChangeAspect="1"/>
+            <a:picLocks/>
           </p:cNvPicPr>
           <p:nvPr/>
         </p:nvPicPr>
@@ -8753,8 +8784,8 @@
         </p:blipFill>
         <p:spPr>
           <a:xfrm>
-            <a:off x="2540000" y="0"/>
-            <a:ext cx="6858000" cy="6858000"/>
+            <a:off x="3810000" y="1270000"/>
+            <a:ext cx="4445000" cy="4445000"/>
           </a:xfrm>
           <a:prstGeom prst="rect">
             <a:avLst/>
@@ -8764,7 +8795,7 @@
     </p:spTree>
     <p:extLst>
       <p:ext uri="{BB962C8B-B14F-4D97-AF65-F5344CB8AC3E}">
-        <p14:creationId xmlns:p14="http://schemas.microsoft.com/office/powerpoint/2010/main" val="371703024"/>
+        <p14:creationId xmlns:p14="http://schemas.microsoft.com/office/powerpoint/2010/main" val="3748228525"/>
       </p:ext>
     </p:extLst>
   </p:cSld>
@@ -8795,7 +8826,7 @@
         <p:nvPicPr>
           <p:cNvPr id="2" name="Picture 1"/>
           <p:cNvPicPr>
-            <a:picLocks noChangeAspect="1"/>
+            <a:picLocks/>
           </p:cNvPicPr>
           <p:nvPr/>
         </p:nvPicPr>
@@ -8813,8 +8844,8 @@
         </p:blipFill>
         <p:spPr>
           <a:xfrm>
-            <a:off x="2540000" y="0"/>
-            <a:ext cx="6858000" cy="6858000"/>
+            <a:off x="3810000" y="1270000"/>
+            <a:ext cx="4445000" cy="4445000"/>
           </a:xfrm>
           <a:prstGeom prst="rect">
             <a:avLst/>
@@ -8824,7 +8855,7 @@
     </p:spTree>
     <p:extLst>
       <p:ext uri="{BB962C8B-B14F-4D97-AF65-F5344CB8AC3E}">
-        <p14:creationId xmlns:p14="http://schemas.microsoft.com/office/powerpoint/2010/main" val="2310652422"/>
+        <p14:creationId xmlns:p14="http://schemas.microsoft.com/office/powerpoint/2010/main" val="1948463182"/>
       </p:ext>
     </p:extLst>
   </p:cSld>
@@ -8855,7 +8886,7 @@
         <p:nvPicPr>
           <p:cNvPr id="2" name="Picture 1"/>
           <p:cNvPicPr>
-            <a:picLocks noChangeAspect="1"/>
+            <a:picLocks/>
           </p:cNvPicPr>
           <p:nvPr/>
         </p:nvPicPr>
@@ -8873,8 +8904,8 @@
         </p:blipFill>
         <p:spPr>
           <a:xfrm>
-            <a:off x="2540000" y="0"/>
-            <a:ext cx="6858000" cy="6858000"/>
+            <a:off x="3810000" y="1270000"/>
+            <a:ext cx="4445000" cy="4445000"/>
           </a:xfrm>
           <a:prstGeom prst="rect">
             <a:avLst/>
@@ -8884,7 +8915,7 @@
     </p:spTree>
     <p:extLst>
       <p:ext uri="{BB962C8B-B14F-4D97-AF65-F5344CB8AC3E}">
-        <p14:creationId xmlns:p14="http://schemas.microsoft.com/office/powerpoint/2010/main" val="2223786758"/>
+        <p14:creationId xmlns:p14="http://schemas.microsoft.com/office/powerpoint/2010/main" val="1149176235"/>
       </p:ext>
     </p:extLst>
   </p:cSld>
@@ -8915,7 +8946,7 @@
         <p:nvPicPr>
           <p:cNvPr id="2" name="Picture 1"/>
           <p:cNvPicPr>
-            <a:picLocks noChangeAspect="1"/>
+            <a:picLocks/>
           </p:cNvPicPr>
           <p:nvPr/>
         </p:nvPicPr>
@@ -8933,8 +8964,8 @@
         </p:blipFill>
         <p:spPr>
           <a:xfrm>
-            <a:off x="2540000" y="0"/>
-            <a:ext cx="6858000" cy="6858000"/>
+            <a:off x="3810000" y="1270000"/>
+            <a:ext cx="4445000" cy="4445000"/>
           </a:xfrm>
           <a:prstGeom prst="rect">
             <a:avLst/>
@@ -8944,7 +8975,7 @@
     </p:spTree>
     <p:extLst>
       <p:ext uri="{BB962C8B-B14F-4D97-AF65-F5344CB8AC3E}">
-        <p14:creationId xmlns:p14="http://schemas.microsoft.com/office/powerpoint/2010/main" val="1900946837"/>
+        <p14:creationId xmlns:p14="http://schemas.microsoft.com/office/powerpoint/2010/main" val="1042494897"/>
       </p:ext>
     </p:extLst>
   </p:cSld>
@@ -8975,7 +9006,7 @@
         <p:nvPicPr>
           <p:cNvPr id="2" name="Picture 1"/>
           <p:cNvPicPr>
-            <a:picLocks noChangeAspect="1"/>
+            <a:picLocks/>
           </p:cNvPicPr>
           <p:nvPr/>
         </p:nvPicPr>
@@ -8993,8 +9024,8 @@
         </p:blipFill>
         <p:spPr>
           <a:xfrm>
-            <a:off x="2540000" y="0"/>
-            <a:ext cx="6858000" cy="6858000"/>
+            <a:off x="3810000" y="1270000"/>
+            <a:ext cx="4445000" cy="4445000"/>
           </a:xfrm>
           <a:prstGeom prst="rect">
             <a:avLst/>
@@ -9004,7 +9035,7 @@
     </p:spTree>
     <p:extLst>
       <p:ext uri="{BB962C8B-B14F-4D97-AF65-F5344CB8AC3E}">
-        <p14:creationId xmlns:p14="http://schemas.microsoft.com/office/powerpoint/2010/main" val="3929662264"/>
+        <p14:creationId xmlns:p14="http://schemas.microsoft.com/office/powerpoint/2010/main" val="1203026512"/>
       </p:ext>
     </p:extLst>
   </p:cSld>
@@ -9035,7 +9066,7 @@
         <p:nvPicPr>
           <p:cNvPr id="2" name="Picture 1"/>
           <p:cNvPicPr>
-            <a:picLocks noChangeAspect="1"/>
+            <a:picLocks/>
           </p:cNvPicPr>
           <p:nvPr/>
         </p:nvPicPr>
@@ -9053,8 +9084,8 @@
         </p:blipFill>
         <p:spPr>
           <a:xfrm>
-            <a:off x="2540000" y="0"/>
-            <a:ext cx="6858000" cy="6858000"/>
+            <a:off x="3810000" y="1270000"/>
+            <a:ext cx="4445000" cy="4445000"/>
           </a:xfrm>
           <a:prstGeom prst="rect">
             <a:avLst/>
@@ -9064,7 +9095,7 @@
     </p:spTree>
     <p:extLst>
       <p:ext uri="{BB962C8B-B14F-4D97-AF65-F5344CB8AC3E}">
-        <p14:creationId xmlns:p14="http://schemas.microsoft.com/office/powerpoint/2010/main" val="923033378"/>
+        <p14:creationId xmlns:p14="http://schemas.microsoft.com/office/powerpoint/2010/main" val="3597361171"/>
       </p:ext>
     </p:extLst>
   </p:cSld>
@@ -9095,7 +9126,7 @@
         <p:nvPicPr>
           <p:cNvPr id="2" name="Picture 1"/>
           <p:cNvPicPr>
-            <a:picLocks noChangeAspect="1"/>
+            <a:picLocks/>
           </p:cNvPicPr>
           <p:nvPr/>
         </p:nvPicPr>
@@ -9113,8 +9144,8 @@
         </p:blipFill>
         <p:spPr>
           <a:xfrm>
-            <a:off x="2540000" y="0"/>
-            <a:ext cx="6858000" cy="6858000"/>
+            <a:off x="3810000" y="1270000"/>
+            <a:ext cx="4445000" cy="4445000"/>
           </a:xfrm>
           <a:prstGeom prst="rect">
             <a:avLst/>
@@ -9124,7 +9155,7 @@
     </p:spTree>
     <p:extLst>
       <p:ext uri="{BB962C8B-B14F-4D97-AF65-F5344CB8AC3E}">
-        <p14:creationId xmlns:p14="http://schemas.microsoft.com/office/powerpoint/2010/main" val="78071166"/>
+        <p14:creationId xmlns:p14="http://schemas.microsoft.com/office/powerpoint/2010/main" val="1755875378"/>
       </p:ext>
     </p:extLst>
   </p:cSld>
@@ -9155,7 +9186,7 @@
         <p:nvPicPr>
           <p:cNvPr id="2" name="Picture 1"/>
           <p:cNvPicPr>
-            <a:picLocks noChangeAspect="1"/>
+            <a:picLocks/>
           </p:cNvPicPr>
           <p:nvPr/>
         </p:nvPicPr>
@@ -9173,8 +9204,8 @@
         </p:blipFill>
         <p:spPr>
           <a:xfrm>
-            <a:off x="2540000" y="0"/>
-            <a:ext cx="6858000" cy="6858000"/>
+            <a:off x="3810000" y="1270000"/>
+            <a:ext cx="4445000" cy="4445000"/>
           </a:xfrm>
           <a:prstGeom prst="rect">
             <a:avLst/>
@@ -9184,7 +9215,7 @@
     </p:spTree>
     <p:extLst>
       <p:ext uri="{BB962C8B-B14F-4D97-AF65-F5344CB8AC3E}">
-        <p14:creationId xmlns:p14="http://schemas.microsoft.com/office/powerpoint/2010/main" val="3669292149"/>
+        <p14:creationId xmlns:p14="http://schemas.microsoft.com/office/powerpoint/2010/main" val="2148628328"/>
       </p:ext>
     </p:extLst>
   </p:cSld>
@@ -9215,7 +9246,7 @@
         <p:nvPicPr>
           <p:cNvPr id="2" name="Picture 1"/>
           <p:cNvPicPr>
-            <a:picLocks noChangeAspect="1"/>
+            <a:picLocks/>
           </p:cNvPicPr>
           <p:nvPr/>
         </p:nvPicPr>
@@ -9233,8 +9264,8 @@
         </p:blipFill>
         <p:spPr>
           <a:xfrm>
-            <a:off x="2540000" y="0"/>
-            <a:ext cx="6858000" cy="6858000"/>
+            <a:off x="3810000" y="1270000"/>
+            <a:ext cx="4445000" cy="4445000"/>
           </a:xfrm>
           <a:prstGeom prst="rect">
             <a:avLst/>
@@ -9244,7 +9275,7 @@
     </p:spTree>
     <p:extLst>
       <p:ext uri="{BB962C8B-B14F-4D97-AF65-F5344CB8AC3E}">
-        <p14:creationId xmlns:p14="http://schemas.microsoft.com/office/powerpoint/2010/main" val="211925417"/>
+        <p14:creationId xmlns:p14="http://schemas.microsoft.com/office/powerpoint/2010/main" val="532685460"/>
       </p:ext>
     </p:extLst>
   </p:cSld>
@@ -9275,7 +9306,7 @@
         <p:nvPicPr>
           <p:cNvPr id="2" name="Picture 1"/>
           <p:cNvPicPr>
-            <a:picLocks noChangeAspect="1"/>
+            <a:picLocks/>
           </p:cNvPicPr>
           <p:nvPr/>
         </p:nvPicPr>
@@ -9293,8 +9324,8 @@
         </p:blipFill>
         <p:spPr>
           <a:xfrm>
-            <a:off x="2540000" y="0"/>
-            <a:ext cx="6858000" cy="6858000"/>
+            <a:off x="3810000" y="1270000"/>
+            <a:ext cx="4445000" cy="4445000"/>
           </a:xfrm>
           <a:prstGeom prst="rect">
             <a:avLst/>
@@ -9304,7 +9335,7 @@
     </p:spTree>
     <p:extLst>
       <p:ext uri="{BB962C8B-B14F-4D97-AF65-F5344CB8AC3E}">
-        <p14:creationId xmlns:p14="http://schemas.microsoft.com/office/powerpoint/2010/main" val="1213504452"/>
+        <p14:creationId xmlns:p14="http://schemas.microsoft.com/office/powerpoint/2010/main" val="3606062039"/>
       </p:ext>
     </p:extLst>
   </p:cSld>
@@ -9335,7 +9366,7 @@
         <p:nvPicPr>
           <p:cNvPr id="2" name="Picture 1"/>
           <p:cNvPicPr>
-            <a:picLocks noChangeAspect="1"/>
+            <a:picLocks/>
           </p:cNvPicPr>
           <p:nvPr/>
         </p:nvPicPr>
@@ -9353,8 +9384,8 @@
         </p:blipFill>
         <p:spPr>
           <a:xfrm>
-            <a:off x="2540000" y="0"/>
-            <a:ext cx="6858000" cy="6858000"/>
+            <a:off x="3810000" y="1270000"/>
+            <a:ext cx="4445000" cy="4445000"/>
           </a:xfrm>
           <a:prstGeom prst="rect">
             <a:avLst/>
@@ -9364,7 +9395,7 @@
     </p:spTree>
     <p:extLst>
       <p:ext uri="{BB962C8B-B14F-4D97-AF65-F5344CB8AC3E}">
-        <p14:creationId xmlns:p14="http://schemas.microsoft.com/office/powerpoint/2010/main" val="1514925110"/>
+        <p14:creationId xmlns:p14="http://schemas.microsoft.com/office/powerpoint/2010/main" val="2552928575"/>
       </p:ext>
     </p:extLst>
   </p:cSld>
@@ -9395,7 +9426,7 @@
         <p:nvPicPr>
           <p:cNvPr id="2" name="Picture 1"/>
           <p:cNvPicPr>
-            <a:picLocks noChangeAspect="1"/>
+            <a:picLocks/>
           </p:cNvPicPr>
           <p:nvPr/>
         </p:nvPicPr>
@@ -9413,8 +9444,8 @@
         </p:blipFill>
         <p:spPr>
           <a:xfrm>
-            <a:off x="2540000" y="0"/>
-            <a:ext cx="6858000" cy="6858000"/>
+            <a:off x="3810000" y="1270000"/>
+            <a:ext cx="4445000" cy="4445000"/>
           </a:xfrm>
           <a:prstGeom prst="rect">
             <a:avLst/>
@@ -9424,7 +9455,7 @@
     </p:spTree>
     <p:extLst>
       <p:ext uri="{BB962C8B-B14F-4D97-AF65-F5344CB8AC3E}">
-        <p14:creationId xmlns:p14="http://schemas.microsoft.com/office/powerpoint/2010/main" val="66246688"/>
+        <p14:creationId xmlns:p14="http://schemas.microsoft.com/office/powerpoint/2010/main" val="1248294090"/>
       </p:ext>
     </p:extLst>
   </p:cSld>
@@ -9455,7 +9486,7 @@
         <p:nvPicPr>
           <p:cNvPr id="2" name="Picture 1"/>
           <p:cNvPicPr>
-            <a:picLocks noChangeAspect="1"/>
+            <a:picLocks/>
           </p:cNvPicPr>
           <p:nvPr/>
         </p:nvPicPr>
@@ -9473,8 +9504,8 @@
         </p:blipFill>
         <p:spPr>
           <a:xfrm>
-            <a:off x="2540000" y="0"/>
-            <a:ext cx="6858000" cy="6858000"/>
+            <a:off x="3810000" y="1270000"/>
+            <a:ext cx="4445000" cy="4445000"/>
           </a:xfrm>
           <a:prstGeom prst="rect">
             <a:avLst/>
@@ -9484,7 +9515,7 @@
     </p:spTree>
     <p:extLst>
       <p:ext uri="{BB962C8B-B14F-4D97-AF65-F5344CB8AC3E}">
-        <p14:creationId xmlns:p14="http://schemas.microsoft.com/office/powerpoint/2010/main" val="3764065872"/>
+        <p14:creationId xmlns:p14="http://schemas.microsoft.com/office/powerpoint/2010/main" val="1381107507"/>
       </p:ext>
     </p:extLst>
   </p:cSld>
@@ -9515,7 +9546,7 @@
         <p:nvPicPr>
           <p:cNvPr id="2" name="Picture 1"/>
           <p:cNvPicPr>
-            <a:picLocks noChangeAspect="1"/>
+            <a:picLocks/>
           </p:cNvPicPr>
           <p:nvPr/>
         </p:nvPicPr>
@@ -9533,8 +9564,8 @@
         </p:blipFill>
         <p:spPr>
           <a:xfrm>
-            <a:off x="2540000" y="0"/>
-            <a:ext cx="6858000" cy="6858000"/>
+            <a:off x="3810000" y="1270000"/>
+            <a:ext cx="4445000" cy="4445000"/>
           </a:xfrm>
           <a:prstGeom prst="rect">
             <a:avLst/>
@@ -9544,7 +9575,7 @@
     </p:spTree>
     <p:extLst>
       <p:ext uri="{BB962C8B-B14F-4D97-AF65-F5344CB8AC3E}">
-        <p14:creationId xmlns:p14="http://schemas.microsoft.com/office/powerpoint/2010/main" val="146596814"/>
+        <p14:creationId xmlns:p14="http://schemas.microsoft.com/office/powerpoint/2010/main" val="1174151797"/>
       </p:ext>
     </p:extLst>
   </p:cSld>
@@ -9575,7 +9606,7 @@
         <p:nvPicPr>
           <p:cNvPr id="2" name="Picture 1"/>
           <p:cNvPicPr>
-            <a:picLocks noChangeAspect="1"/>
+            <a:picLocks/>
           </p:cNvPicPr>
           <p:nvPr/>
         </p:nvPicPr>
@@ -9593,8 +9624,8 @@
         </p:blipFill>
         <p:spPr>
           <a:xfrm>
-            <a:off x="2540000" y="0"/>
-            <a:ext cx="6858000" cy="6858000"/>
+            <a:off x="3810000" y="1270000"/>
+            <a:ext cx="4445000" cy="4445000"/>
           </a:xfrm>
           <a:prstGeom prst="rect">
             <a:avLst/>
@@ -9604,7 +9635,7 @@
     </p:spTree>
     <p:extLst>
       <p:ext uri="{BB962C8B-B14F-4D97-AF65-F5344CB8AC3E}">
-        <p14:creationId xmlns:p14="http://schemas.microsoft.com/office/powerpoint/2010/main" val="1405255861"/>
+        <p14:creationId xmlns:p14="http://schemas.microsoft.com/office/powerpoint/2010/main" val="931510899"/>
       </p:ext>
     </p:extLst>
   </p:cSld>
@@ -9635,7 +9666,7 @@
         <p:nvPicPr>
           <p:cNvPr id="2" name="Picture 1"/>
           <p:cNvPicPr>
-            <a:picLocks noChangeAspect="1"/>
+            <a:picLocks/>
           </p:cNvPicPr>
           <p:nvPr/>
         </p:nvPicPr>
@@ -9653,8 +9684,8 @@
         </p:blipFill>
         <p:spPr>
           <a:xfrm>
-            <a:off x="2540000" y="0"/>
-            <a:ext cx="6858000" cy="6858000"/>
+            <a:off x="3810000" y="1270000"/>
+            <a:ext cx="4445000" cy="4445000"/>
           </a:xfrm>
           <a:prstGeom prst="rect">
             <a:avLst/>
@@ -9664,7 +9695,7 @@
     </p:spTree>
     <p:extLst>
       <p:ext uri="{BB962C8B-B14F-4D97-AF65-F5344CB8AC3E}">
-        <p14:creationId xmlns:p14="http://schemas.microsoft.com/office/powerpoint/2010/main" val="1642216048"/>
+        <p14:creationId xmlns:p14="http://schemas.microsoft.com/office/powerpoint/2010/main" val="1666511018"/>
       </p:ext>
     </p:extLst>
   </p:cSld>
@@ -9695,7 +9726,7 @@
         <p:nvPicPr>
           <p:cNvPr id="2" name="Picture 1"/>
           <p:cNvPicPr>
-            <a:picLocks noChangeAspect="1"/>
+            <a:picLocks/>
           </p:cNvPicPr>
           <p:nvPr/>
         </p:nvPicPr>
@@ -9713,8 +9744,8 @@
         </p:blipFill>
         <p:spPr>
           <a:xfrm>
-            <a:off x="2540000" y="0"/>
-            <a:ext cx="6858000" cy="6858000"/>
+            <a:off x="3810000" y="1270000"/>
+            <a:ext cx="4445000" cy="4445000"/>
           </a:xfrm>
           <a:prstGeom prst="rect">
             <a:avLst/>
@@ -9724,7 +9755,7 @@
     </p:spTree>
     <p:extLst>
       <p:ext uri="{BB962C8B-B14F-4D97-AF65-F5344CB8AC3E}">
-        <p14:creationId xmlns:p14="http://schemas.microsoft.com/office/powerpoint/2010/main" val="26475863"/>
+        <p14:creationId xmlns:p14="http://schemas.microsoft.com/office/powerpoint/2010/main" val="302425757"/>
       </p:ext>
     </p:extLst>
   </p:cSld>
@@ -9755,7 +9786,7 @@
         <p:nvPicPr>
           <p:cNvPr id="2" name="Picture 1"/>
           <p:cNvPicPr>
-            <a:picLocks noChangeAspect="1"/>
+            <a:picLocks/>
           </p:cNvPicPr>
           <p:nvPr/>
         </p:nvPicPr>
@@ -9773,8 +9804,8 @@
         </p:blipFill>
         <p:spPr>
           <a:xfrm>
-            <a:off x="2540000" y="0"/>
-            <a:ext cx="6858000" cy="6858000"/>
+            <a:off x="3810000" y="1270000"/>
+            <a:ext cx="4445000" cy="4445000"/>
           </a:xfrm>
           <a:prstGeom prst="rect">
             <a:avLst/>
@@ -9784,7 +9815,7 @@
     </p:spTree>
     <p:extLst>
       <p:ext uri="{BB962C8B-B14F-4D97-AF65-F5344CB8AC3E}">
-        <p14:creationId xmlns:p14="http://schemas.microsoft.com/office/powerpoint/2010/main" val="2682070900"/>
+        <p14:creationId xmlns:p14="http://schemas.microsoft.com/office/powerpoint/2010/main" val="3767162844"/>
       </p:ext>
     </p:extLst>
   </p:cSld>
@@ -9815,7 +9846,7 @@
         <p:nvPicPr>
           <p:cNvPr id="2" name="Picture 1"/>
           <p:cNvPicPr>
-            <a:picLocks noChangeAspect="1"/>
+            <a:picLocks/>
           </p:cNvPicPr>
           <p:nvPr/>
         </p:nvPicPr>
@@ -9833,8 +9864,8 @@
         </p:blipFill>
         <p:spPr>
           <a:xfrm>
-            <a:off x="2540000" y="0"/>
-            <a:ext cx="6858000" cy="6858000"/>
+            <a:off x="3810000" y="1270000"/>
+            <a:ext cx="4445000" cy="4445000"/>
           </a:xfrm>
           <a:prstGeom prst="rect">
             <a:avLst/>
@@ -9844,7 +9875,7 @@
     </p:spTree>
     <p:extLst>
       <p:ext uri="{BB962C8B-B14F-4D97-AF65-F5344CB8AC3E}">
-        <p14:creationId xmlns:p14="http://schemas.microsoft.com/office/powerpoint/2010/main" val="1462105134"/>
+        <p14:creationId xmlns:p14="http://schemas.microsoft.com/office/powerpoint/2010/main" val="3846332405"/>
       </p:ext>
     </p:extLst>
   </p:cSld>
@@ -9875,7 +9906,7 @@
         <p:nvPicPr>
           <p:cNvPr id="2" name="Picture 1"/>
           <p:cNvPicPr>
-            <a:picLocks noChangeAspect="1"/>
+            <a:picLocks/>
           </p:cNvPicPr>
           <p:nvPr/>
         </p:nvPicPr>
@@ -9893,8 +9924,8 @@
         </p:blipFill>
         <p:spPr>
           <a:xfrm>
-            <a:off x="2540000" y="0"/>
-            <a:ext cx="6858000" cy="6858000"/>
+            <a:off x="3810000" y="1270000"/>
+            <a:ext cx="4445000" cy="4445000"/>
           </a:xfrm>
           <a:prstGeom prst="rect">
             <a:avLst/>
@@ -9904,7 +9935,7 @@
     </p:spTree>
     <p:extLst>
       <p:ext uri="{BB962C8B-B14F-4D97-AF65-F5344CB8AC3E}">
-        <p14:creationId xmlns:p14="http://schemas.microsoft.com/office/powerpoint/2010/main" val="2277371350"/>
+        <p14:creationId xmlns:p14="http://schemas.microsoft.com/office/powerpoint/2010/main" val="3766114420"/>
       </p:ext>
     </p:extLst>
   </p:cSld>
@@ -9935,7 +9966,7 @@
         <p:nvPicPr>
           <p:cNvPr id="2" name="Picture 1"/>
           <p:cNvPicPr>
-            <a:picLocks noChangeAspect="1"/>
+            <a:picLocks/>
           </p:cNvPicPr>
           <p:nvPr/>
         </p:nvPicPr>
@@ -9953,8 +9984,8 @@
         </p:blipFill>
         <p:spPr>
           <a:xfrm>
-            <a:off x="2540000" y="0"/>
-            <a:ext cx="6858000" cy="6858000"/>
+            <a:off x="3810000" y="1270000"/>
+            <a:ext cx="4445000" cy="4445000"/>
           </a:xfrm>
           <a:prstGeom prst="rect">
             <a:avLst/>
@@ -9964,7 +9995,7 @@
     </p:spTree>
     <p:extLst>
       <p:ext uri="{BB962C8B-B14F-4D97-AF65-F5344CB8AC3E}">
-        <p14:creationId xmlns:p14="http://schemas.microsoft.com/office/powerpoint/2010/main" val="1381187834"/>
+        <p14:creationId xmlns:p14="http://schemas.microsoft.com/office/powerpoint/2010/main" val="615719155"/>
       </p:ext>
     </p:extLst>
   </p:cSld>
@@ -9995,7 +10026,7 @@
         <p:nvPicPr>
           <p:cNvPr id="2" name="Picture 1"/>
           <p:cNvPicPr>
-            <a:picLocks noChangeAspect="1"/>
+            <a:picLocks/>
           </p:cNvPicPr>
           <p:nvPr/>
         </p:nvPicPr>
@@ -10013,8 +10044,8 @@
         </p:blipFill>
         <p:spPr>
           <a:xfrm>
-            <a:off x="2540000" y="0"/>
-            <a:ext cx="6858000" cy="6858000"/>
+            <a:off x="3810000" y="1270000"/>
+            <a:ext cx="4445000" cy="4445000"/>
           </a:xfrm>
           <a:prstGeom prst="rect">
             <a:avLst/>
@@ -10024,7 +10055,7 @@
     </p:spTree>
     <p:extLst>
       <p:ext uri="{BB962C8B-B14F-4D97-AF65-F5344CB8AC3E}">
-        <p14:creationId xmlns:p14="http://schemas.microsoft.com/office/powerpoint/2010/main" val="1287777443"/>
+        <p14:creationId xmlns:p14="http://schemas.microsoft.com/office/powerpoint/2010/main" val="2142516614"/>
       </p:ext>
     </p:extLst>
   </p:cSld>
@@ -10055,7 +10086,7 @@
         <p:nvPicPr>
           <p:cNvPr id="2" name="Picture 1"/>
           <p:cNvPicPr>
-            <a:picLocks noChangeAspect="1"/>
+            <a:picLocks/>
           </p:cNvPicPr>
           <p:nvPr/>
         </p:nvPicPr>
@@ -10073,8 +10104,8 @@
         </p:blipFill>
         <p:spPr>
           <a:xfrm>
-            <a:off x="2540000" y="0"/>
-            <a:ext cx="6858000" cy="6858000"/>
+            <a:off x="3810000" y="1270000"/>
+            <a:ext cx="4445000" cy="4445000"/>
           </a:xfrm>
           <a:prstGeom prst="rect">
             <a:avLst/>
@@ -10084,7 +10115,7 @@
     </p:spTree>
     <p:extLst>
       <p:ext uri="{BB962C8B-B14F-4D97-AF65-F5344CB8AC3E}">
-        <p14:creationId xmlns:p14="http://schemas.microsoft.com/office/powerpoint/2010/main" val="2699043098"/>
+        <p14:creationId xmlns:p14="http://schemas.microsoft.com/office/powerpoint/2010/main" val="4294593563"/>
       </p:ext>
     </p:extLst>
   </p:cSld>
@@ -10115,7 +10146,7 @@
         <p:nvPicPr>
           <p:cNvPr id="2" name="Picture 1"/>
           <p:cNvPicPr>
-            <a:picLocks noChangeAspect="1"/>
+            <a:picLocks/>
           </p:cNvPicPr>
           <p:nvPr/>
         </p:nvPicPr>
@@ -10133,8 +10164,8 @@
         </p:blipFill>
         <p:spPr>
           <a:xfrm>
-            <a:off x="2540000" y="0"/>
-            <a:ext cx="6858000" cy="6858000"/>
+            <a:off x="3810000" y="1270000"/>
+            <a:ext cx="4445000" cy="4445000"/>
           </a:xfrm>
           <a:prstGeom prst="rect">
             <a:avLst/>
@@ -10144,7 +10175,7 @@
     </p:spTree>
     <p:extLst>
       <p:ext uri="{BB962C8B-B14F-4D97-AF65-F5344CB8AC3E}">
-        <p14:creationId xmlns:p14="http://schemas.microsoft.com/office/powerpoint/2010/main" val="3736558826"/>
+        <p14:creationId xmlns:p14="http://schemas.microsoft.com/office/powerpoint/2010/main" val="1089782803"/>
       </p:ext>
     </p:extLst>
   </p:cSld>
@@ -10175,7 +10206,7 @@
         <p:nvPicPr>
           <p:cNvPr id="2" name="Picture 1"/>
           <p:cNvPicPr>
-            <a:picLocks noChangeAspect="1"/>
+            <a:picLocks/>
           </p:cNvPicPr>
           <p:nvPr/>
         </p:nvPicPr>
@@ -10193,8 +10224,8 @@
         </p:blipFill>
         <p:spPr>
           <a:xfrm>
-            <a:off x="2540000" y="0"/>
-            <a:ext cx="6858000" cy="6858000"/>
+            <a:off x="3810000" y="1270000"/>
+            <a:ext cx="4445000" cy="4445000"/>
           </a:xfrm>
           <a:prstGeom prst="rect">
             <a:avLst/>
@@ -10204,7 +10235,7 @@
     </p:spTree>
     <p:extLst>
       <p:ext uri="{BB962C8B-B14F-4D97-AF65-F5344CB8AC3E}">
-        <p14:creationId xmlns:p14="http://schemas.microsoft.com/office/powerpoint/2010/main" val="3222382865"/>
+        <p14:creationId xmlns:p14="http://schemas.microsoft.com/office/powerpoint/2010/main" val="4059977832"/>
       </p:ext>
     </p:extLst>
   </p:cSld>
@@ -10235,7 +10266,7 @@
         <p:nvPicPr>
           <p:cNvPr id="2" name="Picture 1"/>
           <p:cNvPicPr>
-            <a:picLocks noChangeAspect="1"/>
+            <a:picLocks/>
           </p:cNvPicPr>
           <p:nvPr/>
         </p:nvPicPr>
@@ -10253,8 +10284,8 @@
         </p:blipFill>
         <p:spPr>
           <a:xfrm>
-            <a:off x="2540000" y="0"/>
-            <a:ext cx="6858000" cy="6858000"/>
+            <a:off x="3810000" y="1270000"/>
+            <a:ext cx="4445000" cy="4445000"/>
           </a:xfrm>
           <a:prstGeom prst="rect">
             <a:avLst/>
@@ -10264,7 +10295,7 @@
     </p:spTree>
     <p:extLst>
       <p:ext uri="{BB962C8B-B14F-4D97-AF65-F5344CB8AC3E}">
-        <p14:creationId xmlns:p14="http://schemas.microsoft.com/office/powerpoint/2010/main" val="3163776231"/>
+        <p14:creationId xmlns:p14="http://schemas.microsoft.com/office/powerpoint/2010/main" val="307756642"/>
       </p:ext>
     </p:extLst>
   </p:cSld>
@@ -10295,7 +10326,7 @@
         <p:nvPicPr>
           <p:cNvPr id="2" name="Picture 1"/>
           <p:cNvPicPr>
-            <a:picLocks noChangeAspect="1"/>
+            <a:picLocks/>
           </p:cNvPicPr>
           <p:nvPr/>
         </p:nvPicPr>
@@ -10313,8 +10344,8 @@
         </p:blipFill>
         <p:spPr>
           <a:xfrm>
-            <a:off x="2540000" y="0"/>
-            <a:ext cx="6858000" cy="6858000"/>
+            <a:off x="3810000" y="1270000"/>
+            <a:ext cx="4445000" cy="4445000"/>
           </a:xfrm>
           <a:prstGeom prst="rect">
             <a:avLst/>
@@ -10324,7 +10355,7 @@
     </p:spTree>
     <p:extLst>
       <p:ext uri="{BB962C8B-B14F-4D97-AF65-F5344CB8AC3E}">
-        <p14:creationId xmlns:p14="http://schemas.microsoft.com/office/powerpoint/2010/main" val="1014479608"/>
+        <p14:creationId xmlns:p14="http://schemas.microsoft.com/office/powerpoint/2010/main" val="562244837"/>
       </p:ext>
     </p:extLst>
   </p:cSld>
@@ -10355,7 +10386,7 @@
         <p:nvPicPr>
           <p:cNvPr id="2" name="Picture 1"/>
           <p:cNvPicPr>
-            <a:picLocks noChangeAspect="1"/>
+            <a:picLocks/>
           </p:cNvPicPr>
           <p:nvPr/>
         </p:nvPicPr>
@@ -10373,8 +10404,8 @@
         </p:blipFill>
         <p:spPr>
           <a:xfrm>
-            <a:off x="2540000" y="0"/>
-            <a:ext cx="6858000" cy="6858000"/>
+            <a:off x="3810000" y="1270000"/>
+            <a:ext cx="4445000" cy="4445000"/>
           </a:xfrm>
           <a:prstGeom prst="rect">
             <a:avLst/>
@@ -10384,7 +10415,7 @@
     </p:spTree>
     <p:extLst>
       <p:ext uri="{BB962C8B-B14F-4D97-AF65-F5344CB8AC3E}">
-        <p14:creationId xmlns:p14="http://schemas.microsoft.com/office/powerpoint/2010/main" val="3671637564"/>
+        <p14:creationId xmlns:p14="http://schemas.microsoft.com/office/powerpoint/2010/main" val="3728080933"/>
       </p:ext>
     </p:extLst>
   </p:cSld>
@@ -10415,7 +10446,7 @@
         <p:nvPicPr>
           <p:cNvPr id="2" name="Picture 1"/>
           <p:cNvPicPr>
-            <a:picLocks noChangeAspect="1"/>
+            <a:picLocks/>
           </p:cNvPicPr>
           <p:nvPr/>
         </p:nvPicPr>
@@ -10433,8 +10464,8 @@
         </p:blipFill>
         <p:spPr>
           <a:xfrm>
-            <a:off x="2540000" y="0"/>
-            <a:ext cx="6858000" cy="6858000"/>
+            <a:off x="3810000" y="1270000"/>
+            <a:ext cx="4445000" cy="4445000"/>
           </a:xfrm>
           <a:prstGeom prst="rect">
             <a:avLst/>
@@ -10444,7 +10475,7 @@
     </p:spTree>
     <p:extLst>
       <p:ext uri="{BB962C8B-B14F-4D97-AF65-F5344CB8AC3E}">
-        <p14:creationId xmlns:p14="http://schemas.microsoft.com/office/powerpoint/2010/main" val="266077350"/>
+        <p14:creationId xmlns:p14="http://schemas.microsoft.com/office/powerpoint/2010/main" val="543164429"/>
       </p:ext>
     </p:extLst>
   </p:cSld>
@@ -10475,7 +10506,7 @@
         <p:nvPicPr>
           <p:cNvPr id="2" name="Picture 1"/>
           <p:cNvPicPr>
-            <a:picLocks noChangeAspect="1"/>
+            <a:picLocks/>
           </p:cNvPicPr>
           <p:nvPr/>
         </p:nvPicPr>
@@ -10493,8 +10524,8 @@
         </p:blipFill>
         <p:spPr>
           <a:xfrm>
-            <a:off x="2540000" y="0"/>
-            <a:ext cx="6858000" cy="6858000"/>
+            <a:off x="3810000" y="1270000"/>
+            <a:ext cx="4445000" cy="4445000"/>
           </a:xfrm>
           <a:prstGeom prst="rect">
             <a:avLst/>
@@ -10504,7 +10535,7 @@
     </p:spTree>
     <p:extLst>
       <p:ext uri="{BB962C8B-B14F-4D97-AF65-F5344CB8AC3E}">
-        <p14:creationId xmlns:p14="http://schemas.microsoft.com/office/powerpoint/2010/main" val="2532772325"/>
+        <p14:creationId xmlns:p14="http://schemas.microsoft.com/office/powerpoint/2010/main" val="3760209852"/>
       </p:ext>
     </p:extLst>
   </p:cSld>
@@ -10535,7 +10566,7 @@
         <p:nvPicPr>
           <p:cNvPr id="2" name="Picture 1"/>
           <p:cNvPicPr>
-            <a:picLocks noChangeAspect="1"/>
+            <a:picLocks/>
           </p:cNvPicPr>
           <p:nvPr/>
         </p:nvPicPr>
@@ -10553,8 +10584,8 @@
         </p:blipFill>
         <p:spPr>
           <a:xfrm>
-            <a:off x="2540000" y="0"/>
-            <a:ext cx="6858000" cy="6858000"/>
+            <a:off x="3810000" y="1270000"/>
+            <a:ext cx="4445000" cy="4445000"/>
           </a:xfrm>
           <a:prstGeom prst="rect">
             <a:avLst/>
@@ -10564,7 +10595,7 @@
     </p:spTree>
     <p:extLst>
       <p:ext uri="{BB962C8B-B14F-4D97-AF65-F5344CB8AC3E}">
-        <p14:creationId xmlns:p14="http://schemas.microsoft.com/office/powerpoint/2010/main" val="1567686814"/>
+        <p14:creationId xmlns:p14="http://schemas.microsoft.com/office/powerpoint/2010/main" val="2293949194"/>
       </p:ext>
     </p:extLst>
   </p:cSld>
@@ -10595,7 +10626,7 @@
         <p:nvPicPr>
           <p:cNvPr id="2" name="Picture 1"/>
           <p:cNvPicPr>
-            <a:picLocks noChangeAspect="1"/>
+            <a:picLocks/>
           </p:cNvPicPr>
           <p:nvPr/>
         </p:nvPicPr>
@@ -10613,8 +10644,8 @@
         </p:blipFill>
         <p:spPr>
           <a:xfrm>
-            <a:off x="2540000" y="0"/>
-            <a:ext cx="6858000" cy="6858000"/>
+            <a:off x="3810000" y="1270000"/>
+            <a:ext cx="4445000" cy="4445000"/>
           </a:xfrm>
           <a:prstGeom prst="rect">
             <a:avLst/>
@@ -10624,7 +10655,7 @@
     </p:spTree>
     <p:extLst>
       <p:ext uri="{BB962C8B-B14F-4D97-AF65-F5344CB8AC3E}">
-        <p14:creationId xmlns:p14="http://schemas.microsoft.com/office/powerpoint/2010/main" val="3175975942"/>
+        <p14:creationId xmlns:p14="http://schemas.microsoft.com/office/powerpoint/2010/main" val="439887839"/>
       </p:ext>
     </p:extLst>
   </p:cSld>
@@ -10655,7 +10686,7 @@
         <p:nvPicPr>
           <p:cNvPr id="2" name="Picture 1"/>
           <p:cNvPicPr>
-            <a:picLocks noChangeAspect="1"/>
+            <a:picLocks/>
           </p:cNvPicPr>
           <p:nvPr/>
         </p:nvPicPr>
@@ -10673,8 +10704,8 @@
         </p:blipFill>
         <p:spPr>
           <a:xfrm>
-            <a:off x="2540000" y="0"/>
-            <a:ext cx="6858000" cy="6858000"/>
+            <a:off x="3810000" y="1270000"/>
+            <a:ext cx="4445000" cy="4445000"/>
           </a:xfrm>
           <a:prstGeom prst="rect">
             <a:avLst/>
@@ -10684,7 +10715,7 @@
     </p:spTree>
     <p:extLst>
       <p:ext uri="{BB962C8B-B14F-4D97-AF65-F5344CB8AC3E}">
-        <p14:creationId xmlns:p14="http://schemas.microsoft.com/office/powerpoint/2010/main" val="4293076733"/>
+        <p14:creationId xmlns:p14="http://schemas.microsoft.com/office/powerpoint/2010/main" val="4142012417"/>
       </p:ext>
     </p:extLst>
   </p:cSld>
@@ -10715,7 +10746,7 @@
         <p:nvPicPr>
           <p:cNvPr id="2" name="Picture 1"/>
           <p:cNvPicPr>
-            <a:picLocks noChangeAspect="1"/>
+            <a:picLocks/>
           </p:cNvPicPr>
           <p:nvPr/>
         </p:nvPicPr>
@@ -10733,8 +10764,8 @@
         </p:blipFill>
         <p:spPr>
           <a:xfrm>
-            <a:off x="2540000" y="0"/>
-            <a:ext cx="6858000" cy="6858000"/>
+            <a:off x="3810000" y="1270000"/>
+            <a:ext cx="4445000" cy="4445000"/>
           </a:xfrm>
           <a:prstGeom prst="rect">
             <a:avLst/>
@@ -10744,7 +10775,7 @@
     </p:spTree>
     <p:extLst>
       <p:ext uri="{BB962C8B-B14F-4D97-AF65-F5344CB8AC3E}">
-        <p14:creationId xmlns:p14="http://schemas.microsoft.com/office/powerpoint/2010/main" val="3156102580"/>
+        <p14:creationId xmlns:p14="http://schemas.microsoft.com/office/powerpoint/2010/main" val="1708468384"/>
       </p:ext>
     </p:extLst>
   </p:cSld>
@@ -10800,9 +10831,9 @@
         <a:latin typeface="Calibri Light" panose="020F0302020204030204"/>
         <a:ea typeface=""/>
         <a:cs typeface=""/>
-        <a:font script="Jpan" typeface="游ゴシック Light"/>
+        <a:font script="Jpan" typeface="ＭＳ Ｐゴシック"/>
         <a:font script="Hang" typeface="맑은 고딕"/>
-        <a:font script="Hans" typeface="等线 Light"/>
+        <a:font script="Hans" typeface="宋体"/>
         <a:font script="Hant" typeface="新細明體"/>
         <a:font script="Arab" typeface="Times New Roman"/>
         <a:font script="Hebr" typeface="Times New Roman"/>
@@ -10835,9 +10866,9 @@
         <a:latin typeface="Calibri" panose="020F0502020204030204"/>
         <a:ea typeface=""/>
         <a:cs typeface=""/>
-        <a:font script="Jpan" typeface="游ゴシック"/>
+        <a:font script="Jpan" typeface="ＭＳ Ｐゴシック"/>
         <a:font script="Hang" typeface="맑은 고딕"/>
-        <a:font script="Hans" typeface="等线"/>
+        <a:font script="Hans" typeface="宋体"/>
         <a:font script="Hant" typeface="新細明體"/>
         <a:font script="Arab" typeface="Arial"/>
         <a:font script="Hebr" typeface="Arial"/>
@@ -12434,6 +12465,49 @@
 </a:themeOverride>
 </file>
 
+<file path=ppt/theme/themeOverride129.xml><?xml version="1.0" encoding="utf-8"?>
+<a:themeOverride xmlns:a="http://schemas.openxmlformats.org/drawingml/2006/main">
+  <a:clrScheme name="Office">
+    <a:dk1>
+      <a:srgbClr val="000000"/>
+    </a:dk1>
+    <a:lt1>
+      <a:srgbClr val="000000"/>
+    </a:lt1>
+    <a:dk2>
+      <a:srgbClr val="44546A"/>
+    </a:dk2>
+    <a:lt2>
+      <a:srgbClr val="E7E6E6"/>
+    </a:lt2>
+    <a:accent1>
+      <a:srgbClr val="5B9BD5"/>
+    </a:accent1>
+    <a:accent2>
+      <a:srgbClr val="ED7D31"/>
+    </a:accent2>
+    <a:accent3>
+      <a:srgbClr val="A5A5A5"/>
+    </a:accent3>
+    <a:accent4>
+      <a:srgbClr val="FFC000"/>
+    </a:accent4>
+    <a:accent5>
+      <a:srgbClr val="4472C4"/>
+    </a:accent5>
+    <a:accent6>
+      <a:srgbClr val="70AD47"/>
+    </a:accent6>
+    <a:hlink>
+      <a:srgbClr val="0563C1"/>
+    </a:hlink>
+    <a:folHlink>
+      <a:srgbClr val="954F72"/>
+    </a:folHlink>
+  </a:clrScheme>
+</a:themeOverride>
+</file>
+
 <file path=ppt/theme/themeOverride13.xml><?xml version="1.0" encoding="utf-8"?>
 <a:themeOverride xmlns:a="http://schemas.openxmlformats.org/drawingml/2006/main">
   <a:clrScheme name="Office">
